--- a/06_납품현황/2018/02_대구대곡/02_SerialNumber/20180320_대구대곡.pptx
+++ b/06_납품현황/2018/02_대구대곡/02_SerialNumber/20180320_대구대곡.pptx
@@ -5,7 +5,7 @@
     <p:sldMasterId id="2147483648" r:id="rId1"/>
   </p:sldMasterIdLst>
   <p:notesMasterIdLst>
-    <p:notesMasterId r:id="rId28"/>
+    <p:notesMasterId r:id="rId29"/>
   </p:notesMasterIdLst>
   <p:sldIdLst>
     <p:sldId id="256" r:id="rId2"/>
@@ -34,6 +34,7 @@
     <p:sldId id="271" r:id="rId25"/>
     <p:sldId id="283" r:id="rId26"/>
     <p:sldId id="272" r:id="rId27"/>
+    <p:sldId id="284" r:id="rId28"/>
   </p:sldIdLst>
   <p:sldSz cx="12192000" cy="6858000"/>
   <p:notesSz cx="6797675" cy="9926638"/>
@@ -163,6 +164,7 @@
             <p14:sldId id="271"/>
             <p14:sldId id="283"/>
             <p14:sldId id="272"/>
+            <p14:sldId id="284"/>
           </p14:sldIdLst>
         </p14:section>
       </p14:sectionLst>
@@ -260,7 +262,7 @@
           <a:p>
             <a:fld id="{FA38CC0B-4CA6-4F79-8329-9D7711B8C152}" type="datetimeFigureOut">
               <a:rPr lang="ko-KR" altLang="en-US" smtClean="0"/>
-              <a:t>2018-04-03</a:t>
+              <a:t>2018-04-06</a:t>
             </a:fld>
             <a:endParaRPr lang="ko-KR" altLang="en-US"/>
           </a:p>
@@ -1198,7 +1200,7 @@
           <a:p>
             <a:fld id="{010C6041-03A1-4716-8FA6-032B9F05304A}" type="datetimeFigureOut">
               <a:rPr lang="ko-KR" altLang="en-US" smtClean="0"/>
-              <a:t>2018-04-03</a:t>
+              <a:t>2018-04-06</a:t>
             </a:fld>
             <a:endParaRPr lang="ko-KR" altLang="en-US"/>
           </a:p>
@@ -1396,7 +1398,7 @@
           <a:p>
             <a:fld id="{010C6041-03A1-4716-8FA6-032B9F05304A}" type="datetimeFigureOut">
               <a:rPr lang="ko-KR" altLang="en-US" smtClean="0"/>
-              <a:t>2018-04-03</a:t>
+              <a:t>2018-04-06</a:t>
             </a:fld>
             <a:endParaRPr lang="ko-KR" altLang="en-US"/>
           </a:p>
@@ -1604,7 +1606,7 @@
           <a:p>
             <a:fld id="{010C6041-03A1-4716-8FA6-032B9F05304A}" type="datetimeFigureOut">
               <a:rPr lang="ko-KR" altLang="en-US" smtClean="0"/>
-              <a:t>2018-04-03</a:t>
+              <a:t>2018-04-06</a:t>
             </a:fld>
             <a:endParaRPr lang="ko-KR" altLang="en-US"/>
           </a:p>
@@ -1802,7 +1804,7 @@
           <a:p>
             <a:fld id="{010C6041-03A1-4716-8FA6-032B9F05304A}" type="datetimeFigureOut">
               <a:rPr lang="ko-KR" altLang="en-US" smtClean="0"/>
-              <a:t>2018-04-03</a:t>
+              <a:t>2018-04-06</a:t>
             </a:fld>
             <a:endParaRPr lang="ko-KR" altLang="en-US"/>
           </a:p>
@@ -2077,7 +2079,7 @@
           <a:p>
             <a:fld id="{010C6041-03A1-4716-8FA6-032B9F05304A}" type="datetimeFigureOut">
               <a:rPr lang="ko-KR" altLang="en-US" smtClean="0"/>
-              <a:t>2018-04-03</a:t>
+              <a:t>2018-04-06</a:t>
             </a:fld>
             <a:endParaRPr lang="ko-KR" altLang="en-US"/>
           </a:p>
@@ -2342,7 +2344,7 @@
           <a:p>
             <a:fld id="{010C6041-03A1-4716-8FA6-032B9F05304A}" type="datetimeFigureOut">
               <a:rPr lang="ko-KR" altLang="en-US" smtClean="0"/>
-              <a:t>2018-04-03</a:t>
+              <a:t>2018-04-06</a:t>
             </a:fld>
             <a:endParaRPr lang="ko-KR" altLang="en-US"/>
           </a:p>
@@ -2754,7 +2756,7 @@
           <a:p>
             <a:fld id="{010C6041-03A1-4716-8FA6-032B9F05304A}" type="datetimeFigureOut">
               <a:rPr lang="ko-KR" altLang="en-US" smtClean="0"/>
-              <a:t>2018-04-03</a:t>
+              <a:t>2018-04-06</a:t>
             </a:fld>
             <a:endParaRPr lang="ko-KR" altLang="en-US"/>
           </a:p>
@@ -2895,7 +2897,7 @@
           <a:p>
             <a:fld id="{010C6041-03A1-4716-8FA6-032B9F05304A}" type="datetimeFigureOut">
               <a:rPr lang="ko-KR" altLang="en-US" smtClean="0"/>
-              <a:t>2018-04-03</a:t>
+              <a:t>2018-04-06</a:t>
             </a:fld>
             <a:endParaRPr lang="ko-KR" altLang="en-US"/>
           </a:p>
@@ -3008,7 +3010,7 @@
           <a:p>
             <a:fld id="{010C6041-03A1-4716-8FA6-032B9F05304A}" type="datetimeFigureOut">
               <a:rPr lang="ko-KR" altLang="en-US" smtClean="0"/>
-              <a:t>2018-04-03</a:t>
+              <a:t>2018-04-06</a:t>
             </a:fld>
             <a:endParaRPr lang="ko-KR" altLang="en-US"/>
           </a:p>
@@ -3319,7 +3321,7 @@
           <a:p>
             <a:fld id="{010C6041-03A1-4716-8FA6-032B9F05304A}" type="datetimeFigureOut">
               <a:rPr lang="ko-KR" altLang="en-US" smtClean="0"/>
-              <a:t>2018-04-03</a:t>
+              <a:t>2018-04-06</a:t>
             </a:fld>
             <a:endParaRPr lang="ko-KR" altLang="en-US"/>
           </a:p>
@@ -3607,7 +3609,7 @@
           <a:p>
             <a:fld id="{010C6041-03A1-4716-8FA6-032B9F05304A}" type="datetimeFigureOut">
               <a:rPr lang="ko-KR" altLang="en-US" smtClean="0"/>
-              <a:t>2018-04-03</a:t>
+              <a:t>2018-04-06</a:t>
             </a:fld>
             <a:endParaRPr lang="ko-KR" altLang="en-US"/>
           </a:p>
@@ -3848,7 +3850,7 @@
           <a:p>
             <a:fld id="{010C6041-03A1-4716-8FA6-032B9F05304A}" type="datetimeFigureOut">
               <a:rPr lang="ko-KR" altLang="en-US" smtClean="0"/>
-              <a:t>2018-04-03</a:t>
+              <a:t>2018-04-06</a:t>
             </a:fld>
             <a:endParaRPr lang="ko-KR" altLang="en-US"/>
           </a:p>
@@ -4472,11 +4474,7 @@
           <a:p>
             <a:r>
               <a:rPr lang="en-US" altLang="ko-KR" b="1" dirty="0" smtClean="0"/>
-              <a:t>USM : 7870 ~ 7927 (58</a:t>
-            </a:r>
-            <a:r>
-              <a:rPr lang="en-US" altLang="ko-KR" b="1" dirty="0" smtClean="0"/>
-              <a:t>)</a:t>
+              <a:t>USM : 7870 ~ 7927 (58)</a:t>
             </a:r>
           </a:p>
           <a:p>
@@ -6437,19 +6435,7 @@
           <a:p>
             <a:r>
               <a:rPr lang="en-US" altLang="ko-KR" b="1" dirty="0" smtClean="0"/>
-              <a:t>LGM : 2454 ~ </a:t>
-            </a:r>
-            <a:r>
-              <a:rPr lang="en-US" altLang="ko-KR" b="1" dirty="0" smtClean="0"/>
-              <a:t>(</a:t>
-            </a:r>
-            <a:r>
-              <a:rPr lang="en-US" altLang="ko-KR" b="1" dirty="0" smtClean="0"/>
-              <a:t>19</a:t>
-            </a:r>
-            <a:r>
-              <a:rPr lang="en-US" altLang="ko-KR" b="1" dirty="0" smtClean="0"/>
-              <a:t>)</a:t>
+              <a:t>LGM : 2454 ~ (19)</a:t>
             </a:r>
           </a:p>
           <a:p>
@@ -9285,6 +9271,589 @@
           </a:p>
         </p:txBody>
       </p:sp>
+      <p:cxnSp>
+        <p:nvCxnSpPr>
+          <p:cNvPr id="4" name="직선 화살표 연결선 3"/>
+          <p:cNvCxnSpPr/>
+          <p:nvPr/>
+        </p:nvCxnSpPr>
+        <p:spPr>
+          <a:xfrm flipH="1">
+            <a:off x="11078403" y="5577693"/>
+            <a:ext cx="820818" cy="0"/>
+          </a:xfrm>
+          <a:prstGeom prst="straightConnector1">
+            <a:avLst/>
+          </a:prstGeom>
+          <a:ln w="28575">
+            <a:solidFill>
+              <a:schemeClr val="tx1"/>
+            </a:solidFill>
+            <a:tailEnd type="triangle"/>
+          </a:ln>
+        </p:spPr>
+        <p:style>
+          <a:lnRef idx="1">
+            <a:schemeClr val="accent1"/>
+          </a:lnRef>
+          <a:fillRef idx="0">
+            <a:schemeClr val="accent1"/>
+          </a:fillRef>
+          <a:effectRef idx="0">
+            <a:schemeClr val="accent1"/>
+          </a:effectRef>
+          <a:fontRef idx="minor">
+            <a:schemeClr val="tx1"/>
+          </a:fontRef>
+        </p:style>
+      </p:cxnSp>
+      <p:cxnSp>
+        <p:nvCxnSpPr>
+          <p:cNvPr id="6" name="직선 화살표 연결선 5"/>
+          <p:cNvCxnSpPr/>
+          <p:nvPr/>
+        </p:nvCxnSpPr>
+        <p:spPr>
+          <a:xfrm flipV="1">
+            <a:off x="9586580" y="4622068"/>
+            <a:ext cx="0" cy="663164"/>
+          </a:xfrm>
+          <a:prstGeom prst="straightConnector1">
+            <a:avLst/>
+          </a:prstGeom>
+          <a:ln w="28575">
+            <a:solidFill>
+              <a:schemeClr val="tx1"/>
+            </a:solidFill>
+            <a:tailEnd type="triangle"/>
+          </a:ln>
+        </p:spPr>
+        <p:style>
+          <a:lnRef idx="1">
+            <a:schemeClr val="accent1"/>
+          </a:lnRef>
+          <a:fillRef idx="0">
+            <a:schemeClr val="accent1"/>
+          </a:fillRef>
+          <a:effectRef idx="0">
+            <a:schemeClr val="accent1"/>
+          </a:effectRef>
+          <a:fontRef idx="minor">
+            <a:schemeClr val="tx1"/>
+          </a:fontRef>
+        </p:style>
+      </p:cxnSp>
+      <p:cxnSp>
+        <p:nvCxnSpPr>
+          <p:cNvPr id="104" name="직선 화살표 연결선 103"/>
+          <p:cNvCxnSpPr/>
+          <p:nvPr/>
+        </p:nvCxnSpPr>
+        <p:spPr>
+          <a:xfrm flipH="1">
+            <a:off x="9811809" y="3812919"/>
+            <a:ext cx="820818" cy="0"/>
+          </a:xfrm>
+          <a:prstGeom prst="straightConnector1">
+            <a:avLst/>
+          </a:prstGeom>
+          <a:ln w="28575">
+            <a:solidFill>
+              <a:schemeClr val="tx1"/>
+            </a:solidFill>
+            <a:tailEnd type="triangle"/>
+          </a:ln>
+        </p:spPr>
+        <p:style>
+          <a:lnRef idx="1">
+            <a:schemeClr val="accent1"/>
+          </a:lnRef>
+          <a:fillRef idx="0">
+            <a:schemeClr val="accent1"/>
+          </a:fillRef>
+          <a:effectRef idx="0">
+            <a:schemeClr val="accent1"/>
+          </a:effectRef>
+          <a:fontRef idx="minor">
+            <a:schemeClr val="tx1"/>
+          </a:fontRef>
+        </p:style>
+      </p:cxnSp>
+      <p:cxnSp>
+        <p:nvCxnSpPr>
+          <p:cNvPr id="105" name="직선 화살표 연결선 104"/>
+          <p:cNvCxnSpPr/>
+          <p:nvPr/>
+        </p:nvCxnSpPr>
+        <p:spPr>
+          <a:xfrm flipV="1">
+            <a:off x="9379112" y="2929023"/>
+            <a:ext cx="0" cy="663164"/>
+          </a:xfrm>
+          <a:prstGeom prst="straightConnector1">
+            <a:avLst/>
+          </a:prstGeom>
+          <a:ln w="28575">
+            <a:solidFill>
+              <a:schemeClr val="tx1"/>
+            </a:solidFill>
+            <a:tailEnd type="triangle"/>
+          </a:ln>
+        </p:spPr>
+        <p:style>
+          <a:lnRef idx="1">
+            <a:schemeClr val="accent1"/>
+          </a:lnRef>
+          <a:fillRef idx="0">
+            <a:schemeClr val="accent1"/>
+          </a:fillRef>
+          <a:effectRef idx="0">
+            <a:schemeClr val="accent1"/>
+          </a:effectRef>
+          <a:fontRef idx="minor">
+            <a:schemeClr val="tx1"/>
+          </a:fontRef>
+        </p:style>
+      </p:cxnSp>
+      <p:cxnSp>
+        <p:nvCxnSpPr>
+          <p:cNvPr id="106" name="직선 화살표 연결선 105"/>
+          <p:cNvCxnSpPr/>
+          <p:nvPr/>
+        </p:nvCxnSpPr>
+        <p:spPr>
+          <a:xfrm flipH="1">
+            <a:off x="9715023" y="4321510"/>
+            <a:ext cx="820818" cy="0"/>
+          </a:xfrm>
+          <a:prstGeom prst="straightConnector1">
+            <a:avLst/>
+          </a:prstGeom>
+          <a:ln w="28575">
+            <a:solidFill>
+              <a:schemeClr val="tx1"/>
+            </a:solidFill>
+            <a:headEnd type="triangle" w="med" len="med"/>
+            <a:tailEnd type="none" w="med" len="med"/>
+          </a:ln>
+        </p:spPr>
+        <p:style>
+          <a:lnRef idx="1">
+            <a:schemeClr val="accent1"/>
+          </a:lnRef>
+          <a:fillRef idx="0">
+            <a:schemeClr val="accent1"/>
+          </a:fillRef>
+          <a:effectRef idx="0">
+            <a:schemeClr val="accent1"/>
+          </a:effectRef>
+          <a:fontRef idx="minor">
+            <a:schemeClr val="tx1"/>
+          </a:fontRef>
+        </p:style>
+      </p:cxnSp>
+      <p:cxnSp>
+        <p:nvCxnSpPr>
+          <p:cNvPr id="107" name="직선 화살표 연결선 106"/>
+          <p:cNvCxnSpPr/>
+          <p:nvPr/>
+        </p:nvCxnSpPr>
+        <p:spPr>
+          <a:xfrm flipV="1">
+            <a:off x="8715576" y="2478933"/>
+            <a:ext cx="0" cy="663164"/>
+          </a:xfrm>
+          <a:prstGeom prst="straightConnector1">
+            <a:avLst/>
+          </a:prstGeom>
+          <a:ln w="28575">
+            <a:solidFill>
+              <a:schemeClr val="tx1"/>
+            </a:solidFill>
+            <a:headEnd type="triangle" w="med" len="med"/>
+            <a:tailEnd type="none" w="med" len="med"/>
+          </a:ln>
+        </p:spPr>
+        <p:style>
+          <a:lnRef idx="1">
+            <a:schemeClr val="accent1"/>
+          </a:lnRef>
+          <a:fillRef idx="0">
+            <a:schemeClr val="accent1"/>
+          </a:fillRef>
+          <a:effectRef idx="0">
+            <a:schemeClr val="accent1"/>
+          </a:effectRef>
+          <a:fontRef idx="minor">
+            <a:schemeClr val="tx1"/>
+          </a:fontRef>
+        </p:style>
+      </p:cxnSp>
+      <p:cxnSp>
+        <p:nvCxnSpPr>
+          <p:cNvPr id="108" name="직선 화살표 연결선 107"/>
+          <p:cNvCxnSpPr/>
+          <p:nvPr/>
+        </p:nvCxnSpPr>
+        <p:spPr>
+          <a:xfrm flipH="1">
+            <a:off x="7686093" y="3812919"/>
+            <a:ext cx="820818" cy="0"/>
+          </a:xfrm>
+          <a:prstGeom prst="straightConnector1">
+            <a:avLst/>
+          </a:prstGeom>
+          <a:ln w="28575">
+            <a:solidFill>
+              <a:schemeClr val="tx1"/>
+            </a:solidFill>
+            <a:tailEnd type="triangle"/>
+          </a:ln>
+        </p:spPr>
+        <p:style>
+          <a:lnRef idx="1">
+            <a:schemeClr val="accent1"/>
+          </a:lnRef>
+          <a:fillRef idx="0">
+            <a:schemeClr val="accent1"/>
+          </a:fillRef>
+          <a:effectRef idx="0">
+            <a:schemeClr val="accent1"/>
+          </a:effectRef>
+          <a:fontRef idx="minor">
+            <a:schemeClr val="tx1"/>
+          </a:fontRef>
+        </p:style>
+      </p:cxnSp>
+      <p:cxnSp>
+        <p:nvCxnSpPr>
+          <p:cNvPr id="109" name="직선 화살표 연결선 108"/>
+          <p:cNvCxnSpPr/>
+          <p:nvPr/>
+        </p:nvCxnSpPr>
+        <p:spPr>
+          <a:xfrm flipH="1" flipV="1">
+            <a:off x="7788724" y="4314860"/>
+            <a:ext cx="428082" cy="6650"/>
+          </a:xfrm>
+          <a:prstGeom prst="straightConnector1">
+            <a:avLst/>
+          </a:prstGeom>
+          <a:ln w="28575">
+            <a:solidFill>
+              <a:schemeClr val="tx1"/>
+            </a:solidFill>
+            <a:headEnd type="triangle" w="med" len="med"/>
+            <a:tailEnd type="none" w="med" len="med"/>
+          </a:ln>
+        </p:spPr>
+        <p:style>
+          <a:lnRef idx="1">
+            <a:schemeClr val="accent1"/>
+          </a:lnRef>
+          <a:fillRef idx="0">
+            <a:schemeClr val="accent1"/>
+          </a:fillRef>
+          <a:effectRef idx="0">
+            <a:schemeClr val="accent1"/>
+          </a:effectRef>
+          <a:fontRef idx="minor">
+            <a:schemeClr val="tx1"/>
+          </a:fontRef>
+        </p:style>
+      </p:cxnSp>
+      <p:cxnSp>
+        <p:nvCxnSpPr>
+          <p:cNvPr id="110" name="직선 화살표 연결선 109"/>
+          <p:cNvCxnSpPr/>
+          <p:nvPr/>
+        </p:nvCxnSpPr>
+        <p:spPr>
+          <a:xfrm flipH="1">
+            <a:off x="8036193" y="5577693"/>
+            <a:ext cx="470718" cy="0"/>
+          </a:xfrm>
+          <a:prstGeom prst="straightConnector1">
+            <a:avLst/>
+          </a:prstGeom>
+          <a:ln w="28575">
+            <a:solidFill>
+              <a:schemeClr val="tx1"/>
+            </a:solidFill>
+            <a:tailEnd type="triangle"/>
+          </a:ln>
+        </p:spPr>
+        <p:style>
+          <a:lnRef idx="1">
+            <a:schemeClr val="accent1"/>
+          </a:lnRef>
+          <a:fillRef idx="0">
+            <a:schemeClr val="accent1"/>
+          </a:fillRef>
+          <a:effectRef idx="0">
+            <a:schemeClr val="accent1"/>
+          </a:effectRef>
+          <a:fontRef idx="minor">
+            <a:schemeClr val="tx1"/>
+          </a:fontRef>
+        </p:style>
+      </p:cxnSp>
+      <p:cxnSp>
+        <p:nvCxnSpPr>
+          <p:cNvPr id="111" name="직선 화살표 연결선 110"/>
+          <p:cNvCxnSpPr/>
+          <p:nvPr/>
+        </p:nvCxnSpPr>
+        <p:spPr>
+          <a:xfrm flipV="1">
+            <a:off x="7176336" y="4013733"/>
+            <a:ext cx="0" cy="663164"/>
+          </a:xfrm>
+          <a:prstGeom prst="straightConnector1">
+            <a:avLst/>
+          </a:prstGeom>
+          <a:ln w="28575">
+            <a:solidFill>
+              <a:schemeClr val="tx1"/>
+            </a:solidFill>
+            <a:headEnd type="triangle" w="med" len="med"/>
+            <a:tailEnd type="none" w="med" len="med"/>
+          </a:ln>
+        </p:spPr>
+        <p:style>
+          <a:lnRef idx="1">
+            <a:schemeClr val="accent1"/>
+          </a:lnRef>
+          <a:fillRef idx="0">
+            <a:schemeClr val="accent1"/>
+          </a:fillRef>
+          <a:effectRef idx="0">
+            <a:schemeClr val="accent1"/>
+          </a:effectRef>
+          <a:fontRef idx="minor">
+            <a:schemeClr val="tx1"/>
+          </a:fontRef>
+        </p:style>
+      </p:cxnSp>
+      <p:cxnSp>
+        <p:nvCxnSpPr>
+          <p:cNvPr id="112" name="직선 화살표 연결선 111"/>
+          <p:cNvCxnSpPr/>
+          <p:nvPr/>
+        </p:nvCxnSpPr>
+        <p:spPr>
+          <a:xfrm flipV="1">
+            <a:off x="5878627" y="4345315"/>
+            <a:ext cx="0" cy="663164"/>
+          </a:xfrm>
+          <a:prstGeom prst="straightConnector1">
+            <a:avLst/>
+          </a:prstGeom>
+          <a:ln w="28575">
+            <a:solidFill>
+              <a:schemeClr val="tx1"/>
+            </a:solidFill>
+            <a:tailEnd type="triangle"/>
+          </a:ln>
+        </p:spPr>
+        <p:style>
+          <a:lnRef idx="1">
+            <a:schemeClr val="accent1"/>
+          </a:lnRef>
+          <a:fillRef idx="0">
+            <a:schemeClr val="accent1"/>
+          </a:fillRef>
+          <a:effectRef idx="0">
+            <a:schemeClr val="accent1"/>
+          </a:effectRef>
+          <a:fontRef idx="minor">
+            <a:schemeClr val="tx1"/>
+          </a:fontRef>
+        </p:style>
+      </p:cxnSp>
+      <p:cxnSp>
+        <p:nvCxnSpPr>
+          <p:cNvPr id="113" name="직선 화살표 연결선 112"/>
+          <p:cNvCxnSpPr/>
+          <p:nvPr/>
+        </p:nvCxnSpPr>
+        <p:spPr>
+          <a:xfrm flipH="1">
+            <a:off x="4965191" y="3785202"/>
+            <a:ext cx="820818" cy="0"/>
+          </a:xfrm>
+          <a:prstGeom prst="straightConnector1">
+            <a:avLst/>
+          </a:prstGeom>
+          <a:ln w="28575">
+            <a:solidFill>
+              <a:schemeClr val="tx1"/>
+            </a:solidFill>
+            <a:tailEnd type="triangle"/>
+          </a:ln>
+        </p:spPr>
+        <p:style>
+          <a:lnRef idx="1">
+            <a:schemeClr val="accent1"/>
+          </a:lnRef>
+          <a:fillRef idx="0">
+            <a:schemeClr val="accent1"/>
+          </a:fillRef>
+          <a:effectRef idx="0">
+            <a:schemeClr val="accent1"/>
+          </a:effectRef>
+          <a:fontRef idx="minor">
+            <a:schemeClr val="tx1"/>
+          </a:fontRef>
+        </p:style>
+      </p:cxnSp>
+      <p:cxnSp>
+        <p:nvCxnSpPr>
+          <p:cNvPr id="114" name="직선 화살표 연결선 113"/>
+          <p:cNvCxnSpPr/>
+          <p:nvPr/>
+        </p:nvCxnSpPr>
+        <p:spPr>
+          <a:xfrm flipH="1">
+            <a:off x="825892" y="4345315"/>
+            <a:ext cx="820818" cy="0"/>
+          </a:xfrm>
+          <a:prstGeom prst="straightConnector1">
+            <a:avLst/>
+          </a:prstGeom>
+          <a:ln w="28575">
+            <a:solidFill>
+              <a:schemeClr val="tx1"/>
+            </a:solidFill>
+            <a:headEnd type="triangle" w="med" len="med"/>
+            <a:tailEnd type="none" w="med" len="med"/>
+          </a:ln>
+        </p:spPr>
+        <p:style>
+          <a:lnRef idx="1">
+            <a:schemeClr val="accent1"/>
+          </a:lnRef>
+          <a:fillRef idx="0">
+            <a:schemeClr val="accent1"/>
+          </a:fillRef>
+          <a:effectRef idx="0">
+            <a:schemeClr val="accent1"/>
+          </a:effectRef>
+          <a:fontRef idx="minor">
+            <a:schemeClr val="tx1"/>
+          </a:fontRef>
+        </p:style>
+      </p:cxnSp>
+      <p:cxnSp>
+        <p:nvCxnSpPr>
+          <p:cNvPr id="115" name="직선 화살표 연결선 114"/>
+          <p:cNvCxnSpPr/>
+          <p:nvPr/>
+        </p:nvCxnSpPr>
+        <p:spPr>
+          <a:xfrm flipH="1">
+            <a:off x="4403442" y="5583642"/>
+            <a:ext cx="820818" cy="0"/>
+          </a:xfrm>
+          <a:prstGeom prst="straightConnector1">
+            <a:avLst/>
+          </a:prstGeom>
+          <a:ln w="28575">
+            <a:solidFill>
+              <a:schemeClr val="tx1"/>
+            </a:solidFill>
+            <a:tailEnd type="triangle"/>
+          </a:ln>
+        </p:spPr>
+        <p:style>
+          <a:lnRef idx="1">
+            <a:schemeClr val="accent1"/>
+          </a:lnRef>
+          <a:fillRef idx="0">
+            <a:schemeClr val="accent1"/>
+          </a:fillRef>
+          <a:effectRef idx="0">
+            <a:schemeClr val="accent1"/>
+          </a:effectRef>
+          <a:fontRef idx="minor">
+            <a:schemeClr val="tx1"/>
+          </a:fontRef>
+        </p:style>
+      </p:cxnSp>
+      <p:cxnSp>
+        <p:nvCxnSpPr>
+          <p:cNvPr id="116" name="직선 화살표 연결선 115"/>
+          <p:cNvCxnSpPr/>
+          <p:nvPr/>
+        </p:nvCxnSpPr>
+        <p:spPr>
+          <a:xfrm flipH="1">
+            <a:off x="648529" y="6223659"/>
+            <a:ext cx="820818" cy="0"/>
+          </a:xfrm>
+          <a:prstGeom prst="straightConnector1">
+            <a:avLst/>
+          </a:prstGeom>
+          <a:ln w="28575">
+            <a:solidFill>
+              <a:schemeClr val="tx1"/>
+            </a:solidFill>
+            <a:headEnd type="triangle" w="med" len="med"/>
+            <a:tailEnd type="none" w="med" len="med"/>
+          </a:ln>
+        </p:spPr>
+        <p:style>
+          <a:lnRef idx="1">
+            <a:schemeClr val="accent1"/>
+          </a:lnRef>
+          <a:fillRef idx="0">
+            <a:schemeClr val="accent1"/>
+          </a:fillRef>
+          <a:effectRef idx="0">
+            <a:schemeClr val="accent1"/>
+          </a:effectRef>
+          <a:fontRef idx="minor">
+            <a:schemeClr val="tx1"/>
+          </a:fontRef>
+        </p:style>
+      </p:cxnSp>
+      <p:cxnSp>
+        <p:nvCxnSpPr>
+          <p:cNvPr id="117" name="직선 화살표 연결선 116"/>
+          <p:cNvCxnSpPr/>
+          <p:nvPr/>
+        </p:nvCxnSpPr>
+        <p:spPr>
+          <a:xfrm flipH="1">
+            <a:off x="3225396" y="6223659"/>
+            <a:ext cx="820818" cy="0"/>
+          </a:xfrm>
+          <a:prstGeom prst="straightConnector1">
+            <a:avLst/>
+          </a:prstGeom>
+          <a:ln w="28575">
+            <a:solidFill>
+              <a:schemeClr val="tx1"/>
+            </a:solidFill>
+            <a:headEnd type="triangle" w="med" len="med"/>
+            <a:tailEnd type="none" w="med" len="med"/>
+          </a:ln>
+        </p:spPr>
+        <p:style>
+          <a:lnRef idx="1">
+            <a:schemeClr val="accent1"/>
+          </a:lnRef>
+          <a:fillRef idx="0">
+            <a:schemeClr val="accent1"/>
+          </a:fillRef>
+          <a:effectRef idx="0">
+            <a:schemeClr val="accent1"/>
+          </a:effectRef>
+          <a:fontRef idx="minor">
+            <a:schemeClr val="tx1"/>
+          </a:fontRef>
+        </p:style>
+      </p:cxnSp>
     </p:spTree>
     <p:extLst>
       <p:ext uri="{BB962C8B-B14F-4D97-AF65-F5344CB8AC3E}">
@@ -12964,6 +13533,337 @@
           </a:p>
         </p:txBody>
       </p:sp>
+      <p:cxnSp>
+        <p:nvCxnSpPr>
+          <p:cNvPr id="4" name="직선 화살표 연결선 3"/>
+          <p:cNvCxnSpPr/>
+          <p:nvPr/>
+        </p:nvCxnSpPr>
+        <p:spPr>
+          <a:xfrm flipH="1">
+            <a:off x="4591751" y="4429069"/>
+            <a:ext cx="230956" cy="0"/>
+          </a:xfrm>
+          <a:prstGeom prst="straightConnector1">
+            <a:avLst/>
+          </a:prstGeom>
+          <a:ln w="28575">
+            <a:solidFill>
+              <a:schemeClr val="tx1"/>
+            </a:solidFill>
+            <a:tailEnd type="triangle"/>
+          </a:ln>
+        </p:spPr>
+        <p:style>
+          <a:lnRef idx="1">
+            <a:schemeClr val="accent1"/>
+          </a:lnRef>
+          <a:fillRef idx="0">
+            <a:schemeClr val="accent1"/>
+          </a:fillRef>
+          <a:effectRef idx="0">
+            <a:schemeClr val="accent1"/>
+          </a:effectRef>
+          <a:fontRef idx="minor">
+            <a:schemeClr val="tx1"/>
+          </a:fontRef>
+        </p:style>
+      </p:cxnSp>
+      <p:cxnSp>
+        <p:nvCxnSpPr>
+          <p:cNvPr id="6" name="꺾인 연결선 5"/>
+          <p:cNvCxnSpPr/>
+          <p:nvPr/>
+        </p:nvCxnSpPr>
+        <p:spPr>
+          <a:xfrm>
+            <a:off x="4392142" y="4532014"/>
+            <a:ext cx="442595" cy="205060"/>
+          </a:xfrm>
+          <a:prstGeom prst="bentConnector3">
+            <a:avLst>
+              <a:gd name="adj1" fmla="val 2482"/>
+            </a:avLst>
+          </a:prstGeom>
+          <a:ln w="28575">
+            <a:solidFill>
+              <a:schemeClr val="tx1"/>
+            </a:solidFill>
+            <a:tailEnd type="triangle"/>
+          </a:ln>
+        </p:spPr>
+        <p:style>
+          <a:lnRef idx="1">
+            <a:schemeClr val="accent1"/>
+          </a:lnRef>
+          <a:fillRef idx="0">
+            <a:schemeClr val="accent1"/>
+          </a:fillRef>
+          <a:effectRef idx="0">
+            <a:schemeClr val="accent1"/>
+          </a:effectRef>
+          <a:fontRef idx="minor">
+            <a:schemeClr val="tx1"/>
+          </a:fontRef>
+        </p:style>
+      </p:cxnSp>
+      <p:cxnSp>
+        <p:nvCxnSpPr>
+          <p:cNvPr id="11" name="꺾인 연결선 10"/>
+          <p:cNvCxnSpPr/>
+          <p:nvPr/>
+        </p:nvCxnSpPr>
+        <p:spPr>
+          <a:xfrm rot="10800000" flipV="1">
+            <a:off x="4280810" y="5296288"/>
+            <a:ext cx="640080" cy="462521"/>
+          </a:xfrm>
+          <a:prstGeom prst="bentConnector3">
+            <a:avLst>
+              <a:gd name="adj1" fmla="val 0"/>
+            </a:avLst>
+          </a:prstGeom>
+          <a:ln w="28575">
+            <a:solidFill>
+              <a:schemeClr val="tx1"/>
+            </a:solidFill>
+            <a:tailEnd type="triangle"/>
+          </a:ln>
+        </p:spPr>
+        <p:style>
+          <a:lnRef idx="1">
+            <a:schemeClr val="accent1"/>
+          </a:lnRef>
+          <a:fillRef idx="0">
+            <a:schemeClr val="accent1"/>
+          </a:fillRef>
+          <a:effectRef idx="0">
+            <a:schemeClr val="accent1"/>
+          </a:effectRef>
+          <a:fontRef idx="minor">
+            <a:schemeClr val="tx1"/>
+          </a:fontRef>
+        </p:style>
+      </p:cxnSp>
+      <p:cxnSp>
+        <p:nvCxnSpPr>
+          <p:cNvPr id="14" name="직선 화살표 연결선 13"/>
+          <p:cNvCxnSpPr/>
+          <p:nvPr/>
+        </p:nvCxnSpPr>
+        <p:spPr>
+          <a:xfrm>
+            <a:off x="2784275" y="6065518"/>
+            <a:ext cx="1513373" cy="0"/>
+          </a:xfrm>
+          <a:prstGeom prst="straightConnector1">
+            <a:avLst/>
+          </a:prstGeom>
+          <a:ln w="28575">
+            <a:solidFill>
+              <a:schemeClr val="tx1"/>
+            </a:solidFill>
+            <a:tailEnd type="triangle"/>
+          </a:ln>
+        </p:spPr>
+        <p:style>
+          <a:lnRef idx="1">
+            <a:schemeClr val="accent1"/>
+          </a:lnRef>
+          <a:fillRef idx="0">
+            <a:schemeClr val="accent1"/>
+          </a:fillRef>
+          <a:effectRef idx="0">
+            <a:schemeClr val="accent1"/>
+          </a:effectRef>
+          <a:fontRef idx="minor">
+            <a:schemeClr val="tx1"/>
+          </a:fontRef>
+        </p:style>
+      </p:cxnSp>
+      <p:cxnSp>
+        <p:nvCxnSpPr>
+          <p:cNvPr id="96" name="직선 화살표 연결선 95"/>
+          <p:cNvCxnSpPr/>
+          <p:nvPr/>
+        </p:nvCxnSpPr>
+        <p:spPr>
+          <a:xfrm>
+            <a:off x="8440546" y="5749933"/>
+            <a:ext cx="1513373" cy="0"/>
+          </a:xfrm>
+          <a:prstGeom prst="straightConnector1">
+            <a:avLst/>
+          </a:prstGeom>
+          <a:ln w="28575">
+            <a:solidFill>
+              <a:schemeClr val="tx1"/>
+            </a:solidFill>
+            <a:headEnd type="triangle" w="med" len="med"/>
+            <a:tailEnd type="none" w="med" len="med"/>
+          </a:ln>
+        </p:spPr>
+        <p:style>
+          <a:lnRef idx="1">
+            <a:schemeClr val="accent1"/>
+          </a:lnRef>
+          <a:fillRef idx="0">
+            <a:schemeClr val="accent1"/>
+          </a:fillRef>
+          <a:effectRef idx="0">
+            <a:schemeClr val="accent1"/>
+          </a:effectRef>
+          <a:fontRef idx="minor">
+            <a:schemeClr val="tx1"/>
+          </a:fontRef>
+        </p:style>
+      </p:cxnSp>
+      <p:cxnSp>
+        <p:nvCxnSpPr>
+          <p:cNvPr id="16" name="직선 화살표 연결선 15"/>
+          <p:cNvCxnSpPr/>
+          <p:nvPr/>
+        </p:nvCxnSpPr>
+        <p:spPr>
+          <a:xfrm flipV="1">
+            <a:off x="5241868" y="4878029"/>
+            <a:ext cx="0" cy="535916"/>
+          </a:xfrm>
+          <a:prstGeom prst="straightConnector1">
+            <a:avLst/>
+          </a:prstGeom>
+          <a:ln w="28575">
+            <a:solidFill>
+              <a:schemeClr val="tx1"/>
+            </a:solidFill>
+            <a:tailEnd type="triangle"/>
+          </a:ln>
+        </p:spPr>
+        <p:style>
+          <a:lnRef idx="1">
+            <a:schemeClr val="accent1"/>
+          </a:lnRef>
+          <a:fillRef idx="0">
+            <a:schemeClr val="accent1"/>
+          </a:fillRef>
+          <a:effectRef idx="0">
+            <a:schemeClr val="accent1"/>
+          </a:effectRef>
+          <a:fontRef idx="minor">
+            <a:schemeClr val="tx1"/>
+          </a:fontRef>
+        </p:style>
+      </p:cxnSp>
+      <p:cxnSp>
+        <p:nvCxnSpPr>
+          <p:cNvPr id="97" name="직선 화살표 연결선 96"/>
+          <p:cNvCxnSpPr/>
+          <p:nvPr/>
+        </p:nvCxnSpPr>
+        <p:spPr>
+          <a:xfrm>
+            <a:off x="5421158" y="3847204"/>
+            <a:ext cx="1513373" cy="0"/>
+          </a:xfrm>
+          <a:prstGeom prst="straightConnector1">
+            <a:avLst/>
+          </a:prstGeom>
+          <a:ln w="28575">
+            <a:solidFill>
+              <a:schemeClr val="tx1"/>
+            </a:solidFill>
+            <a:headEnd type="none" w="med" len="med"/>
+            <a:tailEnd type="triangle" w="med" len="med"/>
+          </a:ln>
+        </p:spPr>
+        <p:style>
+          <a:lnRef idx="1">
+            <a:schemeClr val="accent1"/>
+          </a:lnRef>
+          <a:fillRef idx="0">
+            <a:schemeClr val="accent1"/>
+          </a:fillRef>
+          <a:effectRef idx="0">
+            <a:schemeClr val="accent1"/>
+          </a:effectRef>
+          <a:fontRef idx="minor">
+            <a:schemeClr val="tx1"/>
+          </a:fontRef>
+        </p:style>
+      </p:cxnSp>
+      <p:cxnSp>
+        <p:nvCxnSpPr>
+          <p:cNvPr id="98" name="직선 화살표 연결선 97"/>
+          <p:cNvCxnSpPr/>
+          <p:nvPr/>
+        </p:nvCxnSpPr>
+        <p:spPr>
+          <a:xfrm>
+            <a:off x="9313373" y="3515749"/>
+            <a:ext cx="1513373" cy="0"/>
+          </a:xfrm>
+          <a:prstGeom prst="straightConnector1">
+            <a:avLst/>
+          </a:prstGeom>
+          <a:ln w="28575">
+            <a:solidFill>
+              <a:schemeClr val="tx1"/>
+            </a:solidFill>
+            <a:headEnd type="triangle" w="med" len="med"/>
+            <a:tailEnd type="none" w="med" len="med"/>
+          </a:ln>
+        </p:spPr>
+        <p:style>
+          <a:lnRef idx="1">
+            <a:schemeClr val="accent1"/>
+          </a:lnRef>
+          <a:fillRef idx="0">
+            <a:schemeClr val="accent1"/>
+          </a:fillRef>
+          <a:effectRef idx="0">
+            <a:schemeClr val="accent1"/>
+          </a:effectRef>
+          <a:fontRef idx="minor">
+            <a:schemeClr val="tx1"/>
+          </a:fontRef>
+        </p:style>
+      </p:cxnSp>
+      <p:cxnSp>
+        <p:nvCxnSpPr>
+          <p:cNvPr id="99" name="직선 화살표 연결선 98"/>
+          <p:cNvCxnSpPr/>
+          <p:nvPr/>
+        </p:nvCxnSpPr>
+        <p:spPr>
+          <a:xfrm flipV="1">
+            <a:off x="11280093" y="3250304"/>
+            <a:ext cx="0" cy="535916"/>
+          </a:xfrm>
+          <a:prstGeom prst="straightConnector1">
+            <a:avLst/>
+          </a:prstGeom>
+          <a:ln w="28575">
+            <a:solidFill>
+              <a:schemeClr val="tx1"/>
+            </a:solidFill>
+            <a:tailEnd type="triangle"/>
+          </a:ln>
+        </p:spPr>
+        <p:style>
+          <a:lnRef idx="1">
+            <a:schemeClr val="accent1"/>
+          </a:lnRef>
+          <a:fillRef idx="0">
+            <a:schemeClr val="accent1"/>
+          </a:fillRef>
+          <a:effectRef idx="0">
+            <a:schemeClr val="accent1"/>
+          </a:effectRef>
+          <a:fontRef idx="minor">
+            <a:schemeClr val="tx1"/>
+          </a:fontRef>
+        </p:style>
+      </p:cxnSp>
     </p:spTree>
     <p:extLst>
       <p:ext uri="{BB962C8B-B14F-4D97-AF65-F5344CB8AC3E}">
@@ -14692,11 +15592,7 @@
           <a:p>
             <a:r>
               <a:rPr lang="en-US" altLang="ko-KR" b="1" dirty="0" smtClean="0"/>
-              <a:t>USM : 8179 ~ 8255 (77</a:t>
-            </a:r>
-            <a:r>
-              <a:rPr lang="en-US" altLang="ko-KR" b="1" dirty="0" smtClean="0"/>
-              <a:t>)</a:t>
+              <a:t>USM : 8179 ~ 8255 (77)</a:t>
             </a:r>
           </a:p>
           <a:p>
@@ -16135,6 +17031,42 @@
           </a:p>
         </p:txBody>
       </p:sp>
+      <p:cxnSp>
+        <p:nvCxnSpPr>
+          <p:cNvPr id="4" name="직선 화살표 연결선 3"/>
+          <p:cNvCxnSpPr/>
+          <p:nvPr/>
+        </p:nvCxnSpPr>
+        <p:spPr>
+          <a:xfrm flipV="1">
+            <a:off x="840748" y="2110430"/>
+            <a:ext cx="749038" cy="731488"/>
+          </a:xfrm>
+          <a:prstGeom prst="straightConnector1">
+            <a:avLst/>
+          </a:prstGeom>
+          <a:ln w="28575">
+            <a:solidFill>
+              <a:schemeClr val="tx1"/>
+            </a:solidFill>
+            <a:tailEnd type="triangle"/>
+          </a:ln>
+        </p:spPr>
+        <p:style>
+          <a:lnRef idx="1">
+            <a:schemeClr val="accent1"/>
+          </a:lnRef>
+          <a:fillRef idx="0">
+            <a:schemeClr val="accent1"/>
+          </a:fillRef>
+          <a:effectRef idx="0">
+            <a:schemeClr val="accent1"/>
+          </a:effectRef>
+          <a:fontRef idx="minor">
+            <a:schemeClr val="tx1"/>
+          </a:fontRef>
+        </p:style>
+      </p:cxnSp>
     </p:spTree>
     <p:extLst>
       <p:ext uri="{BB962C8B-B14F-4D97-AF65-F5344CB8AC3E}">
@@ -16273,19 +17205,7 @@
           <a:p>
             <a:r>
               <a:rPr lang="en-US" altLang="ko-KR" b="1" dirty="0" smtClean="0"/>
-              <a:t>LGM : </a:t>
-            </a:r>
-            <a:r>
-              <a:rPr lang="en-US" altLang="ko-KR" b="1" dirty="0" smtClean="0"/>
-              <a:t>2756 </a:t>
-            </a:r>
-            <a:r>
-              <a:rPr lang="en-US" altLang="ko-KR" b="1" dirty="0" smtClean="0"/>
-              <a:t>~ </a:t>
-            </a:r>
-            <a:r>
-              <a:rPr lang="en-US" altLang="ko-KR" b="1" dirty="0" smtClean="0"/>
-              <a:t>2770 (16)</a:t>
+              <a:t>LGM : 2756 ~ 2770 (16)</a:t>
             </a:r>
           </a:p>
           <a:p>
@@ -20375,19 +21295,7 @@
           <a:p>
             <a:r>
               <a:rPr lang="en-US" altLang="ko-KR" b="1" dirty="0" smtClean="0"/>
-              <a:t>USM : </a:t>
-            </a:r>
-            <a:r>
-              <a:rPr lang="en-US" altLang="ko-KR" b="1" dirty="0" smtClean="0"/>
-              <a:t>8256 </a:t>
-            </a:r>
-            <a:r>
-              <a:rPr lang="en-US" altLang="ko-KR" b="1" dirty="0" smtClean="0"/>
-              <a:t>~ </a:t>
-            </a:r>
-            <a:r>
-              <a:rPr lang="en-US" altLang="ko-KR" b="1" dirty="0" smtClean="0"/>
-              <a:t>8316 (61)</a:t>
+              <a:t>USM : 8256 ~ 8316 (61)</a:t>
             </a:r>
             <a:endParaRPr lang="ko-KR" altLang="en-US" b="1" dirty="0"/>
           </a:p>
@@ -20447,19 +21355,7 @@
           <a:p>
             <a:r>
               <a:rPr lang="en-US" altLang="ko-KR" b="1" dirty="0" smtClean="0"/>
-              <a:t>USM : </a:t>
-            </a:r>
-            <a:r>
-              <a:rPr lang="en-US" altLang="ko-KR" b="1" dirty="0" smtClean="0"/>
-              <a:t>8317 </a:t>
-            </a:r>
-            <a:r>
-              <a:rPr lang="en-US" altLang="ko-KR" b="1" dirty="0" smtClean="0"/>
-              <a:t>~ </a:t>
-            </a:r>
-            <a:r>
-              <a:rPr lang="en-US" altLang="ko-KR" b="1" dirty="0" smtClean="0"/>
-              <a:t>8381 (65)</a:t>
+              <a:t>USM : 8317 ~ 8381 (65)</a:t>
             </a:r>
             <a:endParaRPr lang="ko-KR" altLang="en-US" b="1" dirty="0"/>
           </a:p>
@@ -20519,24 +21415,302 @@
           <a:p>
             <a:r>
               <a:rPr lang="en-US" altLang="ko-KR" b="1" dirty="0" smtClean="0"/>
-              <a:t>USM : </a:t>
-            </a:r>
-            <a:r>
-              <a:rPr lang="en-US" altLang="ko-KR" b="1" dirty="0" smtClean="0"/>
-              <a:t>8382 </a:t>
-            </a:r>
-            <a:r>
-              <a:rPr lang="en-US" altLang="ko-KR" b="1" dirty="0" smtClean="0"/>
-              <a:t>~ </a:t>
-            </a:r>
-            <a:r>
-              <a:rPr lang="en-US" altLang="ko-KR" b="1" dirty="0" smtClean="0"/>
-              <a:t>8453 (72)</a:t>
+              <a:t>USM : 8382 ~ 8453 (72)</a:t>
             </a:r>
             <a:endParaRPr lang="ko-KR" altLang="en-US" b="1" dirty="0"/>
           </a:p>
         </p:txBody>
       </p:sp>
+      <p:cxnSp>
+        <p:nvCxnSpPr>
+          <p:cNvPr id="102" name="직선 화살표 연결선 101"/>
+          <p:cNvCxnSpPr/>
+          <p:nvPr/>
+        </p:nvCxnSpPr>
+        <p:spPr>
+          <a:xfrm flipV="1">
+            <a:off x="1243584" y="1984248"/>
+            <a:ext cx="1436653" cy="9144"/>
+          </a:xfrm>
+          <a:prstGeom prst="straightConnector1">
+            <a:avLst/>
+          </a:prstGeom>
+          <a:ln w="28575">
+            <a:solidFill>
+              <a:schemeClr val="tx1"/>
+            </a:solidFill>
+            <a:tailEnd type="triangle"/>
+          </a:ln>
+        </p:spPr>
+        <p:style>
+          <a:lnRef idx="1">
+            <a:schemeClr val="accent1"/>
+          </a:lnRef>
+          <a:fillRef idx="0">
+            <a:schemeClr val="accent1"/>
+          </a:fillRef>
+          <a:effectRef idx="0">
+            <a:schemeClr val="accent1"/>
+          </a:effectRef>
+          <a:fontRef idx="minor">
+            <a:schemeClr val="tx1"/>
+          </a:fontRef>
+        </p:style>
+      </p:cxnSp>
+      <p:cxnSp>
+        <p:nvCxnSpPr>
+          <p:cNvPr id="104" name="직선 화살표 연결선 103"/>
+          <p:cNvCxnSpPr/>
+          <p:nvPr/>
+        </p:nvCxnSpPr>
+        <p:spPr>
+          <a:xfrm flipH="1">
+            <a:off x="2749150" y="2212882"/>
+            <a:ext cx="1101164" cy="0"/>
+          </a:xfrm>
+          <a:prstGeom prst="straightConnector1">
+            <a:avLst/>
+          </a:prstGeom>
+          <a:ln>
+            <a:solidFill>
+              <a:schemeClr val="tx1"/>
+            </a:solidFill>
+            <a:tailEnd type="triangle"/>
+          </a:ln>
+        </p:spPr>
+        <p:style>
+          <a:lnRef idx="1">
+            <a:schemeClr val="accent1"/>
+          </a:lnRef>
+          <a:fillRef idx="0">
+            <a:schemeClr val="accent1"/>
+          </a:fillRef>
+          <a:effectRef idx="0">
+            <a:schemeClr val="accent1"/>
+          </a:effectRef>
+          <a:fontRef idx="minor">
+            <a:schemeClr val="tx1"/>
+          </a:fontRef>
+        </p:style>
+      </p:cxnSp>
+      <p:cxnSp>
+        <p:nvCxnSpPr>
+          <p:cNvPr id="106" name="직선 화살표 연결선 105"/>
+          <p:cNvCxnSpPr/>
+          <p:nvPr/>
+        </p:nvCxnSpPr>
+        <p:spPr>
+          <a:xfrm flipV="1">
+            <a:off x="1216475" y="3244097"/>
+            <a:ext cx="987229" cy="10169"/>
+          </a:xfrm>
+          <a:prstGeom prst="straightConnector1">
+            <a:avLst/>
+          </a:prstGeom>
+          <a:ln>
+            <a:solidFill>
+              <a:schemeClr val="tx1"/>
+            </a:solidFill>
+            <a:tailEnd type="triangle"/>
+          </a:ln>
+        </p:spPr>
+        <p:style>
+          <a:lnRef idx="1">
+            <a:schemeClr val="accent1"/>
+          </a:lnRef>
+          <a:fillRef idx="0">
+            <a:schemeClr val="accent1"/>
+          </a:fillRef>
+          <a:effectRef idx="0">
+            <a:schemeClr val="accent1"/>
+          </a:effectRef>
+          <a:fontRef idx="minor">
+            <a:schemeClr val="tx1"/>
+          </a:fontRef>
+        </p:style>
+      </p:cxnSp>
+      <p:cxnSp>
+        <p:nvCxnSpPr>
+          <p:cNvPr id="108" name="직선 화살표 연결선 107"/>
+          <p:cNvCxnSpPr/>
+          <p:nvPr/>
+        </p:nvCxnSpPr>
+        <p:spPr>
+          <a:xfrm flipV="1">
+            <a:off x="4747947" y="2387536"/>
+            <a:ext cx="0" cy="679705"/>
+          </a:xfrm>
+          <a:prstGeom prst="straightConnector1">
+            <a:avLst/>
+          </a:prstGeom>
+          <a:ln>
+            <a:solidFill>
+              <a:schemeClr val="tx1"/>
+            </a:solidFill>
+            <a:tailEnd type="triangle"/>
+          </a:ln>
+        </p:spPr>
+        <p:style>
+          <a:lnRef idx="1">
+            <a:schemeClr val="accent1"/>
+          </a:lnRef>
+          <a:fillRef idx="0">
+            <a:schemeClr val="accent1"/>
+          </a:fillRef>
+          <a:effectRef idx="0">
+            <a:schemeClr val="accent1"/>
+          </a:effectRef>
+          <a:fontRef idx="minor">
+            <a:schemeClr val="tx1"/>
+          </a:fontRef>
+        </p:style>
+      </p:cxnSp>
+      <p:cxnSp>
+        <p:nvCxnSpPr>
+          <p:cNvPr id="110" name="꺾인 연결선 109"/>
+          <p:cNvCxnSpPr/>
+          <p:nvPr/>
+        </p:nvCxnSpPr>
+        <p:spPr>
+          <a:xfrm rot="5400000">
+            <a:off x="6563764" y="3699044"/>
+            <a:ext cx="601447" cy="393192"/>
+          </a:xfrm>
+          <a:prstGeom prst="bentConnector3">
+            <a:avLst>
+              <a:gd name="adj1" fmla="val 1349"/>
+            </a:avLst>
+          </a:prstGeom>
+          <a:ln>
+            <a:solidFill>
+              <a:schemeClr val="tx1"/>
+            </a:solidFill>
+            <a:tailEnd type="triangle"/>
+          </a:ln>
+        </p:spPr>
+        <p:style>
+          <a:lnRef idx="1">
+            <a:schemeClr val="accent1"/>
+          </a:lnRef>
+          <a:fillRef idx="0">
+            <a:schemeClr val="accent1"/>
+          </a:fillRef>
+          <a:effectRef idx="0">
+            <a:schemeClr val="accent1"/>
+          </a:effectRef>
+          <a:fontRef idx="minor">
+            <a:schemeClr val="tx1"/>
+          </a:fontRef>
+        </p:style>
+      </p:cxnSp>
+      <p:cxnSp>
+        <p:nvCxnSpPr>
+          <p:cNvPr id="114" name="직선 화살표 연결선 113"/>
+          <p:cNvCxnSpPr/>
+          <p:nvPr/>
+        </p:nvCxnSpPr>
+        <p:spPr>
+          <a:xfrm flipH="1">
+            <a:off x="5074906" y="3593593"/>
+            <a:ext cx="1089846" cy="0"/>
+          </a:xfrm>
+          <a:prstGeom prst="straightConnector1">
+            <a:avLst/>
+          </a:prstGeom>
+          <a:ln>
+            <a:solidFill>
+              <a:schemeClr val="tx1"/>
+            </a:solidFill>
+            <a:tailEnd type="triangle"/>
+          </a:ln>
+        </p:spPr>
+        <p:style>
+          <a:lnRef idx="1">
+            <a:schemeClr val="accent1"/>
+          </a:lnRef>
+          <a:fillRef idx="0">
+            <a:schemeClr val="accent1"/>
+          </a:fillRef>
+          <a:effectRef idx="0">
+            <a:schemeClr val="accent1"/>
+          </a:effectRef>
+          <a:fontRef idx="minor">
+            <a:schemeClr val="tx1"/>
+          </a:fontRef>
+        </p:style>
+      </p:cxnSp>
+      <p:cxnSp>
+        <p:nvCxnSpPr>
+          <p:cNvPr id="116" name="직선 화살표 연결선 115"/>
+          <p:cNvCxnSpPr/>
+          <p:nvPr/>
+        </p:nvCxnSpPr>
+        <p:spPr>
+          <a:xfrm>
+            <a:off x="734403" y="4661208"/>
+            <a:ext cx="920482" cy="0"/>
+          </a:xfrm>
+          <a:prstGeom prst="straightConnector1">
+            <a:avLst/>
+          </a:prstGeom>
+          <a:ln>
+            <a:solidFill>
+              <a:schemeClr val="tx1"/>
+            </a:solidFill>
+            <a:tailEnd type="triangle"/>
+          </a:ln>
+        </p:spPr>
+        <p:style>
+          <a:lnRef idx="1">
+            <a:schemeClr val="accent1"/>
+          </a:lnRef>
+          <a:fillRef idx="0">
+            <a:schemeClr val="accent1"/>
+          </a:fillRef>
+          <a:effectRef idx="0">
+            <a:schemeClr val="accent1"/>
+          </a:effectRef>
+          <a:fontRef idx="minor">
+            <a:schemeClr val="tx1"/>
+          </a:fontRef>
+        </p:style>
+      </p:cxnSp>
+      <p:cxnSp>
+        <p:nvCxnSpPr>
+          <p:cNvPr id="117" name="직선 화살표 연결선 116"/>
+          <p:cNvCxnSpPr/>
+          <p:nvPr/>
+        </p:nvCxnSpPr>
+        <p:spPr>
+          <a:xfrm flipH="1">
+            <a:off x="4865259" y="4953750"/>
+            <a:ext cx="1089846" cy="0"/>
+          </a:xfrm>
+          <a:prstGeom prst="straightConnector1">
+            <a:avLst/>
+          </a:prstGeom>
+          <a:ln>
+            <a:solidFill>
+              <a:schemeClr val="tx1"/>
+            </a:solidFill>
+            <a:tailEnd type="triangle"/>
+          </a:ln>
+        </p:spPr>
+        <p:style>
+          <a:lnRef idx="1">
+            <a:schemeClr val="accent1"/>
+          </a:lnRef>
+          <a:fillRef idx="0">
+            <a:schemeClr val="accent1"/>
+          </a:fillRef>
+          <a:effectRef idx="0">
+            <a:schemeClr val="accent1"/>
+          </a:effectRef>
+          <a:fontRef idx="minor">
+            <a:schemeClr val="tx1"/>
+          </a:fontRef>
+        </p:style>
+      </p:cxnSp>
     </p:spTree>
     <p:extLst>
       <p:ext uri="{BB962C8B-B14F-4D97-AF65-F5344CB8AC3E}">
@@ -20783,15 +21957,7 @@
           <a:p>
             <a:r>
               <a:rPr lang="en-US" altLang="ko-KR" sz="2000" b="1" dirty="0" smtClean="0"/>
-              <a:t>[ </a:t>
-            </a:r>
-            <a:r>
-              <a:rPr lang="en-US" altLang="ko-KR" sz="2000" b="1" dirty="0" smtClean="0"/>
-              <a:t>LGM </a:t>
-            </a:r>
-            <a:r>
-              <a:rPr lang="en-US" altLang="ko-KR" sz="2000" b="1" dirty="0" smtClean="0"/>
-              <a:t>Serial Number ]</a:t>
+              <a:t>[ LGM Serial Number ]</a:t>
             </a:r>
             <a:endParaRPr lang="ko-KR" altLang="en-US" sz="2000" b="1" dirty="0"/>
           </a:p>
@@ -20851,19 +22017,81 @@
           <a:p>
             <a:r>
               <a:rPr lang="en-US" altLang="ko-KR" b="1" dirty="0" smtClean="0"/>
-              <a:t>LGM</a:t>
-            </a:r>
+              <a:t>LGM : 2883 ~ 2902 (20)</a:t>
+            </a:r>
+            <a:endParaRPr lang="ko-KR" altLang="en-US" b="1" dirty="0"/>
+          </a:p>
+        </p:txBody>
+      </p:sp>
+      <p:sp>
+        <p:nvSpPr>
+          <p:cNvPr id="98" name="TextBox 97"/>
+          <p:cNvSpPr txBox="1"/>
+          <p:nvPr/>
+        </p:nvSpPr>
+        <p:spPr>
+          <a:xfrm>
+            <a:off x="10154209" y="2858461"/>
+            <a:ext cx="950901" cy="369332"/>
+          </a:xfrm>
+          <a:prstGeom prst="rect">
+            <a:avLst/>
+          </a:prstGeom>
+          <a:noFill/>
+        </p:spPr>
+        <p:txBody>
+          <a:bodyPr wrap="none" rtlCol="0">
+            <a:spAutoFit/>
+          </a:bodyPr>
+          <a:lstStyle/>
+          <a:p>
             <a:r>
               <a:rPr lang="en-US" altLang="ko-KR" b="1" dirty="0" smtClean="0"/>
+              <a:t>SCM10</a:t>
+            </a:r>
+            <a:endParaRPr lang="ko-KR" altLang="en-US" b="1" dirty="0"/>
+          </a:p>
+        </p:txBody>
+      </p:sp>
+      <p:sp>
+        <p:nvSpPr>
+          <p:cNvPr id="99" name="TextBox 98"/>
+          <p:cNvSpPr txBox="1"/>
+          <p:nvPr/>
+        </p:nvSpPr>
+        <p:spPr>
+          <a:xfrm>
+            <a:off x="9223596" y="3272607"/>
+            <a:ext cx="2911374" cy="646331"/>
+          </a:xfrm>
+          <a:prstGeom prst="rect">
+            <a:avLst/>
+          </a:prstGeom>
+          <a:noFill/>
+        </p:spPr>
+        <p:txBody>
+          <a:bodyPr wrap="none" rtlCol="0">
+            <a:spAutoFit/>
+          </a:bodyPr>
+          <a:lstStyle/>
+          <a:p>
+            <a:r>
+              <a:rPr lang="en-US" altLang="ko-KR" b="1" dirty="0" smtClean="0"/>
+              <a:t>LGM : 2903 ~ 2920 (18)</a:t>
+            </a:r>
+          </a:p>
+          <a:p>
+            <a:r>
+              <a:rPr lang="en-US" altLang="ko-KR" b="1" dirty="0"/>
               <a:t> </a:t>
             </a:r>
             <a:r>
               <a:rPr lang="en-US" altLang="ko-KR" b="1" dirty="0" smtClean="0"/>
-              <a:t>: </a:t>
+              <a:t>        </a:t>
             </a:r>
             <a:r>
               <a:rPr lang="en-US" altLang="ko-KR" b="1" dirty="0" smtClean="0"/>
-              <a:t>2883 </a:t>
+              <a:t>3061 </a:t>
             </a:r>
             <a:r>
               <a:rPr lang="en-US" altLang="ko-KR" b="1" dirty="0" smtClean="0"/>
@@ -20871,7 +22099,11 @@
             </a:r>
             <a:r>
               <a:rPr lang="en-US" altLang="ko-KR" b="1" dirty="0" smtClean="0"/>
-              <a:t>2902 (20)</a:t>
+              <a:t>3064 </a:t>
+            </a:r>
+            <a:r>
+              <a:rPr lang="en-US" altLang="ko-KR" b="1" dirty="0" smtClean="0"/>
+              <a:t>(5) </a:t>
             </a:r>
             <a:endParaRPr lang="ko-KR" altLang="en-US" b="1" dirty="0"/>
           </a:p>
@@ -20879,13 +22111,13 @@
       </p:sp>
       <p:sp>
         <p:nvSpPr>
-          <p:cNvPr id="98" name="TextBox 97"/>
-          <p:cNvSpPr txBox="1"/>
-          <p:nvPr/>
-        </p:nvSpPr>
-        <p:spPr>
-          <a:xfrm>
-            <a:off x="10154209" y="2858461"/>
+          <p:cNvPr id="100" name="TextBox 99"/>
+          <p:cNvSpPr txBox="1"/>
+          <p:nvPr/>
+        </p:nvSpPr>
+        <p:spPr>
+          <a:xfrm>
+            <a:off x="10154209" y="4705577"/>
             <a:ext cx="950901" cy="369332"/>
           </a:xfrm>
           <a:prstGeom prst="rect">
@@ -20901,7 +22133,7 @@
           <a:p>
             <a:r>
               <a:rPr lang="en-US" altLang="ko-KR" b="1" dirty="0" smtClean="0"/>
-              <a:t>SCM10</a:t>
+              <a:t>SCM11</a:t>
             </a:r>
             <a:endParaRPr lang="ko-KR" altLang="en-US" b="1" dirty="0"/>
           </a:p>
@@ -20909,14 +22141,14 @@
       </p:sp>
       <p:sp>
         <p:nvSpPr>
-          <p:cNvPr id="99" name="TextBox 98"/>
-          <p:cNvSpPr txBox="1"/>
-          <p:nvPr/>
-        </p:nvSpPr>
-        <p:spPr>
-          <a:xfrm>
-            <a:off x="9223596" y="3272607"/>
-            <a:ext cx="2820003" cy="646331"/>
+          <p:cNvPr id="101" name="TextBox 100"/>
+          <p:cNvSpPr txBox="1"/>
+          <p:nvPr/>
+        </p:nvSpPr>
+        <p:spPr>
+          <a:xfrm>
+            <a:off x="9223596" y="5119723"/>
+            <a:ext cx="2820003" cy="369332"/>
           </a:xfrm>
           <a:prstGeom prst="rect">
             <a:avLst/>
@@ -20931,15 +22163,11 @@
           <a:p>
             <a:r>
               <a:rPr lang="en-US" altLang="ko-KR" b="1" dirty="0" smtClean="0"/>
-              <a:t>LGM </a:t>
+              <a:t>LGM : </a:t>
             </a:r>
             <a:r>
               <a:rPr lang="en-US" altLang="ko-KR" b="1" dirty="0" smtClean="0"/>
-              <a:t>: </a:t>
-            </a:r>
-            <a:r>
-              <a:rPr lang="en-US" altLang="ko-KR" b="1" dirty="0" smtClean="0"/>
-              <a:t>2903 </a:t>
+              <a:t>3065 </a:t>
             </a:r>
             <a:r>
               <a:rPr lang="en-US" altLang="ko-KR" b="1" dirty="0" smtClean="0"/>
@@ -20947,93 +22175,11 @@
             </a:r>
             <a:r>
               <a:rPr lang="en-US" altLang="ko-KR" b="1" dirty="0" smtClean="0"/>
-              <a:t>2920 (18)</a:t>
-            </a:r>
-          </a:p>
-          <a:p>
-            <a:r>
-              <a:rPr lang="en-US" altLang="ko-KR" b="1" dirty="0"/>
-              <a:t> </a:t>
+              <a:t>3088 </a:t>
             </a:r>
             <a:r>
               <a:rPr lang="en-US" altLang="ko-KR" b="1" dirty="0" smtClean="0"/>
-              <a:t>        3001 ~ 3004 (5) </a:t>
-            </a:r>
-            <a:endParaRPr lang="ko-KR" altLang="en-US" b="1" dirty="0"/>
-          </a:p>
-        </p:txBody>
-      </p:sp>
-      <p:sp>
-        <p:nvSpPr>
-          <p:cNvPr id="100" name="TextBox 99"/>
-          <p:cNvSpPr txBox="1"/>
-          <p:nvPr/>
-        </p:nvSpPr>
-        <p:spPr>
-          <a:xfrm>
-            <a:off x="10154209" y="4705577"/>
-            <a:ext cx="950901" cy="369332"/>
-          </a:xfrm>
-          <a:prstGeom prst="rect">
-            <a:avLst/>
-          </a:prstGeom>
-          <a:noFill/>
-        </p:spPr>
-        <p:txBody>
-          <a:bodyPr wrap="none" rtlCol="0">
-            <a:spAutoFit/>
-          </a:bodyPr>
-          <a:lstStyle/>
-          <a:p>
-            <a:r>
-              <a:rPr lang="en-US" altLang="ko-KR" b="1" dirty="0" smtClean="0"/>
-              <a:t>SCM11</a:t>
-            </a:r>
-            <a:endParaRPr lang="ko-KR" altLang="en-US" b="1" dirty="0"/>
-          </a:p>
-        </p:txBody>
-      </p:sp>
-      <p:sp>
-        <p:nvSpPr>
-          <p:cNvPr id="101" name="TextBox 100"/>
-          <p:cNvSpPr txBox="1"/>
-          <p:nvPr/>
-        </p:nvSpPr>
-        <p:spPr>
-          <a:xfrm>
-            <a:off x="9223596" y="5119723"/>
-            <a:ext cx="2820003" cy="369332"/>
-          </a:xfrm>
-          <a:prstGeom prst="rect">
-            <a:avLst/>
-          </a:prstGeom>
-          <a:noFill/>
-        </p:spPr>
-        <p:txBody>
-          <a:bodyPr wrap="none" rtlCol="0">
-            <a:spAutoFit/>
-          </a:bodyPr>
-          <a:lstStyle/>
-          <a:p>
-            <a:r>
-              <a:rPr lang="en-US" altLang="ko-KR" b="1" dirty="0" smtClean="0"/>
-              <a:t>LGM </a:t>
-            </a:r>
-            <a:r>
-              <a:rPr lang="en-US" altLang="ko-KR" b="1" dirty="0" smtClean="0"/>
-              <a:t>: </a:t>
-            </a:r>
-            <a:r>
-              <a:rPr lang="en-US" altLang="ko-KR" b="1" dirty="0" smtClean="0"/>
-              <a:t>3005 </a:t>
-            </a:r>
-            <a:r>
-              <a:rPr lang="en-US" altLang="ko-KR" b="1" dirty="0" smtClean="0"/>
-              <a:t>~ </a:t>
-            </a:r>
-            <a:r>
-              <a:rPr lang="en-US" altLang="ko-KR" b="1" dirty="0" smtClean="0"/>
-              <a:t>3028 (24)</a:t>
+              <a:t>(24)</a:t>
             </a:r>
             <a:endParaRPr lang="ko-KR" altLang="en-US" b="1" dirty="0"/>
           </a:p>
@@ -22157,7 +23303,7 @@
           <a:p>
             <a:r>
               <a:rPr lang="en-US" altLang="ko-KR" sz="1400" b="1" dirty="0" smtClean="0"/>
-              <a:t>3001</a:t>
+              <a:t>3061</a:t>
             </a:r>
             <a:endParaRPr lang="ko-KR" altLang="en-US" sz="1400" b="1" dirty="0"/>
           </a:p>
@@ -22190,7 +23336,7 @@
           <a:p>
             <a:r>
               <a:rPr lang="en-US" altLang="ko-KR" sz="1400" b="1" dirty="0" smtClean="0"/>
-              <a:t>3002</a:t>
+              <a:t>3062</a:t>
             </a:r>
             <a:endParaRPr lang="ko-KR" altLang="en-US" sz="1400" b="1" dirty="0"/>
           </a:p>
@@ -22223,7 +23369,7 @@
           <a:p>
             <a:r>
               <a:rPr lang="en-US" altLang="ko-KR" sz="1400" b="1" dirty="0" smtClean="0"/>
-              <a:t>3003</a:t>
+              <a:t>3063</a:t>
             </a:r>
             <a:endParaRPr lang="ko-KR" altLang="en-US" sz="1400" b="1" dirty="0"/>
           </a:p>
@@ -22256,7 +23402,7 @@
           <a:p>
             <a:r>
               <a:rPr lang="en-US" altLang="ko-KR" sz="1400" b="1" dirty="0" smtClean="0"/>
-              <a:t>3004</a:t>
+              <a:t>3064</a:t>
             </a:r>
             <a:endParaRPr lang="ko-KR" altLang="en-US" sz="1400" b="1" dirty="0"/>
           </a:p>
@@ -22291,7 +23437,7 @@
           <a:p>
             <a:r>
               <a:rPr lang="en-US" altLang="ko-KR" sz="1400" b="1" dirty="0" smtClean="0"/>
-              <a:t>3005</a:t>
+              <a:t>3065</a:t>
             </a:r>
             <a:endParaRPr lang="ko-KR" altLang="en-US" sz="1400" b="1" dirty="0"/>
           </a:p>
@@ -22324,7 +23470,7 @@
           <a:p>
             <a:r>
               <a:rPr lang="en-US" altLang="ko-KR" sz="1400" b="1" dirty="0" smtClean="0"/>
-              <a:t>3006</a:t>
+              <a:t>3066</a:t>
             </a:r>
             <a:endParaRPr lang="ko-KR" altLang="en-US" sz="1400" b="1" dirty="0"/>
           </a:p>
@@ -22357,7 +23503,7 @@
           <a:p>
             <a:r>
               <a:rPr lang="en-US" altLang="ko-KR" sz="1400" b="1" dirty="0" smtClean="0"/>
-              <a:t>3007</a:t>
+              <a:t>3067</a:t>
             </a:r>
             <a:endParaRPr lang="ko-KR" altLang="en-US" sz="1400" b="1" dirty="0"/>
           </a:p>
@@ -22390,7 +23536,7 @@
           <a:p>
             <a:r>
               <a:rPr lang="en-US" altLang="ko-KR" sz="1400" b="1" dirty="0" smtClean="0"/>
-              <a:t>3008</a:t>
+              <a:t>3068</a:t>
             </a:r>
             <a:endParaRPr lang="ko-KR" altLang="en-US" sz="1400" b="1" dirty="0"/>
           </a:p>
@@ -22423,7 +23569,7 @@
           <a:p>
             <a:r>
               <a:rPr lang="en-US" altLang="ko-KR" sz="1400" b="1" dirty="0" smtClean="0"/>
-              <a:t>3009</a:t>
+              <a:t>3069</a:t>
             </a:r>
             <a:endParaRPr lang="ko-KR" altLang="en-US" sz="1400" b="1" dirty="0"/>
           </a:p>
@@ -22456,7 +23602,7 @@
           <a:p>
             <a:r>
               <a:rPr lang="en-US" altLang="ko-KR" sz="1400" b="1" dirty="0" smtClean="0"/>
-              <a:t>3010</a:t>
+              <a:t>3070</a:t>
             </a:r>
             <a:endParaRPr lang="ko-KR" altLang="en-US" sz="1400" b="1" dirty="0"/>
           </a:p>
@@ -22489,7 +23635,7 @@
           <a:p>
             <a:r>
               <a:rPr lang="en-US" altLang="ko-KR" sz="1400" b="1" dirty="0" smtClean="0"/>
-              <a:t>3011</a:t>
+              <a:t>3071</a:t>
             </a:r>
             <a:endParaRPr lang="ko-KR" altLang="en-US" sz="1400" b="1" dirty="0"/>
           </a:p>
@@ -22522,7 +23668,7 @@
           <a:p>
             <a:r>
               <a:rPr lang="en-US" altLang="ko-KR" sz="1400" b="1" dirty="0" smtClean="0"/>
-              <a:t>3012</a:t>
+              <a:t>3072</a:t>
             </a:r>
             <a:endParaRPr lang="ko-KR" altLang="en-US" sz="1400" b="1" dirty="0"/>
           </a:p>
@@ -22555,7 +23701,7 @@
           <a:p>
             <a:r>
               <a:rPr lang="en-US" altLang="ko-KR" sz="1400" b="1" dirty="0" smtClean="0"/>
-              <a:t>3013</a:t>
+              <a:t>3073</a:t>
             </a:r>
             <a:endParaRPr lang="ko-KR" altLang="en-US" sz="1400" b="1" dirty="0"/>
           </a:p>
@@ -22588,7 +23734,7 @@
           <a:p>
             <a:r>
               <a:rPr lang="en-US" altLang="ko-KR" sz="1400" b="1" dirty="0" smtClean="0"/>
-              <a:t>3014</a:t>
+              <a:t>3074</a:t>
             </a:r>
             <a:endParaRPr lang="ko-KR" altLang="en-US" sz="1400" b="1" dirty="0"/>
           </a:p>
@@ -22621,7 +23767,7 @@
           <a:p>
             <a:r>
               <a:rPr lang="en-US" altLang="ko-KR" sz="1400" b="1" dirty="0" smtClean="0"/>
-              <a:t>3015</a:t>
+              <a:t>3075</a:t>
             </a:r>
             <a:endParaRPr lang="ko-KR" altLang="en-US" sz="1400" b="1" dirty="0"/>
           </a:p>
@@ -22654,7 +23800,7 @@
           <a:p>
             <a:r>
               <a:rPr lang="en-US" altLang="ko-KR" sz="1400" b="1" dirty="0" smtClean="0"/>
-              <a:t>3016</a:t>
+              <a:t>3076</a:t>
             </a:r>
             <a:endParaRPr lang="ko-KR" altLang="en-US" sz="1400" b="1" dirty="0"/>
           </a:p>
@@ -22687,7 +23833,7 @@
           <a:p>
             <a:r>
               <a:rPr lang="en-US" altLang="ko-KR" sz="1400" b="1" dirty="0" smtClean="0"/>
-              <a:t>3017</a:t>
+              <a:t>3077</a:t>
             </a:r>
             <a:endParaRPr lang="ko-KR" altLang="en-US" sz="1400" b="1" dirty="0"/>
           </a:p>
@@ -22720,7 +23866,7 @@
           <a:p>
             <a:r>
               <a:rPr lang="en-US" altLang="ko-KR" sz="1400" b="1" dirty="0" smtClean="0"/>
-              <a:t>3018</a:t>
+              <a:t>3078</a:t>
             </a:r>
             <a:endParaRPr lang="ko-KR" altLang="en-US" sz="1400" b="1" dirty="0"/>
           </a:p>
@@ -22753,7 +23899,7 @@
           <a:p>
             <a:r>
               <a:rPr lang="en-US" altLang="ko-KR" sz="1400" b="1" dirty="0" smtClean="0"/>
-              <a:t>3019</a:t>
+              <a:t>3079</a:t>
             </a:r>
             <a:endParaRPr lang="ko-KR" altLang="en-US" sz="1400" b="1" dirty="0"/>
           </a:p>
@@ -22786,7 +23932,7 @@
           <a:p>
             <a:r>
               <a:rPr lang="en-US" altLang="ko-KR" sz="1400" b="1" dirty="0" smtClean="0"/>
-              <a:t>3020</a:t>
+              <a:t>3080</a:t>
             </a:r>
             <a:endParaRPr lang="ko-KR" altLang="en-US" sz="1400" b="1" dirty="0"/>
           </a:p>
@@ -22819,7 +23965,7 @@
           <a:p>
             <a:r>
               <a:rPr lang="en-US" altLang="ko-KR" sz="1400" b="1" dirty="0" smtClean="0"/>
-              <a:t>3021</a:t>
+              <a:t>3081</a:t>
             </a:r>
             <a:endParaRPr lang="ko-KR" altLang="en-US" sz="1400" b="1" dirty="0"/>
           </a:p>
@@ -22852,7 +23998,7 @@
           <a:p>
             <a:r>
               <a:rPr lang="en-US" altLang="ko-KR" sz="1400" b="1" dirty="0" smtClean="0"/>
-              <a:t>3022</a:t>
+              <a:t>3082</a:t>
             </a:r>
             <a:endParaRPr lang="ko-KR" altLang="en-US" sz="1400" b="1" dirty="0"/>
           </a:p>
@@ -22885,7 +24031,7 @@
           <a:p>
             <a:r>
               <a:rPr lang="en-US" altLang="ko-KR" sz="1400" b="1" dirty="0" smtClean="0"/>
-              <a:t>3023</a:t>
+              <a:t>3083</a:t>
             </a:r>
             <a:endParaRPr lang="ko-KR" altLang="en-US" sz="1400" b="1" dirty="0"/>
           </a:p>
@@ -22918,7 +24064,7 @@
           <a:p>
             <a:r>
               <a:rPr lang="en-US" altLang="ko-KR" sz="1400" b="1" dirty="0" smtClean="0"/>
-              <a:t>3024</a:t>
+              <a:t>3084</a:t>
             </a:r>
             <a:endParaRPr lang="ko-KR" altLang="en-US" sz="1400" b="1" dirty="0"/>
           </a:p>
@@ -22951,7 +24097,7 @@
           <a:p>
             <a:r>
               <a:rPr lang="en-US" altLang="ko-KR" sz="1400" b="1" dirty="0" smtClean="0"/>
-              <a:t>3025</a:t>
+              <a:t>3085</a:t>
             </a:r>
             <a:endParaRPr lang="ko-KR" altLang="en-US" sz="1400" b="1" dirty="0"/>
           </a:p>
@@ -22984,7 +24130,7 @@
           <a:p>
             <a:r>
               <a:rPr lang="en-US" altLang="ko-KR" sz="1400" b="1" dirty="0" smtClean="0"/>
-              <a:t>3026</a:t>
+              <a:t>3086</a:t>
             </a:r>
             <a:endParaRPr lang="ko-KR" altLang="en-US" sz="1400" b="1" dirty="0"/>
           </a:p>
@@ -23017,7 +24163,7 @@
           <a:p>
             <a:r>
               <a:rPr lang="en-US" altLang="ko-KR" sz="1400" b="1" dirty="0" smtClean="0"/>
-              <a:t>3027</a:t>
+              <a:t>3087</a:t>
             </a:r>
             <a:endParaRPr lang="ko-KR" altLang="en-US" sz="1400" b="1" dirty="0"/>
           </a:p>
@@ -23050,7 +24196,7 @@
           <a:p>
             <a:r>
               <a:rPr lang="en-US" altLang="ko-KR" sz="1400" b="1" dirty="0" smtClean="0"/>
-              <a:t>3028</a:t>
+              <a:t>3088</a:t>
             </a:r>
             <a:endParaRPr lang="ko-KR" altLang="en-US" sz="1400" b="1" dirty="0"/>
           </a:p>
@@ -25332,19 +26478,7 @@
           <a:p>
             <a:r>
               <a:rPr lang="en-US" altLang="ko-KR" b="1" dirty="0" smtClean="0"/>
-              <a:t>USM : </a:t>
-            </a:r>
-            <a:r>
-              <a:rPr lang="en-US" altLang="ko-KR" b="1" dirty="0" smtClean="0"/>
-              <a:t>8454 </a:t>
-            </a:r>
-            <a:r>
-              <a:rPr lang="en-US" altLang="ko-KR" b="1" dirty="0" smtClean="0"/>
-              <a:t>~ </a:t>
-            </a:r>
-            <a:r>
-              <a:rPr lang="en-US" altLang="ko-KR" b="1" dirty="0" smtClean="0"/>
-              <a:t>8517 (64)</a:t>
+              <a:t>USM : 8454 ~ 8517 (64)</a:t>
             </a:r>
             <a:endParaRPr lang="ko-KR" altLang="en-US" b="1" dirty="0"/>
           </a:p>
@@ -25404,24 +26538,409 @@
           <a:p>
             <a:r>
               <a:rPr lang="en-US" altLang="ko-KR" b="1" dirty="0" smtClean="0"/>
-              <a:t>USM : </a:t>
-            </a:r>
-            <a:r>
-              <a:rPr lang="en-US" altLang="ko-KR" b="1" dirty="0" smtClean="0"/>
-              <a:t>8518 </a:t>
-            </a:r>
-            <a:r>
-              <a:rPr lang="en-US" altLang="ko-KR" b="1" dirty="0" smtClean="0"/>
-              <a:t>~ </a:t>
-            </a:r>
-            <a:r>
-              <a:rPr lang="en-US" altLang="ko-KR" b="1" dirty="0" smtClean="0"/>
-              <a:t>8586 (69)</a:t>
+              <a:t>USM : 8518 ~ 8586 (69)</a:t>
             </a:r>
             <a:endParaRPr lang="ko-KR" altLang="en-US" b="1" dirty="0"/>
           </a:p>
         </p:txBody>
       </p:sp>
+      <p:cxnSp>
+        <p:nvCxnSpPr>
+          <p:cNvPr id="71" name="직선 화살표 연결선 70"/>
+          <p:cNvCxnSpPr/>
+          <p:nvPr/>
+        </p:nvCxnSpPr>
+        <p:spPr>
+          <a:xfrm flipH="1">
+            <a:off x="3613953" y="3391200"/>
+            <a:ext cx="932688" cy="0"/>
+          </a:xfrm>
+          <a:prstGeom prst="straightConnector1">
+            <a:avLst/>
+          </a:prstGeom>
+          <a:ln>
+            <a:solidFill>
+              <a:schemeClr val="tx1"/>
+            </a:solidFill>
+            <a:tailEnd type="triangle"/>
+          </a:ln>
+        </p:spPr>
+        <p:style>
+          <a:lnRef idx="1">
+            <a:schemeClr val="accent1"/>
+          </a:lnRef>
+          <a:fillRef idx="0">
+            <a:schemeClr val="accent1"/>
+          </a:fillRef>
+          <a:effectRef idx="0">
+            <a:schemeClr val="accent1"/>
+          </a:effectRef>
+          <a:fontRef idx="minor">
+            <a:schemeClr val="tx1"/>
+          </a:fontRef>
+        </p:style>
+      </p:cxnSp>
+      <p:cxnSp>
+        <p:nvCxnSpPr>
+          <p:cNvPr id="72" name="직선 화살표 연결선 71"/>
+          <p:cNvCxnSpPr/>
+          <p:nvPr/>
+        </p:nvCxnSpPr>
+        <p:spPr>
+          <a:xfrm flipH="1">
+            <a:off x="657826" y="3606920"/>
+            <a:ext cx="932688" cy="0"/>
+          </a:xfrm>
+          <a:prstGeom prst="straightConnector1">
+            <a:avLst/>
+          </a:prstGeom>
+          <a:ln>
+            <a:solidFill>
+              <a:schemeClr val="tx1"/>
+            </a:solidFill>
+            <a:headEnd type="triangle" w="med" len="med"/>
+            <a:tailEnd type="none" w="med" len="med"/>
+          </a:ln>
+        </p:spPr>
+        <p:style>
+          <a:lnRef idx="1">
+            <a:schemeClr val="accent1"/>
+          </a:lnRef>
+          <a:fillRef idx="0">
+            <a:schemeClr val="accent1"/>
+          </a:fillRef>
+          <a:effectRef idx="0">
+            <a:schemeClr val="accent1"/>
+          </a:effectRef>
+          <a:fontRef idx="minor">
+            <a:schemeClr val="tx1"/>
+          </a:fontRef>
+        </p:style>
+      </p:cxnSp>
+      <p:cxnSp>
+        <p:nvCxnSpPr>
+          <p:cNvPr id="73" name="직선 화살표 연결선 72"/>
+          <p:cNvCxnSpPr/>
+          <p:nvPr/>
+        </p:nvCxnSpPr>
+        <p:spPr>
+          <a:xfrm flipH="1">
+            <a:off x="3857220" y="4664159"/>
+            <a:ext cx="932688" cy="0"/>
+          </a:xfrm>
+          <a:prstGeom prst="straightConnector1">
+            <a:avLst/>
+          </a:prstGeom>
+          <a:ln>
+            <a:solidFill>
+              <a:schemeClr val="tx1"/>
+            </a:solidFill>
+            <a:tailEnd type="triangle"/>
+          </a:ln>
+        </p:spPr>
+        <p:style>
+          <a:lnRef idx="1">
+            <a:schemeClr val="accent1"/>
+          </a:lnRef>
+          <a:fillRef idx="0">
+            <a:schemeClr val="accent1"/>
+          </a:fillRef>
+          <a:effectRef idx="0">
+            <a:schemeClr val="accent1"/>
+          </a:effectRef>
+          <a:fontRef idx="minor">
+            <a:schemeClr val="tx1"/>
+          </a:fontRef>
+        </p:style>
+      </p:cxnSp>
+      <p:cxnSp>
+        <p:nvCxnSpPr>
+          <p:cNvPr id="75" name="직선 화살표 연결선 74"/>
+          <p:cNvCxnSpPr/>
+          <p:nvPr/>
+        </p:nvCxnSpPr>
+        <p:spPr>
+          <a:xfrm>
+            <a:off x="8849210" y="4903744"/>
+            <a:ext cx="0" cy="1036853"/>
+          </a:xfrm>
+          <a:prstGeom prst="straightConnector1">
+            <a:avLst/>
+          </a:prstGeom>
+          <a:ln>
+            <a:solidFill>
+              <a:schemeClr val="tx1"/>
+            </a:solidFill>
+            <a:tailEnd type="triangle"/>
+          </a:ln>
+        </p:spPr>
+        <p:style>
+          <a:lnRef idx="1">
+            <a:schemeClr val="accent1"/>
+          </a:lnRef>
+          <a:fillRef idx="0">
+            <a:schemeClr val="accent1"/>
+          </a:fillRef>
+          <a:effectRef idx="0">
+            <a:schemeClr val="accent1"/>
+          </a:effectRef>
+          <a:fontRef idx="minor">
+            <a:schemeClr val="tx1"/>
+          </a:fontRef>
+        </p:style>
+      </p:cxnSp>
+      <p:cxnSp>
+        <p:nvCxnSpPr>
+          <p:cNvPr id="77" name="직선 화살표 연결선 76"/>
+          <p:cNvCxnSpPr/>
+          <p:nvPr/>
+        </p:nvCxnSpPr>
+        <p:spPr>
+          <a:xfrm>
+            <a:off x="8589584" y="4055468"/>
+            <a:ext cx="0" cy="608691"/>
+          </a:xfrm>
+          <a:prstGeom prst="straightConnector1">
+            <a:avLst/>
+          </a:prstGeom>
+          <a:ln>
+            <a:solidFill>
+              <a:schemeClr val="tx1"/>
+            </a:solidFill>
+            <a:tailEnd type="triangle"/>
+          </a:ln>
+        </p:spPr>
+        <p:style>
+          <a:lnRef idx="1">
+            <a:schemeClr val="accent1"/>
+          </a:lnRef>
+          <a:fillRef idx="0">
+            <a:schemeClr val="accent1"/>
+          </a:fillRef>
+          <a:effectRef idx="0">
+            <a:schemeClr val="accent1"/>
+          </a:effectRef>
+          <a:fontRef idx="minor">
+            <a:schemeClr val="tx1"/>
+          </a:fontRef>
+        </p:style>
+      </p:cxnSp>
+      <p:cxnSp>
+        <p:nvCxnSpPr>
+          <p:cNvPr id="79" name="직선 화살표 연결선 78"/>
+          <p:cNvCxnSpPr/>
+          <p:nvPr/>
+        </p:nvCxnSpPr>
+        <p:spPr>
+          <a:xfrm flipH="1">
+            <a:off x="8087448" y="5069070"/>
+            <a:ext cx="384048" cy="0"/>
+          </a:xfrm>
+          <a:prstGeom prst="straightConnector1">
+            <a:avLst/>
+          </a:prstGeom>
+          <a:ln>
+            <a:solidFill>
+              <a:schemeClr val="tx1"/>
+            </a:solidFill>
+            <a:tailEnd type="triangle"/>
+          </a:ln>
+        </p:spPr>
+        <p:style>
+          <a:lnRef idx="1">
+            <a:schemeClr val="accent1"/>
+          </a:lnRef>
+          <a:fillRef idx="0">
+            <a:schemeClr val="accent1"/>
+          </a:fillRef>
+          <a:effectRef idx="0">
+            <a:schemeClr val="accent1"/>
+          </a:effectRef>
+          <a:fontRef idx="minor">
+            <a:schemeClr val="tx1"/>
+          </a:fontRef>
+        </p:style>
+      </p:cxnSp>
+      <p:cxnSp>
+        <p:nvCxnSpPr>
+          <p:cNvPr id="81" name="직선 화살표 연결선 80"/>
+          <p:cNvCxnSpPr/>
+          <p:nvPr/>
+        </p:nvCxnSpPr>
+        <p:spPr>
+          <a:xfrm flipV="1">
+            <a:off x="7540422" y="3870665"/>
+            <a:ext cx="0" cy="757109"/>
+          </a:xfrm>
+          <a:prstGeom prst="straightConnector1">
+            <a:avLst/>
+          </a:prstGeom>
+          <a:ln>
+            <a:solidFill>
+              <a:schemeClr val="tx1"/>
+            </a:solidFill>
+            <a:tailEnd type="triangle"/>
+          </a:ln>
+        </p:spPr>
+        <p:style>
+          <a:lnRef idx="1">
+            <a:schemeClr val="accent1"/>
+          </a:lnRef>
+          <a:fillRef idx="0">
+            <a:schemeClr val="accent1"/>
+          </a:fillRef>
+          <a:effectRef idx="0">
+            <a:schemeClr val="accent1"/>
+          </a:effectRef>
+          <a:fontRef idx="minor">
+            <a:schemeClr val="tx1"/>
+          </a:fontRef>
+        </p:style>
+      </p:cxnSp>
+      <p:cxnSp>
+        <p:nvCxnSpPr>
+          <p:cNvPr id="83" name="직선 화살표 연결선 82"/>
+          <p:cNvCxnSpPr/>
+          <p:nvPr/>
+        </p:nvCxnSpPr>
+        <p:spPr>
+          <a:xfrm>
+            <a:off x="5403098" y="4027892"/>
+            <a:ext cx="1350904" cy="0"/>
+          </a:xfrm>
+          <a:prstGeom prst="straightConnector1">
+            <a:avLst/>
+          </a:prstGeom>
+          <a:ln>
+            <a:solidFill>
+              <a:schemeClr val="tx1"/>
+            </a:solidFill>
+            <a:tailEnd type="triangle"/>
+          </a:ln>
+        </p:spPr>
+        <p:style>
+          <a:lnRef idx="1">
+            <a:schemeClr val="accent1"/>
+          </a:lnRef>
+          <a:fillRef idx="0">
+            <a:schemeClr val="accent1"/>
+          </a:fillRef>
+          <a:effectRef idx="0">
+            <a:schemeClr val="accent1"/>
+          </a:effectRef>
+          <a:fontRef idx="minor">
+            <a:schemeClr val="tx1"/>
+          </a:fontRef>
+        </p:style>
+      </p:cxnSp>
+      <p:cxnSp>
+        <p:nvCxnSpPr>
+          <p:cNvPr id="84" name="직선 화살표 연결선 83"/>
+          <p:cNvCxnSpPr/>
+          <p:nvPr/>
+        </p:nvCxnSpPr>
+        <p:spPr>
+          <a:xfrm flipH="1">
+            <a:off x="6769090" y="5099427"/>
+            <a:ext cx="384048" cy="0"/>
+          </a:xfrm>
+          <a:prstGeom prst="straightConnector1">
+            <a:avLst/>
+          </a:prstGeom>
+          <a:ln>
+            <a:solidFill>
+              <a:schemeClr val="tx1"/>
+            </a:solidFill>
+            <a:tailEnd type="triangle"/>
+          </a:ln>
+        </p:spPr>
+        <p:style>
+          <a:lnRef idx="1">
+            <a:schemeClr val="accent1"/>
+          </a:lnRef>
+          <a:fillRef idx="0">
+            <a:schemeClr val="accent1"/>
+          </a:fillRef>
+          <a:effectRef idx="0">
+            <a:schemeClr val="accent1"/>
+          </a:effectRef>
+          <a:fontRef idx="minor">
+            <a:schemeClr val="tx1"/>
+          </a:fontRef>
+        </p:style>
+      </p:cxnSp>
+      <p:cxnSp>
+        <p:nvCxnSpPr>
+          <p:cNvPr id="85" name="직선 화살표 연결선 84"/>
+          <p:cNvCxnSpPr/>
+          <p:nvPr/>
+        </p:nvCxnSpPr>
+        <p:spPr>
+          <a:xfrm>
+            <a:off x="5373754" y="5299685"/>
+            <a:ext cx="1350904" cy="0"/>
+          </a:xfrm>
+          <a:prstGeom prst="straightConnector1">
+            <a:avLst/>
+          </a:prstGeom>
+          <a:ln>
+            <a:solidFill>
+              <a:schemeClr val="tx1"/>
+            </a:solidFill>
+            <a:tailEnd type="triangle"/>
+          </a:ln>
+        </p:spPr>
+        <p:style>
+          <a:lnRef idx="1">
+            <a:schemeClr val="accent1"/>
+          </a:lnRef>
+          <a:fillRef idx="0">
+            <a:schemeClr val="accent1"/>
+          </a:fillRef>
+          <a:effectRef idx="0">
+            <a:schemeClr val="accent1"/>
+          </a:effectRef>
+          <a:fontRef idx="minor">
+            <a:schemeClr val="tx1"/>
+          </a:fontRef>
+        </p:style>
+      </p:cxnSp>
+      <p:cxnSp>
+        <p:nvCxnSpPr>
+          <p:cNvPr id="86" name="직선 화살표 연결선 85"/>
+          <p:cNvCxnSpPr/>
+          <p:nvPr/>
+        </p:nvCxnSpPr>
+        <p:spPr>
+          <a:xfrm flipH="1">
+            <a:off x="7988137" y="6341634"/>
+            <a:ext cx="384048" cy="0"/>
+          </a:xfrm>
+          <a:prstGeom prst="straightConnector1">
+            <a:avLst/>
+          </a:prstGeom>
+          <a:ln>
+            <a:solidFill>
+              <a:schemeClr val="tx1"/>
+            </a:solidFill>
+            <a:tailEnd type="triangle"/>
+          </a:ln>
+        </p:spPr>
+        <p:style>
+          <a:lnRef idx="1">
+            <a:schemeClr val="accent1"/>
+          </a:lnRef>
+          <a:fillRef idx="0">
+            <a:schemeClr val="accent1"/>
+          </a:fillRef>
+          <a:effectRef idx="0">
+            <a:schemeClr val="accent1"/>
+          </a:effectRef>
+          <a:fontRef idx="minor">
+            <a:schemeClr val="tx1"/>
+          </a:fontRef>
+        </p:style>
+      </p:cxnSp>
     </p:spTree>
     <p:extLst>
       <p:ext uri="{BB962C8B-B14F-4D97-AF65-F5344CB8AC3E}">
@@ -25500,19 +27019,7 @@
           <a:p>
             <a:r>
               <a:rPr lang="en-US" altLang="ko-KR" sz="2000" b="1" dirty="0" smtClean="0"/>
-              <a:t>[ </a:t>
-            </a:r>
-            <a:r>
-              <a:rPr lang="en-US" altLang="ko-KR" sz="2000" b="1" dirty="0" smtClean="0"/>
-              <a:t>LG</a:t>
-            </a:r>
-            <a:r>
-              <a:rPr lang="en-US" altLang="ko-KR" sz="2000" b="1" dirty="0" smtClean="0"/>
-              <a:t>M </a:t>
-            </a:r>
-            <a:r>
-              <a:rPr lang="en-US" altLang="ko-KR" sz="2000" b="1" dirty="0" smtClean="0"/>
-              <a:t>Serial Number ]</a:t>
+              <a:t>[ LGM Serial Number ]</a:t>
             </a:r>
             <a:endParaRPr lang="ko-KR" altLang="en-US" sz="2000" b="1" dirty="0"/>
           </a:p>
@@ -25547,7 +27054,7 @@
           <a:p>
             <a:r>
               <a:rPr lang="en-US" altLang="ko-KR" sz="1400" b="1" dirty="0" smtClean="0"/>
-              <a:t>3029</a:t>
+              <a:t>3089</a:t>
             </a:r>
             <a:endParaRPr lang="ko-KR" altLang="en-US" sz="1400" b="1" dirty="0"/>
           </a:p>
@@ -25607,15 +27114,11 @@
           <a:p>
             <a:r>
               <a:rPr lang="en-US" altLang="ko-KR" b="1" dirty="0" smtClean="0"/>
-              <a:t>LGM </a:t>
+              <a:t>LGM : </a:t>
             </a:r>
             <a:r>
               <a:rPr lang="en-US" altLang="ko-KR" b="1" dirty="0" smtClean="0"/>
-              <a:t>: </a:t>
-            </a:r>
-            <a:r>
-              <a:rPr lang="en-US" altLang="ko-KR" b="1" dirty="0" smtClean="0"/>
-              <a:t>3029 </a:t>
+              <a:t>3089 </a:t>
             </a:r>
             <a:r>
               <a:rPr lang="en-US" altLang="ko-KR" b="1" dirty="0" smtClean="0"/>
@@ -25623,7 +27126,11 @@
             </a:r>
             <a:r>
               <a:rPr lang="en-US" altLang="ko-KR" b="1" dirty="0" smtClean="0"/>
-              <a:t>3049 (21)</a:t>
+              <a:t>3109 </a:t>
+            </a:r>
+            <a:r>
+              <a:rPr lang="en-US" altLang="ko-KR" b="1" dirty="0" smtClean="0"/>
+              <a:t>(21)</a:t>
             </a:r>
             <a:endParaRPr lang="ko-KR" altLang="en-US" b="1" dirty="0"/>
           </a:p>
@@ -25683,15 +27190,11 @@
           <a:p>
             <a:r>
               <a:rPr lang="en-US" altLang="ko-KR" b="1" dirty="0" smtClean="0"/>
-              <a:t>LGM </a:t>
+              <a:t>LGM : </a:t>
             </a:r>
             <a:r>
               <a:rPr lang="en-US" altLang="ko-KR" b="1" dirty="0" smtClean="0"/>
-              <a:t>: </a:t>
-            </a:r>
-            <a:r>
-              <a:rPr lang="en-US" altLang="ko-KR" b="1" dirty="0" smtClean="0"/>
-              <a:t>3050 </a:t>
+              <a:t>3110 </a:t>
             </a:r>
             <a:r>
               <a:rPr lang="en-US" altLang="ko-KR" b="1" dirty="0" smtClean="0"/>
@@ -25699,7 +27202,11 @@
             </a:r>
             <a:r>
               <a:rPr lang="en-US" altLang="ko-KR" b="1" dirty="0" smtClean="0"/>
-              <a:t>3072 (23)</a:t>
+              <a:t>3132 </a:t>
+            </a:r>
+            <a:r>
+              <a:rPr lang="en-US" altLang="ko-KR" b="1" dirty="0" smtClean="0"/>
+              <a:t>(23)</a:t>
             </a:r>
             <a:endParaRPr lang="ko-KR" altLang="en-US" b="1" dirty="0"/>
           </a:p>
@@ -25732,7 +27239,7 @@
           <a:p>
             <a:r>
               <a:rPr lang="en-US" altLang="ko-KR" sz="1400" b="1" dirty="0" smtClean="0"/>
-              <a:t>3030</a:t>
+              <a:t>3090</a:t>
             </a:r>
             <a:endParaRPr lang="ko-KR" altLang="en-US" sz="1400" b="1" dirty="0"/>
           </a:p>
@@ -25765,7 +27272,7 @@
           <a:p>
             <a:r>
               <a:rPr lang="en-US" altLang="ko-KR" sz="1400" b="1" dirty="0" smtClean="0"/>
-              <a:t>3031</a:t>
+              <a:t>3091</a:t>
             </a:r>
             <a:endParaRPr lang="ko-KR" altLang="en-US" sz="1400" b="1" dirty="0"/>
           </a:p>
@@ -25798,7 +27305,7 @@
           <a:p>
             <a:r>
               <a:rPr lang="en-US" altLang="ko-KR" sz="1400" b="1" dirty="0" smtClean="0"/>
-              <a:t>3032</a:t>
+              <a:t>3092</a:t>
             </a:r>
             <a:endParaRPr lang="ko-KR" altLang="en-US" sz="1400" b="1" dirty="0"/>
           </a:p>
@@ -25831,7 +27338,7 @@
           <a:p>
             <a:r>
               <a:rPr lang="en-US" altLang="ko-KR" sz="1400" b="1" dirty="0" smtClean="0"/>
-              <a:t>3033</a:t>
+              <a:t>3093</a:t>
             </a:r>
             <a:endParaRPr lang="ko-KR" altLang="en-US" sz="1400" b="1" dirty="0"/>
           </a:p>
@@ -25864,7 +27371,7 @@
           <a:p>
             <a:r>
               <a:rPr lang="en-US" altLang="ko-KR" sz="1400" b="1" dirty="0" smtClean="0"/>
-              <a:t>3034</a:t>
+              <a:t>3094</a:t>
             </a:r>
             <a:endParaRPr lang="ko-KR" altLang="en-US" sz="1400" b="1" dirty="0"/>
           </a:p>
@@ -25897,7 +27404,7 @@
           <a:p>
             <a:r>
               <a:rPr lang="en-US" altLang="ko-KR" sz="1400" b="1" dirty="0" smtClean="0"/>
-              <a:t>3035</a:t>
+              <a:t>3095</a:t>
             </a:r>
             <a:endParaRPr lang="ko-KR" altLang="en-US" sz="1400" b="1" dirty="0"/>
           </a:p>
@@ -25930,7 +27437,7 @@
           <a:p>
             <a:r>
               <a:rPr lang="en-US" altLang="ko-KR" sz="1400" b="1" dirty="0" smtClean="0"/>
-              <a:t>3036</a:t>
+              <a:t>3096</a:t>
             </a:r>
             <a:endParaRPr lang="ko-KR" altLang="en-US" sz="1400" b="1" dirty="0"/>
           </a:p>
@@ -25963,7 +27470,7 @@
           <a:p>
             <a:r>
               <a:rPr lang="en-US" altLang="ko-KR" sz="1400" b="1" dirty="0" smtClean="0"/>
-              <a:t>3037</a:t>
+              <a:t>3097</a:t>
             </a:r>
             <a:endParaRPr lang="ko-KR" altLang="en-US" sz="1400" b="1" dirty="0"/>
           </a:p>
@@ -25996,7 +27503,7 @@
           <a:p>
             <a:r>
               <a:rPr lang="en-US" altLang="ko-KR" sz="1400" b="1" dirty="0" smtClean="0"/>
-              <a:t>3038</a:t>
+              <a:t>3098</a:t>
             </a:r>
             <a:endParaRPr lang="ko-KR" altLang="en-US" sz="1400" b="1" dirty="0"/>
           </a:p>
@@ -26029,7 +27536,7 @@
           <a:p>
             <a:r>
               <a:rPr lang="en-US" altLang="ko-KR" sz="1400" b="1" dirty="0" smtClean="0"/>
-              <a:t>3039</a:t>
+              <a:t>3099</a:t>
             </a:r>
             <a:endParaRPr lang="ko-KR" altLang="en-US" sz="1400" b="1" dirty="0"/>
           </a:p>
@@ -26062,7 +27569,7 @@
           <a:p>
             <a:r>
               <a:rPr lang="en-US" altLang="ko-KR" sz="1400" b="1" dirty="0" smtClean="0"/>
-              <a:t>3040</a:t>
+              <a:t>3100</a:t>
             </a:r>
             <a:endParaRPr lang="ko-KR" altLang="en-US" sz="1400" b="1" dirty="0"/>
           </a:p>
@@ -26095,7 +27602,7 @@
           <a:p>
             <a:r>
               <a:rPr lang="en-US" altLang="ko-KR" sz="1400" b="1" dirty="0" smtClean="0"/>
-              <a:t>3041</a:t>
+              <a:t>3101</a:t>
             </a:r>
             <a:endParaRPr lang="ko-KR" altLang="en-US" sz="1400" b="1" dirty="0"/>
           </a:p>
@@ -26128,7 +27635,7 @@
           <a:p>
             <a:r>
               <a:rPr lang="en-US" altLang="ko-KR" sz="1400" b="1" dirty="0" smtClean="0"/>
-              <a:t>3042</a:t>
+              <a:t>3102</a:t>
             </a:r>
             <a:endParaRPr lang="ko-KR" altLang="en-US" sz="1400" b="1" dirty="0"/>
           </a:p>
@@ -26161,7 +27668,7 @@
           <a:p>
             <a:r>
               <a:rPr lang="en-US" altLang="ko-KR" sz="1400" b="1" dirty="0" smtClean="0"/>
-              <a:t>3043</a:t>
+              <a:t>3103</a:t>
             </a:r>
             <a:endParaRPr lang="ko-KR" altLang="en-US" sz="1400" b="1" dirty="0"/>
           </a:p>
@@ -26194,7 +27701,7 @@
           <a:p>
             <a:r>
               <a:rPr lang="en-US" altLang="ko-KR" sz="1400" b="1" dirty="0" smtClean="0"/>
-              <a:t>3044</a:t>
+              <a:t>3104</a:t>
             </a:r>
             <a:endParaRPr lang="ko-KR" altLang="en-US" sz="1400" b="1" dirty="0"/>
           </a:p>
@@ -26227,7 +27734,7 @@
           <a:p>
             <a:r>
               <a:rPr lang="en-US" altLang="ko-KR" sz="1400" b="1" dirty="0" smtClean="0"/>
-              <a:t>3045</a:t>
+              <a:t>3105</a:t>
             </a:r>
             <a:endParaRPr lang="ko-KR" altLang="en-US" sz="1400" b="1" dirty="0"/>
           </a:p>
@@ -26260,7 +27767,7 @@
           <a:p>
             <a:r>
               <a:rPr lang="en-US" altLang="ko-KR" sz="1400" b="1" dirty="0" smtClean="0"/>
-              <a:t>3046</a:t>
+              <a:t>3106</a:t>
             </a:r>
             <a:endParaRPr lang="ko-KR" altLang="en-US" sz="1400" b="1" dirty="0"/>
           </a:p>
@@ -26293,7 +27800,7 @@
           <a:p>
             <a:r>
               <a:rPr lang="en-US" altLang="ko-KR" sz="1400" b="1" dirty="0" smtClean="0"/>
-              <a:t>3047</a:t>
+              <a:t>3107</a:t>
             </a:r>
             <a:endParaRPr lang="ko-KR" altLang="en-US" sz="1400" b="1" dirty="0"/>
           </a:p>
@@ -26326,7 +27833,7 @@
           <a:p>
             <a:r>
               <a:rPr lang="en-US" altLang="ko-KR" sz="1400" b="1" dirty="0" smtClean="0"/>
-              <a:t>3048</a:t>
+              <a:t>3108</a:t>
             </a:r>
             <a:endParaRPr lang="ko-KR" altLang="en-US" sz="1400" b="1" dirty="0"/>
           </a:p>
@@ -26359,7 +27866,7 @@
           <a:p>
             <a:r>
               <a:rPr lang="en-US" altLang="ko-KR" sz="1400" b="1" dirty="0" smtClean="0"/>
-              <a:t>3049</a:t>
+              <a:t>3109</a:t>
             </a:r>
             <a:endParaRPr lang="ko-KR" altLang="en-US" sz="1400" b="1" dirty="0"/>
           </a:p>
@@ -26392,7 +27899,7 @@
           <a:p>
             <a:r>
               <a:rPr lang="en-US" altLang="ko-KR" sz="1400" b="1" dirty="0" smtClean="0"/>
-              <a:t>3053</a:t>
+              <a:t>3113</a:t>
             </a:r>
             <a:endParaRPr lang="ko-KR" altLang="en-US" sz="1400" b="1" dirty="0"/>
           </a:p>
@@ -26425,7 +27932,7 @@
           <a:p>
             <a:r>
               <a:rPr lang="en-US" altLang="ko-KR" sz="1400" b="1" dirty="0" smtClean="0"/>
-              <a:t>3052</a:t>
+              <a:t>3112</a:t>
             </a:r>
             <a:endParaRPr lang="ko-KR" altLang="en-US" sz="1400" b="1" dirty="0"/>
           </a:p>
@@ -26458,7 +27965,7 @@
           <a:p>
             <a:r>
               <a:rPr lang="en-US" altLang="ko-KR" sz="1400" b="1" dirty="0" smtClean="0"/>
-              <a:t>3051</a:t>
+              <a:t>3111</a:t>
             </a:r>
             <a:endParaRPr lang="ko-KR" altLang="en-US" sz="1400" b="1" dirty="0"/>
           </a:p>
@@ -26493,7 +28000,7 @@
           <a:p>
             <a:r>
               <a:rPr lang="en-US" altLang="ko-KR" sz="1400" b="1" dirty="0" smtClean="0"/>
-              <a:t>3050</a:t>
+              <a:t>3110</a:t>
             </a:r>
             <a:endParaRPr lang="ko-KR" altLang="en-US" sz="1400" b="1" dirty="0"/>
           </a:p>
@@ -26526,7 +28033,7 @@
           <a:p>
             <a:r>
               <a:rPr lang="en-US" altLang="ko-KR" sz="1400" b="1" dirty="0" smtClean="0"/>
-              <a:t>3054</a:t>
+              <a:t>3114</a:t>
             </a:r>
             <a:endParaRPr lang="ko-KR" altLang="en-US" sz="1400" b="1" dirty="0"/>
           </a:p>
@@ -26559,7 +28066,7 @@
           <a:p>
             <a:r>
               <a:rPr lang="en-US" altLang="ko-KR" sz="1400" b="1" dirty="0" smtClean="0"/>
-              <a:t>3056</a:t>
+              <a:t>3116</a:t>
             </a:r>
             <a:endParaRPr lang="ko-KR" altLang="en-US" sz="1400" b="1" dirty="0"/>
           </a:p>
@@ -26592,7 +28099,7 @@
           <a:p>
             <a:r>
               <a:rPr lang="en-US" altLang="ko-KR" sz="1400" b="1" dirty="0" smtClean="0"/>
-              <a:t>3055</a:t>
+              <a:t>3115</a:t>
             </a:r>
             <a:endParaRPr lang="ko-KR" altLang="en-US" sz="1400" b="1" dirty="0"/>
           </a:p>
@@ -26625,7 +28132,7 @@
           <a:p>
             <a:r>
               <a:rPr lang="en-US" altLang="ko-KR" sz="1400" b="1" dirty="0" smtClean="0"/>
-              <a:t>3057</a:t>
+              <a:t>3117</a:t>
             </a:r>
             <a:endParaRPr lang="ko-KR" altLang="en-US" sz="1400" b="1" dirty="0"/>
           </a:p>
@@ -26658,7 +28165,7 @@
           <a:p>
             <a:r>
               <a:rPr lang="en-US" altLang="ko-KR" sz="1400" b="1" dirty="0" smtClean="0"/>
-              <a:t>3058</a:t>
+              <a:t>3118</a:t>
             </a:r>
             <a:endParaRPr lang="ko-KR" altLang="en-US" sz="1400" b="1" dirty="0"/>
           </a:p>
@@ -26691,7 +28198,7 @@
           <a:p>
             <a:r>
               <a:rPr lang="en-US" altLang="ko-KR" sz="1400" b="1" dirty="0" smtClean="0"/>
-              <a:t>3059</a:t>
+              <a:t>3119</a:t>
             </a:r>
             <a:endParaRPr lang="ko-KR" altLang="en-US" sz="1400" b="1" dirty="0"/>
           </a:p>
@@ -26724,7 +28231,7 @@
           <a:p>
             <a:r>
               <a:rPr lang="en-US" altLang="ko-KR" sz="1400" b="1" dirty="0" smtClean="0"/>
-              <a:t>3060</a:t>
+              <a:t>3120</a:t>
             </a:r>
             <a:endParaRPr lang="ko-KR" altLang="en-US" sz="1400" b="1" dirty="0"/>
           </a:p>
@@ -26757,7 +28264,7 @@
           <a:p>
             <a:r>
               <a:rPr lang="en-US" altLang="ko-KR" sz="1400" b="1" dirty="0" smtClean="0"/>
-              <a:t>3061</a:t>
+              <a:t>3121</a:t>
             </a:r>
             <a:endParaRPr lang="ko-KR" altLang="en-US" sz="1400" b="1" dirty="0"/>
           </a:p>
@@ -26790,7 +28297,7 @@
           <a:p>
             <a:r>
               <a:rPr lang="en-US" altLang="ko-KR" sz="1400" b="1" dirty="0" smtClean="0"/>
-              <a:t>3062</a:t>
+              <a:t>3122</a:t>
             </a:r>
             <a:endParaRPr lang="ko-KR" altLang="en-US" sz="1400" b="1" dirty="0"/>
           </a:p>
@@ -26823,7 +28330,7 @@
           <a:p>
             <a:r>
               <a:rPr lang="en-US" altLang="ko-KR" sz="1400" b="1" dirty="0" smtClean="0"/>
-              <a:t>3063</a:t>
+              <a:t>3123</a:t>
             </a:r>
             <a:endParaRPr lang="ko-KR" altLang="en-US" sz="1400" b="1" dirty="0"/>
           </a:p>
@@ -26856,7 +28363,7 @@
           <a:p>
             <a:r>
               <a:rPr lang="en-US" altLang="ko-KR" sz="1400" b="1" dirty="0" smtClean="0"/>
-              <a:t>3064</a:t>
+              <a:t>3124</a:t>
             </a:r>
             <a:endParaRPr lang="ko-KR" altLang="en-US" sz="1400" b="1" dirty="0"/>
           </a:p>
@@ -26889,7 +28396,7 @@
           <a:p>
             <a:r>
               <a:rPr lang="en-US" altLang="ko-KR" sz="1400" b="1" dirty="0" smtClean="0"/>
-              <a:t>3065</a:t>
+              <a:t>3125</a:t>
             </a:r>
             <a:endParaRPr lang="ko-KR" altLang="en-US" sz="1400" b="1" dirty="0"/>
           </a:p>
@@ -26922,7 +28429,7 @@
           <a:p>
             <a:r>
               <a:rPr lang="en-US" altLang="ko-KR" sz="1400" b="1" dirty="0" smtClean="0"/>
-              <a:t>3066</a:t>
+              <a:t>3126</a:t>
             </a:r>
             <a:endParaRPr lang="ko-KR" altLang="en-US" sz="1400" b="1" dirty="0"/>
           </a:p>
@@ -26955,7 +28462,7 @@
           <a:p>
             <a:r>
               <a:rPr lang="en-US" altLang="ko-KR" sz="1400" b="1" dirty="0" smtClean="0"/>
-              <a:t>3067</a:t>
+              <a:t>3127</a:t>
             </a:r>
             <a:endParaRPr lang="ko-KR" altLang="en-US" sz="1400" b="1" dirty="0"/>
           </a:p>
@@ -26988,7 +28495,7 @@
           <a:p>
             <a:r>
               <a:rPr lang="en-US" altLang="ko-KR" sz="1400" b="1" dirty="0" smtClean="0"/>
-              <a:t>3068</a:t>
+              <a:t>3128</a:t>
             </a:r>
             <a:endParaRPr lang="ko-KR" altLang="en-US" sz="1400" b="1" dirty="0"/>
           </a:p>
@@ -27021,7 +28528,7 @@
           <a:p>
             <a:r>
               <a:rPr lang="en-US" altLang="ko-KR" sz="1400" b="1" dirty="0" smtClean="0"/>
-              <a:t>3069</a:t>
+              <a:t>3129</a:t>
             </a:r>
             <a:endParaRPr lang="ko-KR" altLang="en-US" sz="1400" b="1" dirty="0"/>
           </a:p>
@@ -27054,7 +28561,7 @@
           <a:p>
             <a:r>
               <a:rPr lang="en-US" altLang="ko-KR" sz="1400" b="1" dirty="0" smtClean="0"/>
-              <a:t>3070</a:t>
+              <a:t>3130</a:t>
             </a:r>
             <a:endParaRPr lang="ko-KR" altLang="en-US" sz="1400" b="1" dirty="0"/>
           </a:p>
@@ -27087,7 +28594,7 @@
           <a:p>
             <a:r>
               <a:rPr lang="en-US" altLang="ko-KR" sz="1400" b="1" dirty="0" smtClean="0"/>
-              <a:t>3071</a:t>
+              <a:t>3131</a:t>
             </a:r>
             <a:endParaRPr lang="ko-KR" altLang="en-US" sz="1400" b="1" dirty="0"/>
           </a:p>
@@ -27120,7 +28627,7 @@
           <a:p>
             <a:r>
               <a:rPr lang="en-US" altLang="ko-KR" sz="1400" b="1" dirty="0" smtClean="0"/>
-              <a:t>3072</a:t>
+              <a:t>3132</a:t>
             </a:r>
             <a:endParaRPr lang="ko-KR" altLang="en-US" sz="1400" b="1" dirty="0"/>
           </a:p>
@@ -27264,27 +28771,7 @@
           <a:p>
             <a:r>
               <a:rPr lang="en-US" altLang="ko-KR" b="1" dirty="0" smtClean="0"/>
-              <a:t>US</a:t>
-            </a:r>
-            <a:r>
-              <a:rPr lang="en-US" altLang="ko-KR" b="1" dirty="0" smtClean="0"/>
-              <a:t>M </a:t>
-            </a:r>
-            <a:r>
-              <a:rPr lang="en-US" altLang="ko-KR" b="1" dirty="0" smtClean="0"/>
-              <a:t>: </a:t>
-            </a:r>
-            <a:r>
-              <a:rPr lang="en-US" altLang="ko-KR" b="1" dirty="0" smtClean="0"/>
-              <a:t>8587 </a:t>
-            </a:r>
-            <a:r>
-              <a:rPr lang="en-US" altLang="ko-KR" b="1" dirty="0" smtClean="0"/>
-              <a:t>~ </a:t>
-            </a:r>
-            <a:r>
-              <a:rPr lang="en-US" altLang="ko-KR" b="1" dirty="0" smtClean="0"/>
-              <a:t>8620 (34)</a:t>
+              <a:t>USM : 8587 ~ 8620 (34)</a:t>
             </a:r>
           </a:p>
           <a:p>
@@ -28162,6 +29649,115 @@
           </a:p>
         </p:txBody>
       </p:sp>
+      <p:cxnSp>
+        <p:nvCxnSpPr>
+          <p:cNvPr id="26" name="직선 화살표 연결선 25"/>
+          <p:cNvCxnSpPr/>
+          <p:nvPr/>
+        </p:nvCxnSpPr>
+        <p:spPr>
+          <a:xfrm flipH="1">
+            <a:off x="5463239" y="1587851"/>
+            <a:ext cx="932688" cy="949925"/>
+          </a:xfrm>
+          <a:prstGeom prst="straightConnector1">
+            <a:avLst/>
+          </a:prstGeom>
+          <a:ln>
+            <a:solidFill>
+              <a:schemeClr val="tx1"/>
+            </a:solidFill>
+            <a:tailEnd type="triangle"/>
+          </a:ln>
+        </p:spPr>
+        <p:style>
+          <a:lnRef idx="1">
+            <a:schemeClr val="accent1"/>
+          </a:lnRef>
+          <a:fillRef idx="0">
+            <a:schemeClr val="accent1"/>
+          </a:fillRef>
+          <a:effectRef idx="0">
+            <a:schemeClr val="accent1"/>
+          </a:effectRef>
+          <a:fontRef idx="minor">
+            <a:schemeClr val="tx1"/>
+          </a:fontRef>
+        </p:style>
+      </p:cxnSp>
+      <p:cxnSp>
+        <p:nvCxnSpPr>
+          <p:cNvPr id="35" name="직선 화살표 연결선 34"/>
+          <p:cNvCxnSpPr/>
+          <p:nvPr/>
+        </p:nvCxnSpPr>
+        <p:spPr>
+          <a:xfrm>
+            <a:off x="2591399" y="5162530"/>
+            <a:ext cx="842992" cy="895784"/>
+          </a:xfrm>
+          <a:prstGeom prst="straightConnector1">
+            <a:avLst/>
+          </a:prstGeom>
+          <a:ln>
+            <a:solidFill>
+              <a:schemeClr val="tx1"/>
+            </a:solidFill>
+            <a:tailEnd type="triangle"/>
+          </a:ln>
+        </p:spPr>
+        <p:style>
+          <a:lnRef idx="1">
+            <a:schemeClr val="accent1"/>
+          </a:lnRef>
+          <a:fillRef idx="0">
+            <a:schemeClr val="accent1"/>
+          </a:fillRef>
+          <a:effectRef idx="0">
+            <a:schemeClr val="accent1"/>
+          </a:effectRef>
+          <a:fontRef idx="minor">
+            <a:schemeClr val="tx1"/>
+          </a:fontRef>
+        </p:style>
+      </p:cxnSp>
+      <p:cxnSp>
+        <p:nvCxnSpPr>
+          <p:cNvPr id="37" name="직선 화살표 연결선 36"/>
+          <p:cNvCxnSpPr/>
+          <p:nvPr/>
+        </p:nvCxnSpPr>
+        <p:spPr>
+          <a:xfrm flipH="1">
+            <a:off x="3721552" y="4805499"/>
+            <a:ext cx="932688" cy="949925"/>
+          </a:xfrm>
+          <a:prstGeom prst="straightConnector1">
+            <a:avLst/>
+          </a:prstGeom>
+          <a:ln>
+            <a:solidFill>
+              <a:schemeClr val="tx1"/>
+            </a:solidFill>
+            <a:headEnd type="triangle" w="med" len="med"/>
+            <a:tailEnd type="none" w="med" len="med"/>
+          </a:ln>
+        </p:spPr>
+        <p:style>
+          <a:lnRef idx="1">
+            <a:schemeClr val="accent1"/>
+          </a:lnRef>
+          <a:fillRef idx="0">
+            <a:schemeClr val="accent1"/>
+          </a:fillRef>
+          <a:effectRef idx="0">
+            <a:schemeClr val="accent1"/>
+          </a:effectRef>
+          <a:fontRef idx="minor">
+            <a:schemeClr val="tx1"/>
+          </a:fontRef>
+        </p:style>
+      </p:cxnSp>
     </p:spTree>
     <p:extLst>
       <p:ext uri="{BB962C8B-B14F-4D97-AF65-F5344CB8AC3E}">
@@ -28240,19 +29836,7 @@
           <a:p>
             <a:r>
               <a:rPr lang="en-US" altLang="ko-KR" sz="2000" b="1" dirty="0" smtClean="0"/>
-              <a:t>[ </a:t>
-            </a:r>
-            <a:r>
-              <a:rPr lang="en-US" altLang="ko-KR" sz="2000" b="1" dirty="0" smtClean="0"/>
-              <a:t>LG</a:t>
-            </a:r>
-            <a:r>
-              <a:rPr lang="en-US" altLang="ko-KR" sz="2000" b="1" dirty="0" smtClean="0"/>
-              <a:t>M </a:t>
-            </a:r>
-            <a:r>
-              <a:rPr lang="en-US" altLang="ko-KR" sz="2000" b="1" dirty="0" smtClean="0"/>
-              <a:t>Serial Number ]</a:t>
+              <a:t>[ LGM Serial Number ]</a:t>
             </a:r>
             <a:endParaRPr lang="ko-KR" altLang="en-US" sz="2000" b="1" dirty="0"/>
           </a:p>
@@ -28312,15 +29896,11 @@
           <a:p>
             <a:r>
               <a:rPr lang="en-US" altLang="ko-KR" b="1" dirty="0" smtClean="0"/>
-              <a:t>LGM </a:t>
+              <a:t>LGM : </a:t>
             </a:r>
             <a:r>
               <a:rPr lang="en-US" altLang="ko-KR" b="1" dirty="0" smtClean="0"/>
-              <a:t>: </a:t>
-            </a:r>
-            <a:r>
-              <a:rPr lang="en-US" altLang="ko-KR" b="1" dirty="0" smtClean="0"/>
-              <a:t>3073 </a:t>
+              <a:t>3133 </a:t>
             </a:r>
             <a:r>
               <a:rPr lang="en-US" altLang="ko-KR" b="1" dirty="0" smtClean="0"/>
@@ -28328,7 +29908,11 @@
             </a:r>
             <a:r>
               <a:rPr lang="en-US" altLang="ko-KR" b="1" dirty="0" smtClean="0"/>
-              <a:t>3093 (21)</a:t>
+              <a:t>3153 </a:t>
+            </a:r>
+            <a:r>
+              <a:rPr lang="en-US" altLang="ko-KR" b="1" dirty="0" smtClean="0"/>
+              <a:t>(21)</a:t>
             </a:r>
             <a:endParaRPr lang="ko-KR" altLang="en-US" b="1" dirty="0"/>
           </a:p>
@@ -28350,18 +29934,20 @@
           </a:prstGeom>
           <a:noFill/>
           <a:ln>
-            <a:noFill/>
-          </a:ln>
-        </p:spPr>
-        <p:txBody>
-          <a:bodyPr wrap="none" rtlCol="0">
-            <a:spAutoFit/>
-          </a:bodyPr>
-          <a:lstStyle/>
-          <a:p>
-            <a:r>
-              <a:rPr lang="en-US" altLang="ko-KR" sz="1400" b="1" dirty="0" smtClean="0"/>
-              <a:t>3073</a:t>
+            <a:solidFill>
+              <a:schemeClr val="tx1"/>
+            </a:solidFill>
+          </a:ln>
+        </p:spPr>
+        <p:txBody>
+          <a:bodyPr wrap="none" rtlCol="0">
+            <a:spAutoFit/>
+          </a:bodyPr>
+          <a:lstStyle/>
+          <a:p>
+            <a:r>
+              <a:rPr lang="en-US" altLang="ko-KR" sz="1400" b="1" dirty="0" smtClean="0"/>
+              <a:t>3133</a:t>
             </a:r>
             <a:endParaRPr lang="ko-KR" altLang="en-US" sz="1400" b="1" dirty="0"/>
           </a:p>
@@ -28394,7 +29980,7 @@
           <a:p>
             <a:r>
               <a:rPr lang="en-US" altLang="ko-KR" sz="1400" b="1" dirty="0" smtClean="0"/>
-              <a:t>3074</a:t>
+              <a:t>3134</a:t>
             </a:r>
             <a:endParaRPr lang="ko-KR" altLang="en-US" sz="1400" b="1" dirty="0"/>
           </a:p>
@@ -28427,7 +30013,7 @@
           <a:p>
             <a:r>
               <a:rPr lang="en-US" altLang="ko-KR" sz="1400" b="1" dirty="0" smtClean="0"/>
-              <a:t>3075</a:t>
+              <a:t>3135</a:t>
             </a:r>
             <a:endParaRPr lang="ko-KR" altLang="en-US" sz="1400" b="1" dirty="0"/>
           </a:p>
@@ -28460,7 +30046,7 @@
           <a:p>
             <a:r>
               <a:rPr lang="en-US" altLang="ko-KR" sz="1400" b="1" dirty="0" smtClean="0"/>
-              <a:t>3076</a:t>
+              <a:t>3136</a:t>
             </a:r>
             <a:endParaRPr lang="ko-KR" altLang="en-US" sz="1400" b="1" dirty="0"/>
           </a:p>
@@ -28493,7 +30079,7 @@
           <a:p>
             <a:r>
               <a:rPr lang="en-US" altLang="ko-KR" sz="1400" b="1" dirty="0" smtClean="0"/>
-              <a:t>3077</a:t>
+              <a:t>3137</a:t>
             </a:r>
             <a:endParaRPr lang="ko-KR" altLang="en-US" sz="1400" b="1" dirty="0"/>
           </a:p>
@@ -28526,7 +30112,7 @@
           <a:p>
             <a:r>
               <a:rPr lang="en-US" altLang="ko-KR" sz="1400" b="1" dirty="0" smtClean="0"/>
-              <a:t>3078</a:t>
+              <a:t>3138</a:t>
             </a:r>
             <a:endParaRPr lang="ko-KR" altLang="en-US" sz="1400" b="1" dirty="0"/>
           </a:p>
@@ -28559,7 +30145,7 @@
           <a:p>
             <a:r>
               <a:rPr lang="en-US" altLang="ko-KR" sz="1400" b="1" dirty="0" smtClean="0"/>
-              <a:t>3079</a:t>
+              <a:t>3139</a:t>
             </a:r>
             <a:endParaRPr lang="ko-KR" altLang="en-US" sz="1400" b="1" dirty="0"/>
           </a:p>
@@ -28592,7 +30178,7 @@
           <a:p>
             <a:r>
               <a:rPr lang="en-US" altLang="ko-KR" sz="1400" b="1" dirty="0" smtClean="0"/>
-              <a:t>3080</a:t>
+              <a:t>3140</a:t>
             </a:r>
             <a:endParaRPr lang="ko-KR" altLang="en-US" sz="1400" b="1" dirty="0"/>
           </a:p>
@@ -28625,7 +30211,7 @@
           <a:p>
             <a:r>
               <a:rPr lang="en-US" altLang="ko-KR" sz="1400" b="1" dirty="0" smtClean="0"/>
-              <a:t>3081</a:t>
+              <a:t>3141</a:t>
             </a:r>
             <a:endParaRPr lang="ko-KR" altLang="en-US" sz="1400" b="1" dirty="0"/>
           </a:p>
@@ -28658,7 +30244,7 @@
           <a:p>
             <a:r>
               <a:rPr lang="en-US" altLang="ko-KR" sz="1400" b="1" dirty="0" smtClean="0"/>
-              <a:t>3082</a:t>
+              <a:t>3142</a:t>
             </a:r>
             <a:endParaRPr lang="ko-KR" altLang="en-US" sz="1400" b="1" dirty="0"/>
           </a:p>
@@ -28691,7 +30277,7 @@
           <a:p>
             <a:r>
               <a:rPr lang="en-US" altLang="ko-KR" sz="1400" b="1" dirty="0" smtClean="0"/>
-              <a:t>3083</a:t>
+              <a:t>3143</a:t>
             </a:r>
             <a:endParaRPr lang="ko-KR" altLang="en-US" sz="1400" b="1" dirty="0"/>
           </a:p>
@@ -28724,7 +30310,7 @@
           <a:p>
             <a:r>
               <a:rPr lang="en-US" altLang="ko-KR" sz="1400" b="1" dirty="0" smtClean="0"/>
-              <a:t>3084</a:t>
+              <a:t>3144</a:t>
             </a:r>
             <a:endParaRPr lang="ko-KR" altLang="en-US" sz="1400" b="1" dirty="0"/>
           </a:p>
@@ -28757,7 +30343,7 @@
           <a:p>
             <a:r>
               <a:rPr lang="en-US" altLang="ko-KR" sz="1400" b="1" dirty="0" smtClean="0"/>
-              <a:t>3085</a:t>
+              <a:t>3145</a:t>
             </a:r>
             <a:endParaRPr lang="ko-KR" altLang="en-US" sz="1400" b="1" dirty="0"/>
           </a:p>
@@ -28790,7 +30376,7 @@
           <a:p>
             <a:r>
               <a:rPr lang="en-US" altLang="ko-KR" sz="1400" b="1" dirty="0" smtClean="0"/>
-              <a:t>3086</a:t>
+              <a:t>3146</a:t>
             </a:r>
             <a:endParaRPr lang="ko-KR" altLang="en-US" sz="1400" b="1" dirty="0"/>
           </a:p>
@@ -28823,7 +30409,7 @@
           <a:p>
             <a:r>
               <a:rPr lang="en-US" altLang="ko-KR" sz="1400" b="1" dirty="0" smtClean="0"/>
-              <a:t>3087</a:t>
+              <a:t>3147</a:t>
             </a:r>
             <a:endParaRPr lang="ko-KR" altLang="en-US" sz="1400" b="1" dirty="0"/>
           </a:p>
@@ -28856,7 +30442,7 @@
           <a:p>
             <a:r>
               <a:rPr lang="en-US" altLang="ko-KR" sz="1400" b="1" dirty="0" smtClean="0"/>
-              <a:t>3088</a:t>
+              <a:t>3148</a:t>
             </a:r>
             <a:endParaRPr lang="ko-KR" altLang="en-US" sz="1400" b="1" dirty="0"/>
           </a:p>
@@ -28889,7 +30475,7 @@
           <a:p>
             <a:r>
               <a:rPr lang="en-US" altLang="ko-KR" sz="1400" b="1" dirty="0" smtClean="0"/>
-              <a:t>3089</a:t>
+              <a:t>3149</a:t>
             </a:r>
             <a:endParaRPr lang="ko-KR" altLang="en-US" sz="1400" b="1" dirty="0"/>
           </a:p>
@@ -28922,7 +30508,7 @@
           <a:p>
             <a:r>
               <a:rPr lang="en-US" altLang="ko-KR" sz="1400" b="1" dirty="0" smtClean="0"/>
-              <a:t>3090</a:t>
+              <a:t>3150</a:t>
             </a:r>
             <a:endParaRPr lang="ko-KR" altLang="en-US" sz="1400" b="1" dirty="0"/>
           </a:p>
@@ -28955,7 +30541,7 @@
           <a:p>
             <a:r>
               <a:rPr lang="en-US" altLang="ko-KR" sz="1400" b="1" dirty="0" smtClean="0"/>
-              <a:t>3091</a:t>
+              <a:t>3151</a:t>
             </a:r>
             <a:endParaRPr lang="ko-KR" altLang="en-US" sz="1400" b="1" dirty="0"/>
           </a:p>
@@ -28988,7 +30574,7 @@
           <a:p>
             <a:r>
               <a:rPr lang="en-US" altLang="ko-KR" sz="1400" b="1" dirty="0" smtClean="0"/>
-              <a:t>3092</a:t>
+              <a:t>3152</a:t>
             </a:r>
             <a:endParaRPr lang="ko-KR" altLang="en-US" sz="1400" b="1" dirty="0"/>
           </a:p>
@@ -29021,7 +30607,7 @@
           <a:p>
             <a:r>
               <a:rPr lang="en-US" altLang="ko-KR" sz="1400" b="1" dirty="0" smtClean="0"/>
-              <a:t>3093</a:t>
+              <a:t>3153</a:t>
             </a:r>
             <a:endParaRPr lang="ko-KR" altLang="en-US" sz="1400" b="1" dirty="0"/>
           </a:p>
@@ -29165,27 +30751,7 @@
           <a:p>
             <a:r>
               <a:rPr lang="en-US" altLang="ko-KR" b="1" dirty="0" smtClean="0"/>
-              <a:t>US</a:t>
-            </a:r>
-            <a:r>
-              <a:rPr lang="en-US" altLang="ko-KR" b="1" dirty="0" smtClean="0"/>
-              <a:t>M </a:t>
-            </a:r>
-            <a:r>
-              <a:rPr lang="en-US" altLang="ko-KR" b="1" dirty="0" smtClean="0"/>
-              <a:t>: </a:t>
-            </a:r>
-            <a:r>
-              <a:rPr lang="en-US" altLang="ko-KR" b="1" dirty="0" smtClean="0"/>
-              <a:t>9210 </a:t>
-            </a:r>
-            <a:r>
-              <a:rPr lang="en-US" altLang="ko-KR" b="1" dirty="0" smtClean="0"/>
-              <a:t>~ </a:t>
-            </a:r>
-            <a:r>
-              <a:rPr lang="en-US" altLang="ko-KR" b="1" dirty="0" smtClean="0"/>
-              <a:t>9271(62)</a:t>
+              <a:t>USM : 9210 ~ 9271(62)</a:t>
             </a:r>
             <a:endParaRPr lang="ko-KR" altLang="en-US" b="1" dirty="0"/>
           </a:p>
@@ -30183,6 +31749,78 @@
           </a:p>
         </p:txBody>
       </p:sp>
+      <p:cxnSp>
+        <p:nvCxnSpPr>
+          <p:cNvPr id="19" name="직선 화살표 연결선 18"/>
+          <p:cNvCxnSpPr/>
+          <p:nvPr/>
+        </p:nvCxnSpPr>
+        <p:spPr>
+          <a:xfrm>
+            <a:off x="776894" y="6153722"/>
+            <a:ext cx="1027726" cy="0"/>
+          </a:xfrm>
+          <a:prstGeom prst="straightConnector1">
+            <a:avLst/>
+          </a:prstGeom>
+          <a:ln>
+            <a:solidFill>
+              <a:schemeClr val="tx1"/>
+            </a:solidFill>
+            <a:tailEnd type="triangle"/>
+          </a:ln>
+        </p:spPr>
+        <p:style>
+          <a:lnRef idx="1">
+            <a:schemeClr val="accent1"/>
+          </a:lnRef>
+          <a:fillRef idx="0">
+            <a:schemeClr val="accent1"/>
+          </a:fillRef>
+          <a:effectRef idx="0">
+            <a:schemeClr val="accent1"/>
+          </a:effectRef>
+          <a:fontRef idx="minor">
+            <a:schemeClr val="tx1"/>
+          </a:fontRef>
+        </p:style>
+      </p:cxnSp>
+      <p:cxnSp>
+        <p:nvCxnSpPr>
+          <p:cNvPr id="39" name="직선 화살표 연결선 38"/>
+          <p:cNvCxnSpPr/>
+          <p:nvPr/>
+        </p:nvCxnSpPr>
+        <p:spPr>
+          <a:xfrm flipV="1">
+            <a:off x="8010144" y="5404104"/>
+            <a:ext cx="640080" cy="649224"/>
+          </a:xfrm>
+          <a:prstGeom prst="straightConnector1">
+            <a:avLst/>
+          </a:prstGeom>
+          <a:ln>
+            <a:solidFill>
+              <a:schemeClr val="tx1"/>
+            </a:solidFill>
+            <a:tailEnd type="triangle"/>
+          </a:ln>
+        </p:spPr>
+        <p:style>
+          <a:lnRef idx="1">
+            <a:schemeClr val="accent1"/>
+          </a:lnRef>
+          <a:fillRef idx="0">
+            <a:schemeClr val="accent1"/>
+          </a:fillRef>
+          <a:effectRef idx="0">
+            <a:schemeClr val="accent1"/>
+          </a:effectRef>
+          <a:fontRef idx="minor">
+            <a:schemeClr val="tx1"/>
+          </a:fontRef>
+        </p:style>
+      </p:cxnSp>
     </p:spTree>
     <p:extLst>
       <p:ext uri="{BB962C8B-B14F-4D97-AF65-F5344CB8AC3E}">
@@ -30261,19 +31899,7 @@
           <a:p>
             <a:r>
               <a:rPr lang="en-US" altLang="ko-KR" sz="2000" b="1" dirty="0" smtClean="0"/>
-              <a:t>[ </a:t>
-            </a:r>
-            <a:r>
-              <a:rPr lang="en-US" altLang="ko-KR" sz="2000" b="1" dirty="0" smtClean="0"/>
-              <a:t>LG</a:t>
-            </a:r>
-            <a:r>
-              <a:rPr lang="en-US" altLang="ko-KR" sz="2000" b="1" dirty="0" smtClean="0"/>
-              <a:t>M </a:t>
-            </a:r>
-            <a:r>
-              <a:rPr lang="en-US" altLang="ko-KR" sz="2000" b="1" dirty="0" smtClean="0"/>
-              <a:t>Serial Number ]</a:t>
+              <a:t>[ LGM Serial Number ]</a:t>
             </a:r>
             <a:endParaRPr lang="ko-KR" altLang="en-US" sz="2000" b="1" dirty="0"/>
           </a:p>
@@ -30333,15 +31959,11 @@
           <a:p>
             <a:r>
               <a:rPr lang="en-US" altLang="ko-KR" b="1" dirty="0" smtClean="0"/>
-              <a:t>LGM </a:t>
+              <a:t>LGM : </a:t>
             </a:r>
             <a:r>
               <a:rPr lang="en-US" altLang="ko-KR" b="1" dirty="0" smtClean="0"/>
-              <a:t>: </a:t>
-            </a:r>
-            <a:r>
-              <a:rPr lang="en-US" altLang="ko-KR" b="1" dirty="0" smtClean="0"/>
-              <a:t>3095 </a:t>
+              <a:t>3155 </a:t>
             </a:r>
             <a:r>
               <a:rPr lang="en-US" altLang="ko-KR" b="1" dirty="0" smtClean="0"/>
@@ -30349,7 +31971,11 @@
             </a:r>
             <a:r>
               <a:rPr lang="en-US" altLang="ko-KR" b="1" dirty="0" smtClean="0"/>
-              <a:t>3106 (12)</a:t>
+              <a:t>3166 </a:t>
+            </a:r>
+            <a:r>
+              <a:rPr lang="en-US" altLang="ko-KR" b="1" dirty="0" smtClean="0"/>
+              <a:t>(12)</a:t>
             </a:r>
             <a:endParaRPr lang="ko-KR" altLang="en-US" b="1" dirty="0"/>
           </a:p>
@@ -30384,7 +32010,7 @@
           <a:p>
             <a:r>
               <a:rPr lang="en-US" altLang="ko-KR" sz="1400" b="1" dirty="0" smtClean="0"/>
-              <a:t>3095</a:t>
+              <a:t>3155</a:t>
             </a:r>
             <a:endParaRPr lang="ko-KR" altLang="en-US" sz="1400" b="1" dirty="0"/>
           </a:p>
@@ -30417,7 +32043,7 @@
           <a:p>
             <a:r>
               <a:rPr lang="en-US" altLang="ko-KR" sz="1400" b="1" dirty="0" smtClean="0"/>
-              <a:t>3096</a:t>
+              <a:t>3156</a:t>
             </a:r>
             <a:endParaRPr lang="ko-KR" altLang="en-US" sz="1400" b="1" dirty="0"/>
           </a:p>
@@ -30450,7 +32076,7 @@
           <a:p>
             <a:r>
               <a:rPr lang="en-US" altLang="ko-KR" sz="1400" b="1" dirty="0" smtClean="0"/>
-              <a:t>3097</a:t>
+              <a:t>3157</a:t>
             </a:r>
             <a:endParaRPr lang="ko-KR" altLang="en-US" sz="1400" b="1" dirty="0"/>
           </a:p>
@@ -30483,7 +32109,7 @@
           <a:p>
             <a:r>
               <a:rPr lang="en-US" altLang="ko-KR" sz="1400" b="1" dirty="0" smtClean="0"/>
-              <a:t>3098</a:t>
+              <a:t>3158</a:t>
             </a:r>
             <a:endParaRPr lang="ko-KR" altLang="en-US" sz="1400" b="1" dirty="0"/>
           </a:p>
@@ -30516,7 +32142,7 @@
           <a:p>
             <a:r>
               <a:rPr lang="en-US" altLang="ko-KR" sz="1400" b="1" dirty="0" smtClean="0"/>
-              <a:t>3099</a:t>
+              <a:t>3159</a:t>
             </a:r>
             <a:endParaRPr lang="ko-KR" altLang="en-US" sz="1400" b="1" dirty="0"/>
           </a:p>
@@ -30549,7 +32175,7 @@
           <a:p>
             <a:r>
               <a:rPr lang="en-US" altLang="ko-KR" sz="1400" b="1" dirty="0" smtClean="0"/>
-              <a:t>3100</a:t>
+              <a:t>3160</a:t>
             </a:r>
             <a:endParaRPr lang="ko-KR" altLang="en-US" sz="1400" b="1" dirty="0"/>
           </a:p>
@@ -30582,7 +32208,7 @@
           <a:p>
             <a:r>
               <a:rPr lang="en-US" altLang="ko-KR" sz="1400" b="1" dirty="0" smtClean="0"/>
-              <a:t>3101</a:t>
+              <a:t>3161</a:t>
             </a:r>
             <a:endParaRPr lang="ko-KR" altLang="en-US" sz="1400" b="1" dirty="0"/>
           </a:p>
@@ -30615,7 +32241,7 @@
           <a:p>
             <a:r>
               <a:rPr lang="en-US" altLang="ko-KR" sz="1400" b="1" dirty="0" smtClean="0"/>
-              <a:t>3102</a:t>
+              <a:t>3162</a:t>
             </a:r>
             <a:endParaRPr lang="ko-KR" altLang="en-US" sz="1400" b="1" dirty="0"/>
           </a:p>
@@ -30648,7 +32274,7 @@
           <a:p>
             <a:r>
               <a:rPr lang="en-US" altLang="ko-KR" sz="1400" b="1" dirty="0" smtClean="0"/>
-              <a:t>3103</a:t>
+              <a:t>3163</a:t>
             </a:r>
             <a:endParaRPr lang="ko-KR" altLang="en-US" sz="1400" b="1" dirty="0"/>
           </a:p>
@@ -30681,7 +32307,7 @@
           <a:p>
             <a:r>
               <a:rPr lang="en-US" altLang="ko-KR" sz="1400" b="1" dirty="0" smtClean="0"/>
-              <a:t>3104</a:t>
+              <a:t>3164</a:t>
             </a:r>
             <a:endParaRPr lang="ko-KR" altLang="en-US" sz="1400" b="1" dirty="0"/>
           </a:p>
@@ -30714,7 +32340,7 @@
           <a:p>
             <a:r>
               <a:rPr lang="en-US" altLang="ko-KR" sz="1400" b="1" dirty="0" smtClean="0"/>
-              <a:t>3105</a:t>
+              <a:t>3165</a:t>
             </a:r>
             <a:endParaRPr lang="ko-KR" altLang="en-US" sz="1400" b="1" dirty="0"/>
           </a:p>
@@ -30747,7 +32373,7 @@
           <a:p>
             <a:r>
               <a:rPr lang="en-US" altLang="ko-KR" sz="1400" b="1" dirty="0" smtClean="0"/>
-              <a:t>3106</a:t>
+              <a:t>3166</a:t>
             </a:r>
             <a:endParaRPr lang="ko-KR" altLang="en-US" sz="1400" b="1" dirty="0"/>
           </a:p>
@@ -30891,27 +32517,7 @@
           <a:p>
             <a:r>
               <a:rPr lang="en-US" altLang="ko-KR" b="1" dirty="0" smtClean="0"/>
-              <a:t>US</a:t>
-            </a:r>
-            <a:r>
-              <a:rPr lang="en-US" altLang="ko-KR" b="1" dirty="0" smtClean="0"/>
-              <a:t>M </a:t>
-            </a:r>
-            <a:r>
-              <a:rPr lang="en-US" altLang="ko-KR" b="1" dirty="0" smtClean="0"/>
-              <a:t>: </a:t>
-            </a:r>
-            <a:r>
-              <a:rPr lang="en-US" altLang="ko-KR" b="1" dirty="0" smtClean="0"/>
-              <a:t>9272 </a:t>
-            </a:r>
-            <a:r>
-              <a:rPr lang="en-US" altLang="ko-KR" b="1" dirty="0" smtClean="0"/>
-              <a:t>~ </a:t>
-            </a:r>
-            <a:r>
-              <a:rPr lang="en-US" altLang="ko-KR" b="1" dirty="0" smtClean="0"/>
-              <a:t>9338 (67)</a:t>
+              <a:t>USM : 9272 ~ 9338 (67)</a:t>
             </a:r>
             <a:endParaRPr lang="ko-KR" altLang="en-US" b="1" dirty="0"/>
           </a:p>
@@ -30971,27 +32577,7 @@
           <a:p>
             <a:r>
               <a:rPr lang="en-US" altLang="ko-KR" b="1" dirty="0" smtClean="0"/>
-              <a:t>US</a:t>
-            </a:r>
-            <a:r>
-              <a:rPr lang="en-US" altLang="ko-KR" b="1" dirty="0" smtClean="0"/>
-              <a:t>M </a:t>
-            </a:r>
-            <a:r>
-              <a:rPr lang="en-US" altLang="ko-KR" b="1" dirty="0" smtClean="0"/>
-              <a:t>: </a:t>
-            </a:r>
-            <a:r>
-              <a:rPr lang="en-US" altLang="ko-KR" b="1" dirty="0" smtClean="0"/>
-              <a:t>9339 </a:t>
-            </a:r>
-            <a:r>
-              <a:rPr lang="en-US" altLang="ko-KR" b="1" dirty="0" smtClean="0"/>
-              <a:t>~ </a:t>
-            </a:r>
-            <a:r>
-              <a:rPr lang="en-US" altLang="ko-KR" b="1" dirty="0" smtClean="0"/>
-              <a:t>9390 (52)</a:t>
+              <a:t>USM : 9339 ~ 9390 (52)</a:t>
             </a:r>
             <a:endParaRPr lang="ko-KR" altLang="en-US" b="1" dirty="0"/>
           </a:p>
@@ -32915,10 +34501,1740 @@
           </a:p>
         </p:txBody>
       </p:sp>
+      <p:cxnSp>
+        <p:nvCxnSpPr>
+          <p:cNvPr id="37" name="직선 화살표 연결선 36"/>
+          <p:cNvCxnSpPr>
+            <a:endCxn id="12" idx="3"/>
+          </p:cNvCxnSpPr>
+          <p:nvPr/>
+        </p:nvCxnSpPr>
+        <p:spPr>
+          <a:xfrm>
+            <a:off x="950976" y="4600459"/>
+            <a:ext cx="1545209" cy="2836"/>
+          </a:xfrm>
+          <a:prstGeom prst="straightConnector1">
+            <a:avLst/>
+          </a:prstGeom>
+          <a:ln>
+            <a:solidFill>
+              <a:schemeClr val="tx1"/>
+            </a:solidFill>
+            <a:tailEnd type="triangle"/>
+          </a:ln>
+        </p:spPr>
+        <p:style>
+          <a:lnRef idx="1">
+            <a:schemeClr val="accent1"/>
+          </a:lnRef>
+          <a:fillRef idx="0">
+            <a:schemeClr val="accent1"/>
+          </a:fillRef>
+          <a:effectRef idx="0">
+            <a:schemeClr val="accent1"/>
+          </a:effectRef>
+          <a:fontRef idx="minor">
+            <a:schemeClr val="tx1"/>
+          </a:fontRef>
+        </p:style>
+      </p:cxnSp>
+      <p:cxnSp>
+        <p:nvCxnSpPr>
+          <p:cNvPr id="69" name="직선 화살표 연결선 68"/>
+          <p:cNvCxnSpPr/>
+          <p:nvPr/>
+        </p:nvCxnSpPr>
+        <p:spPr>
+          <a:xfrm flipV="1">
+            <a:off x="1190796" y="2239577"/>
+            <a:ext cx="2385425" cy="5603"/>
+          </a:xfrm>
+          <a:prstGeom prst="straightConnector1">
+            <a:avLst/>
+          </a:prstGeom>
+          <a:ln w="38100">
+            <a:solidFill>
+              <a:schemeClr val="tx1"/>
+            </a:solidFill>
+            <a:tailEnd type="triangle"/>
+          </a:ln>
+        </p:spPr>
+        <p:style>
+          <a:lnRef idx="1">
+            <a:schemeClr val="accent1"/>
+          </a:lnRef>
+          <a:fillRef idx="0">
+            <a:schemeClr val="accent1"/>
+          </a:fillRef>
+          <a:effectRef idx="0">
+            <a:schemeClr val="accent1"/>
+          </a:effectRef>
+          <a:fontRef idx="minor">
+            <a:schemeClr val="tx1"/>
+          </a:fontRef>
+        </p:style>
+      </p:cxnSp>
+      <p:cxnSp>
+        <p:nvCxnSpPr>
+          <p:cNvPr id="72" name="직선 화살표 연결선 71"/>
+          <p:cNvCxnSpPr/>
+          <p:nvPr/>
+        </p:nvCxnSpPr>
+        <p:spPr>
+          <a:xfrm flipH="1" flipV="1">
+            <a:off x="8864151" y="2026963"/>
+            <a:ext cx="1122529" cy="7122"/>
+          </a:xfrm>
+          <a:prstGeom prst="straightConnector1">
+            <a:avLst/>
+          </a:prstGeom>
+          <a:ln>
+            <a:solidFill>
+              <a:schemeClr val="tx1"/>
+            </a:solidFill>
+            <a:tailEnd type="triangle"/>
+          </a:ln>
+        </p:spPr>
+        <p:style>
+          <a:lnRef idx="1">
+            <a:schemeClr val="accent1"/>
+          </a:lnRef>
+          <a:fillRef idx="0">
+            <a:schemeClr val="accent1"/>
+          </a:fillRef>
+          <a:effectRef idx="0">
+            <a:schemeClr val="accent1"/>
+          </a:effectRef>
+          <a:fontRef idx="minor">
+            <a:schemeClr val="tx1"/>
+          </a:fontRef>
+        </p:style>
+      </p:cxnSp>
+      <p:cxnSp>
+        <p:nvCxnSpPr>
+          <p:cNvPr id="74" name="직선 화살표 연결선 73"/>
+          <p:cNvCxnSpPr/>
+          <p:nvPr/>
+        </p:nvCxnSpPr>
+        <p:spPr>
+          <a:xfrm>
+            <a:off x="7643082" y="3509656"/>
+            <a:ext cx="0" cy="1271061"/>
+          </a:xfrm>
+          <a:prstGeom prst="straightConnector1">
+            <a:avLst/>
+          </a:prstGeom>
+          <a:ln w="28575">
+            <a:solidFill>
+              <a:schemeClr val="tx1"/>
+            </a:solidFill>
+            <a:tailEnd type="triangle"/>
+          </a:ln>
+        </p:spPr>
+        <p:style>
+          <a:lnRef idx="1">
+            <a:schemeClr val="accent1"/>
+          </a:lnRef>
+          <a:fillRef idx="0">
+            <a:schemeClr val="accent1"/>
+          </a:fillRef>
+          <a:effectRef idx="0">
+            <a:schemeClr val="accent1"/>
+          </a:effectRef>
+          <a:fontRef idx="minor">
+            <a:schemeClr val="tx1"/>
+          </a:fontRef>
+        </p:style>
+      </p:cxnSp>
+      <p:cxnSp>
+        <p:nvCxnSpPr>
+          <p:cNvPr id="78" name="꺾인 연결선 77"/>
+          <p:cNvCxnSpPr/>
+          <p:nvPr/>
+        </p:nvCxnSpPr>
+        <p:spPr>
+          <a:xfrm rot="10800000">
+            <a:off x="6763512" y="5038784"/>
+            <a:ext cx="612648" cy="300723"/>
+          </a:xfrm>
+          <a:prstGeom prst="bentConnector3">
+            <a:avLst>
+              <a:gd name="adj1" fmla="val 66418"/>
+            </a:avLst>
+          </a:prstGeom>
+          <a:ln>
+            <a:solidFill>
+              <a:schemeClr val="tx1"/>
+            </a:solidFill>
+            <a:tailEnd type="triangle"/>
+          </a:ln>
+        </p:spPr>
+        <p:style>
+          <a:lnRef idx="1">
+            <a:schemeClr val="accent1"/>
+          </a:lnRef>
+          <a:fillRef idx="0">
+            <a:schemeClr val="accent1"/>
+          </a:fillRef>
+          <a:effectRef idx="0">
+            <a:schemeClr val="accent1"/>
+          </a:effectRef>
+          <a:fontRef idx="minor">
+            <a:schemeClr val="tx1"/>
+          </a:fontRef>
+        </p:style>
+      </p:cxnSp>
+      <p:cxnSp>
+        <p:nvCxnSpPr>
+          <p:cNvPr id="80" name="직선 화살표 연결선 79"/>
+          <p:cNvCxnSpPr/>
+          <p:nvPr/>
+        </p:nvCxnSpPr>
+        <p:spPr>
+          <a:xfrm flipH="1" flipV="1">
+            <a:off x="6631787" y="6114431"/>
+            <a:ext cx="453828" cy="3561"/>
+          </a:xfrm>
+          <a:prstGeom prst="straightConnector1">
+            <a:avLst/>
+          </a:prstGeom>
+          <a:ln>
+            <a:solidFill>
+              <a:schemeClr val="tx1"/>
+            </a:solidFill>
+            <a:tailEnd type="triangle"/>
+          </a:ln>
+        </p:spPr>
+        <p:style>
+          <a:lnRef idx="1">
+            <a:schemeClr val="accent1"/>
+          </a:lnRef>
+          <a:fillRef idx="0">
+            <a:schemeClr val="accent1"/>
+          </a:fillRef>
+          <a:effectRef idx="0">
+            <a:schemeClr val="accent1"/>
+          </a:effectRef>
+          <a:fontRef idx="minor">
+            <a:schemeClr val="tx1"/>
+          </a:fontRef>
+        </p:style>
+      </p:cxnSp>
     </p:spTree>
     <p:extLst>
       <p:ext uri="{BB962C8B-B14F-4D97-AF65-F5344CB8AC3E}">
         <p14:creationId xmlns:p14="http://schemas.microsoft.com/office/powerpoint/2010/main" val="1798810508"/>
+      </p:ext>
+    </p:extLst>
+  </p:cSld>
+  <p:clrMapOvr>
+    <a:masterClrMapping/>
+  </p:clrMapOvr>
+</p:sld>
+</file>
+
+<file path=ppt/slides/slide27.xml><?xml version="1.0" encoding="utf-8"?>
+<p:sld xmlns:a="http://schemas.openxmlformats.org/drawingml/2006/main" xmlns:r="http://schemas.openxmlformats.org/officeDocument/2006/relationships" xmlns:p="http://schemas.openxmlformats.org/presentationml/2006/main">
+  <p:cSld>
+    <p:spTree>
+      <p:nvGrpSpPr>
+        <p:cNvPr id="1" name=""/>
+        <p:cNvGrpSpPr/>
+        <p:nvPr/>
+      </p:nvGrpSpPr>
+      <p:grpSpPr>
+        <a:xfrm>
+          <a:off x="0" y="0"/>
+          <a:ext cx="0" cy="0"/>
+          <a:chOff x="0" y="0"/>
+          <a:chExt cx="0" cy="0"/>
+        </a:xfrm>
+      </p:grpSpPr>
+      <p:pic>
+        <p:nvPicPr>
+          <p:cNvPr id="4" name="그림 3"/>
+          <p:cNvPicPr>
+            <a:picLocks noChangeAspect="1"/>
+          </p:cNvPicPr>
+          <p:nvPr/>
+        </p:nvPicPr>
+        <p:blipFill>
+          <a:blip r:embed="rId2"/>
+          <a:stretch>
+            <a:fillRect/>
+          </a:stretch>
+        </p:blipFill>
+        <p:spPr>
+          <a:xfrm>
+            <a:off x="0" y="1511400"/>
+            <a:ext cx="10332720" cy="5346599"/>
+          </a:xfrm>
+          <a:prstGeom prst="rect">
+            <a:avLst/>
+          </a:prstGeom>
+        </p:spPr>
+      </p:pic>
+      <p:sp>
+        <p:nvSpPr>
+          <p:cNvPr id="3" name="TextBox 2"/>
+          <p:cNvSpPr txBox="1"/>
+          <p:nvPr/>
+        </p:nvSpPr>
+        <p:spPr>
+          <a:xfrm>
+            <a:off x="115256" y="123338"/>
+            <a:ext cx="2953244" cy="400110"/>
+          </a:xfrm>
+          <a:prstGeom prst="rect">
+            <a:avLst/>
+          </a:prstGeom>
+          <a:noFill/>
+        </p:spPr>
+        <p:txBody>
+          <a:bodyPr wrap="none" rtlCol="0">
+            <a:spAutoFit/>
+          </a:bodyPr>
+          <a:lstStyle/>
+          <a:p>
+            <a:r>
+              <a:rPr lang="en-US" altLang="ko-KR" sz="2000" b="1" dirty="0" smtClean="0"/>
+              <a:t>[ </a:t>
+            </a:r>
+            <a:r>
+              <a:rPr lang="en-US" altLang="ko-KR" sz="2000" b="1" dirty="0" smtClean="0"/>
+              <a:t>LGM</a:t>
+            </a:r>
+            <a:r>
+              <a:rPr lang="en-US" altLang="ko-KR" sz="2000" b="1" dirty="0" smtClean="0"/>
+              <a:t> </a:t>
+            </a:r>
+            <a:r>
+              <a:rPr lang="en-US" altLang="ko-KR" sz="2000" b="1" dirty="0" smtClean="0"/>
+              <a:t>Serial Number ]</a:t>
+            </a:r>
+            <a:endParaRPr lang="ko-KR" altLang="en-US" sz="2000" b="1" dirty="0"/>
+          </a:p>
+        </p:txBody>
+      </p:sp>
+      <p:sp>
+        <p:nvSpPr>
+          <p:cNvPr id="5" name="TextBox 4"/>
+          <p:cNvSpPr txBox="1"/>
+          <p:nvPr/>
+        </p:nvSpPr>
+        <p:spPr>
+          <a:xfrm>
+            <a:off x="4022261" y="523448"/>
+            <a:ext cx="950901" cy="369332"/>
+          </a:xfrm>
+          <a:prstGeom prst="rect">
+            <a:avLst/>
+          </a:prstGeom>
+          <a:noFill/>
+        </p:spPr>
+        <p:txBody>
+          <a:bodyPr wrap="none" rtlCol="0">
+            <a:spAutoFit/>
+          </a:bodyPr>
+          <a:lstStyle/>
+          <a:p>
+            <a:r>
+              <a:rPr lang="en-US" altLang="ko-KR" b="1" dirty="0" smtClean="0"/>
+              <a:t>SCM16</a:t>
+            </a:r>
+            <a:endParaRPr lang="ko-KR" altLang="en-US" b="1" dirty="0"/>
+          </a:p>
+        </p:txBody>
+      </p:sp>
+      <p:sp>
+        <p:nvSpPr>
+          <p:cNvPr id="6" name="TextBox 5"/>
+          <p:cNvSpPr txBox="1"/>
+          <p:nvPr/>
+        </p:nvSpPr>
+        <p:spPr>
+          <a:xfrm>
+            <a:off x="3091648" y="937594"/>
+            <a:ext cx="2820003" cy="369332"/>
+          </a:xfrm>
+          <a:prstGeom prst="rect">
+            <a:avLst/>
+          </a:prstGeom>
+          <a:noFill/>
+        </p:spPr>
+        <p:txBody>
+          <a:bodyPr wrap="none" rtlCol="0">
+            <a:spAutoFit/>
+          </a:bodyPr>
+          <a:lstStyle/>
+          <a:p>
+            <a:r>
+              <a:rPr lang="en-US" altLang="ko-KR" b="1" dirty="0" smtClean="0"/>
+              <a:t>LGM </a:t>
+            </a:r>
+            <a:r>
+              <a:rPr lang="en-US" altLang="ko-KR" b="1" dirty="0" smtClean="0"/>
+              <a:t>: </a:t>
+            </a:r>
+            <a:r>
+              <a:rPr lang="en-US" altLang="ko-KR" b="1" dirty="0" smtClean="0"/>
+              <a:t>3107 </a:t>
+            </a:r>
+            <a:r>
+              <a:rPr lang="en-US" altLang="ko-KR" b="1" dirty="0" smtClean="0"/>
+              <a:t>~ </a:t>
+            </a:r>
+            <a:r>
+              <a:rPr lang="en-US" altLang="ko-KR" b="1" dirty="0" smtClean="0"/>
+              <a:t>3128 (21)</a:t>
+            </a:r>
+            <a:endParaRPr lang="ko-KR" altLang="en-US" b="1" dirty="0"/>
+          </a:p>
+        </p:txBody>
+      </p:sp>
+      <p:sp>
+        <p:nvSpPr>
+          <p:cNvPr id="7" name="TextBox 6"/>
+          <p:cNvSpPr txBox="1"/>
+          <p:nvPr/>
+        </p:nvSpPr>
+        <p:spPr>
+          <a:xfrm>
+            <a:off x="8424094" y="523448"/>
+            <a:ext cx="950901" cy="369332"/>
+          </a:xfrm>
+          <a:prstGeom prst="rect">
+            <a:avLst/>
+          </a:prstGeom>
+          <a:noFill/>
+        </p:spPr>
+        <p:txBody>
+          <a:bodyPr wrap="none" rtlCol="0">
+            <a:spAutoFit/>
+          </a:bodyPr>
+          <a:lstStyle/>
+          <a:p>
+            <a:r>
+              <a:rPr lang="en-US" altLang="ko-KR" b="1" dirty="0" smtClean="0"/>
+              <a:t>SCM17</a:t>
+            </a:r>
+            <a:endParaRPr lang="ko-KR" altLang="en-US" b="1" dirty="0"/>
+          </a:p>
+        </p:txBody>
+      </p:sp>
+      <p:sp>
+        <p:nvSpPr>
+          <p:cNvPr id="8" name="TextBox 7"/>
+          <p:cNvSpPr txBox="1"/>
+          <p:nvPr/>
+        </p:nvSpPr>
+        <p:spPr>
+          <a:xfrm>
+            <a:off x="7493481" y="937594"/>
+            <a:ext cx="2820003" cy="369332"/>
+          </a:xfrm>
+          <a:prstGeom prst="rect">
+            <a:avLst/>
+          </a:prstGeom>
+          <a:noFill/>
+        </p:spPr>
+        <p:txBody>
+          <a:bodyPr wrap="none" rtlCol="0">
+            <a:spAutoFit/>
+          </a:bodyPr>
+          <a:lstStyle/>
+          <a:p>
+            <a:r>
+              <a:rPr lang="en-US" altLang="ko-KR" b="1" dirty="0" smtClean="0"/>
+              <a:t>LGM </a:t>
+            </a:r>
+            <a:r>
+              <a:rPr lang="en-US" altLang="ko-KR" b="1" dirty="0" smtClean="0"/>
+              <a:t>: </a:t>
+            </a:r>
+            <a:r>
+              <a:rPr lang="en-US" altLang="ko-KR" b="1" dirty="0" smtClean="0"/>
+              <a:t>3189 </a:t>
+            </a:r>
+            <a:r>
+              <a:rPr lang="en-US" altLang="ko-KR" b="1" dirty="0" smtClean="0"/>
+              <a:t>~ </a:t>
+            </a:r>
+            <a:r>
+              <a:rPr lang="en-US" altLang="ko-KR" b="1" dirty="0" smtClean="0"/>
+              <a:t>3204 </a:t>
+            </a:r>
+            <a:r>
+              <a:rPr lang="en-US" altLang="ko-KR" b="1" dirty="0" smtClean="0"/>
+              <a:t>(52)</a:t>
+            </a:r>
+            <a:endParaRPr lang="ko-KR" altLang="en-US" b="1" dirty="0"/>
+          </a:p>
+        </p:txBody>
+      </p:sp>
+      <p:sp>
+        <p:nvSpPr>
+          <p:cNvPr id="47" name="TextBox 46"/>
+          <p:cNvSpPr txBox="1"/>
+          <p:nvPr/>
+        </p:nvSpPr>
+        <p:spPr>
+          <a:xfrm>
+            <a:off x="558966" y="4404169"/>
+            <a:ext cx="601447" cy="307777"/>
+          </a:xfrm>
+          <a:prstGeom prst="rect">
+            <a:avLst/>
+          </a:prstGeom>
+          <a:noFill/>
+          <a:ln>
+            <a:solidFill>
+              <a:schemeClr val="tx1"/>
+            </a:solidFill>
+          </a:ln>
+        </p:spPr>
+        <p:txBody>
+          <a:bodyPr wrap="none" rtlCol="0">
+            <a:spAutoFit/>
+          </a:bodyPr>
+          <a:lstStyle/>
+          <a:p>
+            <a:r>
+              <a:rPr lang="en-US" altLang="ko-KR" sz="1400" b="1" dirty="0" smtClean="0"/>
+              <a:t>3167</a:t>
+            </a:r>
+            <a:endParaRPr lang="ko-KR" altLang="en-US" sz="1400" b="1" dirty="0"/>
+          </a:p>
+        </p:txBody>
+      </p:sp>
+      <p:sp>
+        <p:nvSpPr>
+          <p:cNvPr id="68" name="TextBox 67"/>
+          <p:cNvSpPr txBox="1"/>
+          <p:nvPr/>
+        </p:nvSpPr>
+        <p:spPr>
+          <a:xfrm>
+            <a:off x="1144489" y="4404168"/>
+            <a:ext cx="601447" cy="307777"/>
+          </a:xfrm>
+          <a:prstGeom prst="rect">
+            <a:avLst/>
+          </a:prstGeom>
+          <a:noFill/>
+          <a:ln>
+            <a:noFill/>
+          </a:ln>
+        </p:spPr>
+        <p:txBody>
+          <a:bodyPr wrap="none" rtlCol="0">
+            <a:spAutoFit/>
+          </a:bodyPr>
+          <a:lstStyle/>
+          <a:p>
+            <a:r>
+              <a:rPr lang="en-US" altLang="ko-KR" sz="1400" b="1" dirty="0" smtClean="0"/>
+              <a:t>3168</a:t>
+            </a:r>
+            <a:endParaRPr lang="ko-KR" altLang="en-US" sz="1400" b="1" dirty="0"/>
+          </a:p>
+        </p:txBody>
+      </p:sp>
+      <p:sp>
+        <p:nvSpPr>
+          <p:cNvPr id="69" name="TextBox 68"/>
+          <p:cNvSpPr txBox="1"/>
+          <p:nvPr/>
+        </p:nvSpPr>
+        <p:spPr>
+          <a:xfrm>
+            <a:off x="1759808" y="4404168"/>
+            <a:ext cx="601447" cy="307777"/>
+          </a:xfrm>
+          <a:prstGeom prst="rect">
+            <a:avLst/>
+          </a:prstGeom>
+          <a:noFill/>
+          <a:ln>
+            <a:noFill/>
+          </a:ln>
+        </p:spPr>
+        <p:txBody>
+          <a:bodyPr wrap="none" rtlCol="0">
+            <a:spAutoFit/>
+          </a:bodyPr>
+          <a:lstStyle/>
+          <a:p>
+            <a:r>
+              <a:rPr lang="en-US" altLang="ko-KR" sz="1400" b="1" dirty="0" smtClean="0"/>
+              <a:t>3169</a:t>
+            </a:r>
+            <a:endParaRPr lang="ko-KR" altLang="en-US" sz="1400" b="1" dirty="0"/>
+          </a:p>
+        </p:txBody>
+      </p:sp>
+      <p:sp>
+        <p:nvSpPr>
+          <p:cNvPr id="70" name="TextBox 69"/>
+          <p:cNvSpPr txBox="1"/>
+          <p:nvPr/>
+        </p:nvSpPr>
+        <p:spPr>
+          <a:xfrm>
+            <a:off x="2375127" y="4404167"/>
+            <a:ext cx="601447" cy="307777"/>
+          </a:xfrm>
+          <a:prstGeom prst="rect">
+            <a:avLst/>
+          </a:prstGeom>
+          <a:noFill/>
+          <a:ln>
+            <a:noFill/>
+          </a:ln>
+        </p:spPr>
+        <p:txBody>
+          <a:bodyPr wrap="none" rtlCol="0">
+            <a:spAutoFit/>
+          </a:bodyPr>
+          <a:lstStyle/>
+          <a:p>
+            <a:r>
+              <a:rPr lang="en-US" altLang="ko-KR" sz="1400" b="1" dirty="0" smtClean="0"/>
+              <a:t>3170</a:t>
+            </a:r>
+            <a:endParaRPr lang="ko-KR" altLang="en-US" sz="1400" b="1" dirty="0"/>
+          </a:p>
+        </p:txBody>
+      </p:sp>
+      <p:sp>
+        <p:nvSpPr>
+          <p:cNvPr id="71" name="TextBox 70"/>
+          <p:cNvSpPr txBox="1"/>
+          <p:nvPr/>
+        </p:nvSpPr>
+        <p:spPr>
+          <a:xfrm>
+            <a:off x="3004318" y="4404166"/>
+            <a:ext cx="601447" cy="307777"/>
+          </a:xfrm>
+          <a:prstGeom prst="rect">
+            <a:avLst/>
+          </a:prstGeom>
+          <a:noFill/>
+          <a:ln>
+            <a:noFill/>
+          </a:ln>
+        </p:spPr>
+        <p:txBody>
+          <a:bodyPr wrap="none" rtlCol="0">
+            <a:spAutoFit/>
+          </a:bodyPr>
+          <a:lstStyle/>
+          <a:p>
+            <a:r>
+              <a:rPr lang="en-US" altLang="ko-KR" sz="1400" b="1" dirty="0" smtClean="0"/>
+              <a:t>3171</a:t>
+            </a:r>
+            <a:endParaRPr lang="ko-KR" altLang="en-US" sz="1400" b="1" dirty="0"/>
+          </a:p>
+        </p:txBody>
+      </p:sp>
+      <p:sp>
+        <p:nvSpPr>
+          <p:cNvPr id="72" name="TextBox 71"/>
+          <p:cNvSpPr txBox="1"/>
+          <p:nvPr/>
+        </p:nvSpPr>
+        <p:spPr>
+          <a:xfrm>
+            <a:off x="3603713" y="4404165"/>
+            <a:ext cx="601447" cy="307777"/>
+          </a:xfrm>
+          <a:prstGeom prst="rect">
+            <a:avLst/>
+          </a:prstGeom>
+          <a:noFill/>
+          <a:ln>
+            <a:noFill/>
+          </a:ln>
+        </p:spPr>
+        <p:txBody>
+          <a:bodyPr wrap="none" rtlCol="0">
+            <a:spAutoFit/>
+          </a:bodyPr>
+          <a:lstStyle/>
+          <a:p>
+            <a:r>
+              <a:rPr lang="en-US" altLang="ko-KR" sz="1400" b="1" dirty="0" smtClean="0"/>
+              <a:t>3172</a:t>
+            </a:r>
+            <a:endParaRPr lang="ko-KR" altLang="en-US" sz="1400" b="1" dirty="0"/>
+          </a:p>
+        </p:txBody>
+      </p:sp>
+      <p:sp>
+        <p:nvSpPr>
+          <p:cNvPr id="73" name="TextBox 72"/>
+          <p:cNvSpPr txBox="1"/>
+          <p:nvPr/>
+        </p:nvSpPr>
+        <p:spPr>
+          <a:xfrm>
+            <a:off x="4232497" y="4404164"/>
+            <a:ext cx="601447" cy="307777"/>
+          </a:xfrm>
+          <a:prstGeom prst="rect">
+            <a:avLst/>
+          </a:prstGeom>
+          <a:noFill/>
+          <a:ln>
+            <a:noFill/>
+          </a:ln>
+        </p:spPr>
+        <p:txBody>
+          <a:bodyPr wrap="none" rtlCol="0">
+            <a:spAutoFit/>
+          </a:bodyPr>
+          <a:lstStyle/>
+          <a:p>
+            <a:r>
+              <a:rPr lang="en-US" altLang="ko-KR" sz="1400" b="1" dirty="0" smtClean="0"/>
+              <a:t>3173</a:t>
+            </a:r>
+            <a:endParaRPr lang="ko-KR" altLang="en-US" sz="1400" b="1" dirty="0"/>
+          </a:p>
+        </p:txBody>
+      </p:sp>
+      <p:sp>
+        <p:nvSpPr>
+          <p:cNvPr id="74" name="TextBox 73"/>
+          <p:cNvSpPr txBox="1"/>
+          <p:nvPr/>
+        </p:nvSpPr>
+        <p:spPr>
+          <a:xfrm>
+            <a:off x="4829498" y="4404163"/>
+            <a:ext cx="601447" cy="307777"/>
+          </a:xfrm>
+          <a:prstGeom prst="rect">
+            <a:avLst/>
+          </a:prstGeom>
+          <a:noFill/>
+          <a:ln>
+            <a:noFill/>
+          </a:ln>
+        </p:spPr>
+        <p:txBody>
+          <a:bodyPr wrap="none" rtlCol="0">
+            <a:spAutoFit/>
+          </a:bodyPr>
+          <a:lstStyle/>
+          <a:p>
+            <a:r>
+              <a:rPr lang="en-US" altLang="ko-KR" sz="1400" b="1" dirty="0" smtClean="0"/>
+              <a:t>3174</a:t>
+            </a:r>
+            <a:endParaRPr lang="ko-KR" altLang="en-US" sz="1400" b="1" dirty="0"/>
+          </a:p>
+        </p:txBody>
+      </p:sp>
+      <p:sp>
+        <p:nvSpPr>
+          <p:cNvPr id="75" name="TextBox 74"/>
+          <p:cNvSpPr txBox="1"/>
+          <p:nvPr/>
+        </p:nvSpPr>
+        <p:spPr>
+          <a:xfrm>
+            <a:off x="5430945" y="4404163"/>
+            <a:ext cx="601447" cy="307777"/>
+          </a:xfrm>
+          <a:prstGeom prst="rect">
+            <a:avLst/>
+          </a:prstGeom>
+          <a:noFill/>
+          <a:ln>
+            <a:noFill/>
+          </a:ln>
+        </p:spPr>
+        <p:txBody>
+          <a:bodyPr wrap="none" rtlCol="0">
+            <a:spAutoFit/>
+          </a:bodyPr>
+          <a:lstStyle/>
+          <a:p>
+            <a:r>
+              <a:rPr lang="en-US" altLang="ko-KR" sz="1400" b="1" dirty="0" smtClean="0"/>
+              <a:t>3175</a:t>
+            </a:r>
+            <a:endParaRPr lang="ko-KR" altLang="en-US" sz="1400" b="1" dirty="0"/>
+          </a:p>
+        </p:txBody>
+      </p:sp>
+      <p:sp>
+        <p:nvSpPr>
+          <p:cNvPr id="76" name="TextBox 75"/>
+          <p:cNvSpPr txBox="1"/>
+          <p:nvPr/>
+        </p:nvSpPr>
+        <p:spPr>
+          <a:xfrm>
+            <a:off x="6051550" y="4404162"/>
+            <a:ext cx="601447" cy="307777"/>
+          </a:xfrm>
+          <a:prstGeom prst="rect">
+            <a:avLst/>
+          </a:prstGeom>
+          <a:noFill/>
+          <a:ln>
+            <a:noFill/>
+          </a:ln>
+        </p:spPr>
+        <p:txBody>
+          <a:bodyPr wrap="none" rtlCol="0">
+            <a:spAutoFit/>
+          </a:bodyPr>
+          <a:lstStyle/>
+          <a:p>
+            <a:r>
+              <a:rPr lang="en-US" altLang="ko-KR" sz="1400" b="1" dirty="0" smtClean="0"/>
+              <a:t>3176</a:t>
+            </a:r>
+            <a:endParaRPr lang="ko-KR" altLang="en-US" sz="1400" b="1" dirty="0"/>
+          </a:p>
+        </p:txBody>
+      </p:sp>
+      <p:sp>
+        <p:nvSpPr>
+          <p:cNvPr id="77" name="TextBox 76"/>
+          <p:cNvSpPr txBox="1"/>
+          <p:nvPr/>
+        </p:nvSpPr>
+        <p:spPr>
+          <a:xfrm>
+            <a:off x="6010269" y="3448521"/>
+            <a:ext cx="601447" cy="307777"/>
+          </a:xfrm>
+          <a:prstGeom prst="rect">
+            <a:avLst/>
+          </a:prstGeom>
+          <a:noFill/>
+          <a:ln>
+            <a:noFill/>
+          </a:ln>
+        </p:spPr>
+        <p:txBody>
+          <a:bodyPr wrap="none" rtlCol="0">
+            <a:spAutoFit/>
+          </a:bodyPr>
+          <a:lstStyle/>
+          <a:p>
+            <a:r>
+              <a:rPr lang="en-US" altLang="ko-KR" sz="1400" b="1" dirty="0" smtClean="0"/>
+              <a:t>3177</a:t>
+            </a:r>
+            <a:endParaRPr lang="ko-KR" altLang="en-US" sz="1400" b="1" dirty="0"/>
+          </a:p>
+        </p:txBody>
+      </p:sp>
+      <p:sp>
+        <p:nvSpPr>
+          <p:cNvPr id="78" name="TextBox 77"/>
+          <p:cNvSpPr txBox="1"/>
+          <p:nvPr/>
+        </p:nvSpPr>
+        <p:spPr>
+          <a:xfrm>
+            <a:off x="5408822" y="3448520"/>
+            <a:ext cx="601447" cy="307777"/>
+          </a:xfrm>
+          <a:prstGeom prst="rect">
+            <a:avLst/>
+          </a:prstGeom>
+          <a:noFill/>
+          <a:ln>
+            <a:noFill/>
+          </a:ln>
+        </p:spPr>
+        <p:txBody>
+          <a:bodyPr wrap="none" rtlCol="0">
+            <a:spAutoFit/>
+          </a:bodyPr>
+          <a:lstStyle/>
+          <a:p>
+            <a:r>
+              <a:rPr lang="en-US" altLang="ko-KR" sz="1400" b="1" dirty="0" smtClean="0"/>
+              <a:t>3178</a:t>
+            </a:r>
+            <a:endParaRPr lang="ko-KR" altLang="en-US" sz="1400" b="1" dirty="0"/>
+          </a:p>
+        </p:txBody>
+      </p:sp>
+      <p:sp>
+        <p:nvSpPr>
+          <p:cNvPr id="79" name="TextBox 78"/>
+          <p:cNvSpPr txBox="1"/>
+          <p:nvPr/>
+        </p:nvSpPr>
+        <p:spPr>
+          <a:xfrm>
+            <a:off x="4805658" y="3448520"/>
+            <a:ext cx="601447" cy="307777"/>
+          </a:xfrm>
+          <a:prstGeom prst="rect">
+            <a:avLst/>
+          </a:prstGeom>
+          <a:noFill/>
+          <a:ln>
+            <a:noFill/>
+          </a:ln>
+        </p:spPr>
+        <p:txBody>
+          <a:bodyPr wrap="none" rtlCol="0">
+            <a:spAutoFit/>
+          </a:bodyPr>
+          <a:lstStyle/>
+          <a:p>
+            <a:r>
+              <a:rPr lang="en-US" altLang="ko-KR" sz="1400" b="1" dirty="0" smtClean="0"/>
+              <a:t>3179</a:t>
+            </a:r>
+            <a:endParaRPr lang="ko-KR" altLang="en-US" sz="1400" b="1" dirty="0"/>
+          </a:p>
+        </p:txBody>
+      </p:sp>
+      <p:sp>
+        <p:nvSpPr>
+          <p:cNvPr id="80" name="TextBox 79"/>
+          <p:cNvSpPr txBox="1"/>
+          <p:nvPr/>
+        </p:nvSpPr>
+        <p:spPr>
+          <a:xfrm>
+            <a:off x="4196987" y="3448519"/>
+            <a:ext cx="601447" cy="307777"/>
+          </a:xfrm>
+          <a:prstGeom prst="rect">
+            <a:avLst/>
+          </a:prstGeom>
+          <a:noFill/>
+          <a:ln>
+            <a:noFill/>
+          </a:ln>
+        </p:spPr>
+        <p:txBody>
+          <a:bodyPr wrap="none" rtlCol="0">
+            <a:spAutoFit/>
+          </a:bodyPr>
+          <a:lstStyle/>
+          <a:p>
+            <a:r>
+              <a:rPr lang="en-US" altLang="ko-KR" sz="1400" b="1" dirty="0" smtClean="0"/>
+              <a:t>3180</a:t>
+            </a:r>
+            <a:endParaRPr lang="ko-KR" altLang="en-US" sz="1400" b="1" dirty="0"/>
+          </a:p>
+        </p:txBody>
+      </p:sp>
+      <p:sp>
+        <p:nvSpPr>
+          <p:cNvPr id="81" name="TextBox 80"/>
+          <p:cNvSpPr txBox="1"/>
+          <p:nvPr/>
+        </p:nvSpPr>
+        <p:spPr>
+          <a:xfrm>
+            <a:off x="3631050" y="3448518"/>
+            <a:ext cx="601447" cy="307777"/>
+          </a:xfrm>
+          <a:prstGeom prst="rect">
+            <a:avLst/>
+          </a:prstGeom>
+          <a:noFill/>
+          <a:ln>
+            <a:noFill/>
+          </a:ln>
+        </p:spPr>
+        <p:txBody>
+          <a:bodyPr wrap="none" rtlCol="0">
+            <a:spAutoFit/>
+          </a:bodyPr>
+          <a:lstStyle/>
+          <a:p>
+            <a:r>
+              <a:rPr lang="en-US" altLang="ko-KR" sz="1400" b="1" dirty="0" smtClean="0"/>
+              <a:t>3181</a:t>
+            </a:r>
+            <a:endParaRPr lang="ko-KR" altLang="en-US" sz="1400" b="1" dirty="0"/>
+          </a:p>
+        </p:txBody>
+      </p:sp>
+      <p:sp>
+        <p:nvSpPr>
+          <p:cNvPr id="82" name="TextBox 81"/>
+          <p:cNvSpPr txBox="1"/>
+          <p:nvPr/>
+        </p:nvSpPr>
+        <p:spPr>
+          <a:xfrm>
+            <a:off x="2976574" y="3448518"/>
+            <a:ext cx="601447" cy="307777"/>
+          </a:xfrm>
+          <a:prstGeom prst="rect">
+            <a:avLst/>
+          </a:prstGeom>
+          <a:noFill/>
+          <a:ln>
+            <a:noFill/>
+          </a:ln>
+        </p:spPr>
+        <p:txBody>
+          <a:bodyPr wrap="none" rtlCol="0">
+            <a:spAutoFit/>
+          </a:bodyPr>
+          <a:lstStyle/>
+          <a:p>
+            <a:r>
+              <a:rPr lang="en-US" altLang="ko-KR" sz="1400" b="1" dirty="0" smtClean="0"/>
+              <a:t>3182</a:t>
+            </a:r>
+            <a:endParaRPr lang="ko-KR" altLang="en-US" sz="1400" b="1" dirty="0"/>
+          </a:p>
+        </p:txBody>
+      </p:sp>
+      <p:sp>
+        <p:nvSpPr>
+          <p:cNvPr id="83" name="TextBox 82"/>
+          <p:cNvSpPr txBox="1"/>
+          <p:nvPr/>
+        </p:nvSpPr>
+        <p:spPr>
+          <a:xfrm>
+            <a:off x="2371515" y="3448518"/>
+            <a:ext cx="601447" cy="307777"/>
+          </a:xfrm>
+          <a:prstGeom prst="rect">
+            <a:avLst/>
+          </a:prstGeom>
+          <a:noFill/>
+          <a:ln>
+            <a:noFill/>
+          </a:ln>
+        </p:spPr>
+        <p:txBody>
+          <a:bodyPr wrap="none" rtlCol="0">
+            <a:spAutoFit/>
+          </a:bodyPr>
+          <a:lstStyle/>
+          <a:p>
+            <a:r>
+              <a:rPr lang="en-US" altLang="ko-KR" sz="1400" b="1" dirty="0" smtClean="0"/>
+              <a:t>3183</a:t>
+            </a:r>
+            <a:endParaRPr lang="ko-KR" altLang="en-US" sz="1400" b="1" dirty="0"/>
+          </a:p>
+        </p:txBody>
+      </p:sp>
+      <p:sp>
+        <p:nvSpPr>
+          <p:cNvPr id="84" name="TextBox 83"/>
+          <p:cNvSpPr txBox="1"/>
+          <p:nvPr/>
+        </p:nvSpPr>
+        <p:spPr>
+          <a:xfrm>
+            <a:off x="1769210" y="3448518"/>
+            <a:ext cx="601447" cy="307777"/>
+          </a:xfrm>
+          <a:prstGeom prst="rect">
+            <a:avLst/>
+          </a:prstGeom>
+          <a:noFill/>
+          <a:ln>
+            <a:noFill/>
+          </a:ln>
+        </p:spPr>
+        <p:txBody>
+          <a:bodyPr wrap="none" rtlCol="0">
+            <a:spAutoFit/>
+          </a:bodyPr>
+          <a:lstStyle/>
+          <a:p>
+            <a:r>
+              <a:rPr lang="en-US" altLang="ko-KR" sz="1400" b="1" dirty="0" smtClean="0"/>
+              <a:t>3184</a:t>
+            </a:r>
+            <a:endParaRPr lang="ko-KR" altLang="en-US" sz="1400" b="1" dirty="0"/>
+          </a:p>
+        </p:txBody>
+      </p:sp>
+      <p:sp>
+        <p:nvSpPr>
+          <p:cNvPr id="85" name="TextBox 84"/>
+          <p:cNvSpPr txBox="1"/>
+          <p:nvPr/>
+        </p:nvSpPr>
+        <p:spPr>
+          <a:xfrm>
+            <a:off x="1144489" y="3448517"/>
+            <a:ext cx="601447" cy="307777"/>
+          </a:xfrm>
+          <a:prstGeom prst="rect">
+            <a:avLst/>
+          </a:prstGeom>
+          <a:noFill/>
+          <a:ln>
+            <a:noFill/>
+          </a:ln>
+        </p:spPr>
+        <p:txBody>
+          <a:bodyPr wrap="none" rtlCol="0">
+            <a:spAutoFit/>
+          </a:bodyPr>
+          <a:lstStyle/>
+          <a:p>
+            <a:r>
+              <a:rPr lang="en-US" altLang="ko-KR" sz="1400" b="1" dirty="0" smtClean="0"/>
+              <a:t>3185</a:t>
+            </a:r>
+            <a:endParaRPr lang="ko-KR" altLang="en-US" sz="1400" b="1" dirty="0"/>
+          </a:p>
+        </p:txBody>
+      </p:sp>
+      <p:sp>
+        <p:nvSpPr>
+          <p:cNvPr id="86" name="TextBox 85"/>
+          <p:cNvSpPr txBox="1"/>
+          <p:nvPr/>
+        </p:nvSpPr>
+        <p:spPr>
+          <a:xfrm>
+            <a:off x="552997" y="3448517"/>
+            <a:ext cx="601447" cy="307777"/>
+          </a:xfrm>
+          <a:prstGeom prst="rect">
+            <a:avLst/>
+          </a:prstGeom>
+          <a:noFill/>
+          <a:ln>
+            <a:noFill/>
+          </a:ln>
+        </p:spPr>
+        <p:txBody>
+          <a:bodyPr wrap="none" rtlCol="0">
+            <a:spAutoFit/>
+          </a:bodyPr>
+          <a:lstStyle/>
+          <a:p>
+            <a:r>
+              <a:rPr lang="en-US" altLang="ko-KR" sz="1400" b="1" dirty="0" smtClean="0"/>
+              <a:t>3186</a:t>
+            </a:r>
+            <a:endParaRPr lang="ko-KR" altLang="en-US" sz="1400" b="1" dirty="0"/>
+          </a:p>
+        </p:txBody>
+      </p:sp>
+      <p:sp>
+        <p:nvSpPr>
+          <p:cNvPr id="87" name="TextBox 86"/>
+          <p:cNvSpPr txBox="1"/>
+          <p:nvPr/>
+        </p:nvSpPr>
+        <p:spPr>
+          <a:xfrm>
+            <a:off x="714541" y="3140739"/>
+            <a:ext cx="601447" cy="307777"/>
+          </a:xfrm>
+          <a:prstGeom prst="rect">
+            <a:avLst/>
+          </a:prstGeom>
+          <a:noFill/>
+          <a:ln>
+            <a:noFill/>
+          </a:ln>
+        </p:spPr>
+        <p:txBody>
+          <a:bodyPr wrap="none" rtlCol="0">
+            <a:spAutoFit/>
+          </a:bodyPr>
+          <a:lstStyle/>
+          <a:p>
+            <a:r>
+              <a:rPr lang="en-US" altLang="ko-KR" sz="1400" b="1" dirty="0" smtClean="0"/>
+              <a:t>3187</a:t>
+            </a:r>
+            <a:endParaRPr lang="ko-KR" altLang="en-US" sz="1400" b="1" dirty="0"/>
+          </a:p>
+        </p:txBody>
+      </p:sp>
+      <p:sp>
+        <p:nvSpPr>
+          <p:cNvPr id="88" name="TextBox 87"/>
+          <p:cNvSpPr txBox="1"/>
+          <p:nvPr/>
+        </p:nvSpPr>
+        <p:spPr>
+          <a:xfrm>
+            <a:off x="5222906" y="3090157"/>
+            <a:ext cx="601447" cy="307777"/>
+          </a:xfrm>
+          <a:prstGeom prst="rect">
+            <a:avLst/>
+          </a:prstGeom>
+          <a:noFill/>
+          <a:ln>
+            <a:noFill/>
+          </a:ln>
+        </p:spPr>
+        <p:txBody>
+          <a:bodyPr wrap="none" rtlCol="0">
+            <a:spAutoFit/>
+          </a:bodyPr>
+          <a:lstStyle/>
+          <a:p>
+            <a:r>
+              <a:rPr lang="en-US" altLang="ko-KR" sz="1400" b="1" dirty="0" smtClean="0"/>
+              <a:t>3188</a:t>
+            </a:r>
+            <a:endParaRPr lang="ko-KR" altLang="en-US" sz="1400" b="1" dirty="0"/>
+          </a:p>
+        </p:txBody>
+      </p:sp>
+      <p:sp>
+        <p:nvSpPr>
+          <p:cNvPr id="89" name="TextBox 88"/>
+          <p:cNvSpPr txBox="1"/>
+          <p:nvPr/>
+        </p:nvSpPr>
+        <p:spPr>
+          <a:xfrm>
+            <a:off x="1148842" y="1511399"/>
+            <a:ext cx="601447" cy="307777"/>
+          </a:xfrm>
+          <a:prstGeom prst="rect">
+            <a:avLst/>
+          </a:prstGeom>
+          <a:noFill/>
+          <a:ln>
+            <a:solidFill>
+              <a:schemeClr val="tx1"/>
+            </a:solidFill>
+          </a:ln>
+        </p:spPr>
+        <p:txBody>
+          <a:bodyPr wrap="none" rtlCol="0">
+            <a:spAutoFit/>
+          </a:bodyPr>
+          <a:lstStyle/>
+          <a:p>
+            <a:r>
+              <a:rPr lang="en-US" altLang="ko-KR" sz="1400" b="1" dirty="0" smtClean="0"/>
+              <a:t>3189</a:t>
+            </a:r>
+            <a:endParaRPr lang="ko-KR" altLang="en-US" sz="1400" b="1" dirty="0"/>
+          </a:p>
+        </p:txBody>
+      </p:sp>
+      <p:sp>
+        <p:nvSpPr>
+          <p:cNvPr id="90" name="TextBox 89"/>
+          <p:cNvSpPr txBox="1"/>
+          <p:nvPr/>
+        </p:nvSpPr>
+        <p:spPr>
+          <a:xfrm>
+            <a:off x="1759807" y="1508166"/>
+            <a:ext cx="601447" cy="307777"/>
+          </a:xfrm>
+          <a:prstGeom prst="rect">
+            <a:avLst/>
+          </a:prstGeom>
+          <a:noFill/>
+          <a:ln>
+            <a:noFill/>
+          </a:ln>
+        </p:spPr>
+        <p:txBody>
+          <a:bodyPr wrap="none" rtlCol="0">
+            <a:spAutoFit/>
+          </a:bodyPr>
+          <a:lstStyle/>
+          <a:p>
+            <a:r>
+              <a:rPr lang="en-US" altLang="ko-KR" sz="1400" b="1" dirty="0" smtClean="0"/>
+              <a:t>3190</a:t>
+            </a:r>
+            <a:endParaRPr lang="ko-KR" altLang="en-US" sz="1400" b="1" dirty="0"/>
+          </a:p>
+        </p:txBody>
+      </p:sp>
+      <p:sp>
+        <p:nvSpPr>
+          <p:cNvPr id="91" name="TextBox 90"/>
+          <p:cNvSpPr txBox="1"/>
+          <p:nvPr/>
+        </p:nvSpPr>
+        <p:spPr>
+          <a:xfrm>
+            <a:off x="2297684" y="1508165"/>
+            <a:ext cx="601447" cy="307777"/>
+          </a:xfrm>
+          <a:prstGeom prst="rect">
+            <a:avLst/>
+          </a:prstGeom>
+          <a:noFill/>
+          <a:ln>
+            <a:noFill/>
+          </a:ln>
+        </p:spPr>
+        <p:txBody>
+          <a:bodyPr wrap="none" rtlCol="0">
+            <a:spAutoFit/>
+          </a:bodyPr>
+          <a:lstStyle/>
+          <a:p>
+            <a:r>
+              <a:rPr lang="en-US" altLang="ko-KR" sz="1400" b="1" dirty="0" smtClean="0"/>
+              <a:t>3191</a:t>
+            </a:r>
+            <a:endParaRPr lang="ko-KR" altLang="en-US" sz="1400" b="1" dirty="0"/>
+          </a:p>
+        </p:txBody>
+      </p:sp>
+      <p:sp>
+        <p:nvSpPr>
+          <p:cNvPr id="92" name="TextBox 91"/>
+          <p:cNvSpPr txBox="1"/>
+          <p:nvPr/>
+        </p:nvSpPr>
+        <p:spPr>
+          <a:xfrm>
+            <a:off x="3520471" y="1524171"/>
+            <a:ext cx="601447" cy="307777"/>
+          </a:xfrm>
+          <a:prstGeom prst="rect">
+            <a:avLst/>
+          </a:prstGeom>
+          <a:noFill/>
+          <a:ln>
+            <a:noFill/>
+          </a:ln>
+        </p:spPr>
+        <p:txBody>
+          <a:bodyPr wrap="none" rtlCol="0">
+            <a:spAutoFit/>
+          </a:bodyPr>
+          <a:lstStyle/>
+          <a:p>
+            <a:r>
+              <a:rPr lang="en-US" altLang="ko-KR" sz="1400" b="1" dirty="0" smtClean="0"/>
+              <a:t>3192</a:t>
+            </a:r>
+            <a:endParaRPr lang="ko-KR" altLang="en-US" sz="1400" b="1" dirty="0"/>
+          </a:p>
+        </p:txBody>
+      </p:sp>
+      <p:sp>
+        <p:nvSpPr>
+          <p:cNvPr id="93" name="TextBox 92"/>
+          <p:cNvSpPr txBox="1"/>
+          <p:nvPr/>
+        </p:nvSpPr>
+        <p:spPr>
+          <a:xfrm>
+            <a:off x="4574111" y="1504143"/>
+            <a:ext cx="601447" cy="307777"/>
+          </a:xfrm>
+          <a:prstGeom prst="rect">
+            <a:avLst/>
+          </a:prstGeom>
+          <a:noFill/>
+          <a:ln>
+            <a:noFill/>
+          </a:ln>
+        </p:spPr>
+        <p:txBody>
+          <a:bodyPr wrap="none" rtlCol="0">
+            <a:spAutoFit/>
+          </a:bodyPr>
+          <a:lstStyle/>
+          <a:p>
+            <a:r>
+              <a:rPr lang="en-US" altLang="ko-KR" sz="1400" b="1" dirty="0" smtClean="0"/>
+              <a:t>3193</a:t>
+            </a:r>
+            <a:endParaRPr lang="ko-KR" altLang="en-US" sz="1400" b="1" dirty="0"/>
+          </a:p>
+        </p:txBody>
+      </p:sp>
+      <p:sp>
+        <p:nvSpPr>
+          <p:cNvPr id="94" name="TextBox 93"/>
+          <p:cNvSpPr txBox="1"/>
+          <p:nvPr/>
+        </p:nvSpPr>
+        <p:spPr>
+          <a:xfrm>
+            <a:off x="5398818" y="1515028"/>
+            <a:ext cx="601447" cy="307777"/>
+          </a:xfrm>
+          <a:prstGeom prst="rect">
+            <a:avLst/>
+          </a:prstGeom>
+          <a:noFill/>
+          <a:ln>
+            <a:noFill/>
+          </a:ln>
+        </p:spPr>
+        <p:txBody>
+          <a:bodyPr wrap="none" rtlCol="0">
+            <a:spAutoFit/>
+          </a:bodyPr>
+          <a:lstStyle/>
+          <a:p>
+            <a:r>
+              <a:rPr lang="en-US" altLang="ko-KR" sz="1400" b="1" dirty="0" smtClean="0"/>
+              <a:t>3194</a:t>
+            </a:r>
+            <a:endParaRPr lang="ko-KR" altLang="en-US" sz="1400" b="1" dirty="0"/>
+          </a:p>
+        </p:txBody>
+      </p:sp>
+      <p:sp>
+        <p:nvSpPr>
+          <p:cNvPr id="95" name="TextBox 94"/>
+          <p:cNvSpPr txBox="1"/>
+          <p:nvPr/>
+        </p:nvSpPr>
+        <p:spPr>
+          <a:xfrm>
+            <a:off x="7268972" y="1851977"/>
+            <a:ext cx="601447" cy="307777"/>
+          </a:xfrm>
+          <a:prstGeom prst="rect">
+            <a:avLst/>
+          </a:prstGeom>
+          <a:noFill/>
+          <a:ln>
+            <a:noFill/>
+          </a:ln>
+        </p:spPr>
+        <p:txBody>
+          <a:bodyPr wrap="none" rtlCol="0">
+            <a:spAutoFit/>
+          </a:bodyPr>
+          <a:lstStyle/>
+          <a:p>
+            <a:r>
+              <a:rPr lang="en-US" altLang="ko-KR" sz="1400" b="1" dirty="0" smtClean="0"/>
+              <a:t>3198</a:t>
+            </a:r>
+            <a:endParaRPr lang="ko-KR" altLang="en-US" sz="1400" b="1" dirty="0"/>
+          </a:p>
+        </p:txBody>
+      </p:sp>
+      <p:sp>
+        <p:nvSpPr>
+          <p:cNvPr id="96" name="TextBox 95"/>
+          <p:cNvSpPr txBox="1"/>
+          <p:nvPr/>
+        </p:nvSpPr>
+        <p:spPr>
+          <a:xfrm>
+            <a:off x="7870419" y="1851977"/>
+            <a:ext cx="601447" cy="307777"/>
+          </a:xfrm>
+          <a:prstGeom prst="rect">
+            <a:avLst/>
+          </a:prstGeom>
+          <a:noFill/>
+          <a:ln>
+            <a:noFill/>
+          </a:ln>
+        </p:spPr>
+        <p:txBody>
+          <a:bodyPr wrap="none" rtlCol="0">
+            <a:spAutoFit/>
+          </a:bodyPr>
+          <a:lstStyle/>
+          <a:p>
+            <a:r>
+              <a:rPr lang="en-US" altLang="ko-KR" sz="1400" b="1" dirty="0" smtClean="0"/>
+              <a:t>3197</a:t>
+            </a:r>
+            <a:endParaRPr lang="ko-KR" altLang="en-US" sz="1400" b="1" dirty="0"/>
+          </a:p>
+        </p:txBody>
+      </p:sp>
+      <p:sp>
+        <p:nvSpPr>
+          <p:cNvPr id="97" name="TextBox 96"/>
+          <p:cNvSpPr txBox="1"/>
+          <p:nvPr/>
+        </p:nvSpPr>
+        <p:spPr>
+          <a:xfrm>
+            <a:off x="8424094" y="1851976"/>
+            <a:ext cx="601447" cy="307777"/>
+          </a:xfrm>
+          <a:prstGeom prst="rect">
+            <a:avLst/>
+          </a:prstGeom>
+          <a:noFill/>
+          <a:ln>
+            <a:noFill/>
+          </a:ln>
+        </p:spPr>
+        <p:txBody>
+          <a:bodyPr wrap="none" rtlCol="0">
+            <a:spAutoFit/>
+          </a:bodyPr>
+          <a:lstStyle/>
+          <a:p>
+            <a:r>
+              <a:rPr lang="en-US" altLang="ko-KR" sz="1400" b="1" dirty="0" smtClean="0"/>
+              <a:t>3196</a:t>
+            </a:r>
+            <a:endParaRPr lang="ko-KR" altLang="en-US" sz="1400" b="1" dirty="0"/>
+          </a:p>
+        </p:txBody>
+      </p:sp>
+      <p:sp>
+        <p:nvSpPr>
+          <p:cNvPr id="98" name="TextBox 97"/>
+          <p:cNvSpPr txBox="1"/>
+          <p:nvPr/>
+        </p:nvSpPr>
+        <p:spPr>
+          <a:xfrm>
+            <a:off x="9278492" y="1862861"/>
+            <a:ext cx="601447" cy="307777"/>
+          </a:xfrm>
+          <a:prstGeom prst="rect">
+            <a:avLst/>
+          </a:prstGeom>
+          <a:noFill/>
+          <a:ln>
+            <a:noFill/>
+          </a:ln>
+        </p:spPr>
+        <p:txBody>
+          <a:bodyPr wrap="none" rtlCol="0">
+            <a:spAutoFit/>
+          </a:bodyPr>
+          <a:lstStyle/>
+          <a:p>
+            <a:r>
+              <a:rPr lang="en-US" altLang="ko-KR" sz="1400" b="1" dirty="0" smtClean="0"/>
+              <a:t>3195</a:t>
+            </a:r>
+            <a:endParaRPr lang="ko-KR" altLang="en-US" sz="1400" b="1" dirty="0"/>
+          </a:p>
+        </p:txBody>
+      </p:sp>
+      <p:sp>
+        <p:nvSpPr>
+          <p:cNvPr id="99" name="TextBox 98"/>
+          <p:cNvSpPr txBox="1"/>
+          <p:nvPr/>
+        </p:nvSpPr>
+        <p:spPr>
+          <a:xfrm rot="16200000">
+            <a:off x="6794873" y="3730087"/>
+            <a:ext cx="601447" cy="307777"/>
+          </a:xfrm>
+          <a:prstGeom prst="rect">
+            <a:avLst/>
+          </a:prstGeom>
+          <a:noFill/>
+          <a:ln>
+            <a:noFill/>
+          </a:ln>
+        </p:spPr>
+        <p:txBody>
+          <a:bodyPr wrap="none" rtlCol="0">
+            <a:spAutoFit/>
+          </a:bodyPr>
+          <a:lstStyle/>
+          <a:p>
+            <a:r>
+              <a:rPr lang="en-US" altLang="ko-KR" sz="1400" b="1" dirty="0" smtClean="0"/>
+              <a:t>3199</a:t>
+            </a:r>
+            <a:endParaRPr lang="ko-KR" altLang="en-US" sz="1400" b="1" dirty="0"/>
+          </a:p>
+        </p:txBody>
+      </p:sp>
+      <p:sp>
+        <p:nvSpPr>
+          <p:cNvPr id="100" name="TextBox 99"/>
+          <p:cNvSpPr txBox="1"/>
+          <p:nvPr/>
+        </p:nvSpPr>
+        <p:spPr>
+          <a:xfrm>
+            <a:off x="6611716" y="5948773"/>
+            <a:ext cx="601447" cy="307777"/>
+          </a:xfrm>
+          <a:prstGeom prst="rect">
+            <a:avLst/>
+          </a:prstGeom>
+          <a:noFill/>
+          <a:ln>
+            <a:noFill/>
+          </a:ln>
+        </p:spPr>
+        <p:txBody>
+          <a:bodyPr wrap="none" rtlCol="0">
+            <a:spAutoFit/>
+          </a:bodyPr>
+          <a:lstStyle/>
+          <a:p>
+            <a:r>
+              <a:rPr lang="en-US" altLang="ko-KR" sz="1400" b="1" dirty="0" smtClean="0"/>
+              <a:t>3202</a:t>
+            </a:r>
+            <a:endParaRPr lang="ko-KR" altLang="en-US" sz="1400" b="1" dirty="0"/>
+          </a:p>
+        </p:txBody>
+      </p:sp>
+      <p:sp>
+        <p:nvSpPr>
+          <p:cNvPr id="101" name="TextBox 100"/>
+          <p:cNvSpPr txBox="1"/>
+          <p:nvPr/>
+        </p:nvSpPr>
+        <p:spPr>
+          <a:xfrm>
+            <a:off x="5877764" y="5951359"/>
+            <a:ext cx="601447" cy="307777"/>
+          </a:xfrm>
+          <a:prstGeom prst="rect">
+            <a:avLst/>
+          </a:prstGeom>
+          <a:noFill/>
+          <a:ln>
+            <a:noFill/>
+          </a:ln>
+        </p:spPr>
+        <p:txBody>
+          <a:bodyPr wrap="none" rtlCol="0">
+            <a:spAutoFit/>
+          </a:bodyPr>
+          <a:lstStyle/>
+          <a:p>
+            <a:r>
+              <a:rPr lang="en-US" altLang="ko-KR" sz="1400" b="1" dirty="0" smtClean="0"/>
+              <a:t>3203</a:t>
+            </a:r>
+            <a:endParaRPr lang="ko-KR" altLang="en-US" sz="1400" b="1" dirty="0"/>
+          </a:p>
+        </p:txBody>
+      </p:sp>
+      <p:sp>
+        <p:nvSpPr>
+          <p:cNvPr id="102" name="TextBox 101"/>
+          <p:cNvSpPr txBox="1"/>
+          <p:nvPr/>
+        </p:nvSpPr>
+        <p:spPr>
+          <a:xfrm>
+            <a:off x="6085421" y="4685355"/>
+            <a:ext cx="601447" cy="307777"/>
+          </a:xfrm>
+          <a:prstGeom prst="rect">
+            <a:avLst/>
+          </a:prstGeom>
+          <a:noFill/>
+          <a:ln>
+            <a:noFill/>
+          </a:ln>
+        </p:spPr>
+        <p:txBody>
+          <a:bodyPr wrap="none" rtlCol="0">
+            <a:spAutoFit/>
+          </a:bodyPr>
+          <a:lstStyle/>
+          <a:p>
+            <a:r>
+              <a:rPr lang="en-US" altLang="ko-KR" sz="1400" b="1" dirty="0" smtClean="0"/>
+              <a:t>3200</a:t>
+            </a:r>
+            <a:endParaRPr lang="ko-KR" altLang="en-US" sz="1400" b="1" dirty="0"/>
+          </a:p>
+        </p:txBody>
+      </p:sp>
+      <p:sp>
+        <p:nvSpPr>
+          <p:cNvPr id="103" name="TextBox 102"/>
+          <p:cNvSpPr txBox="1"/>
+          <p:nvPr/>
+        </p:nvSpPr>
+        <p:spPr>
+          <a:xfrm>
+            <a:off x="6085420" y="5667580"/>
+            <a:ext cx="601447" cy="307777"/>
+          </a:xfrm>
+          <a:prstGeom prst="rect">
+            <a:avLst/>
+          </a:prstGeom>
+          <a:noFill/>
+          <a:ln>
+            <a:noFill/>
+          </a:ln>
+        </p:spPr>
+        <p:txBody>
+          <a:bodyPr wrap="none" rtlCol="0">
+            <a:spAutoFit/>
+          </a:bodyPr>
+          <a:lstStyle/>
+          <a:p>
+            <a:r>
+              <a:rPr lang="en-US" altLang="ko-KR" sz="1400" b="1" dirty="0" smtClean="0"/>
+              <a:t>3201</a:t>
+            </a:r>
+            <a:endParaRPr lang="ko-KR" altLang="en-US" sz="1400" b="1" dirty="0"/>
+          </a:p>
+        </p:txBody>
+      </p:sp>
+      <p:sp>
+        <p:nvSpPr>
+          <p:cNvPr id="104" name="TextBox 103"/>
+          <p:cNvSpPr txBox="1"/>
+          <p:nvPr/>
+        </p:nvSpPr>
+        <p:spPr>
+          <a:xfrm rot="16200000">
+            <a:off x="5313893" y="5667579"/>
+            <a:ext cx="601447" cy="307777"/>
+          </a:xfrm>
+          <a:prstGeom prst="rect">
+            <a:avLst/>
+          </a:prstGeom>
+          <a:noFill/>
+          <a:ln>
+            <a:noFill/>
+          </a:ln>
+        </p:spPr>
+        <p:txBody>
+          <a:bodyPr wrap="none" rtlCol="0">
+            <a:spAutoFit/>
+          </a:bodyPr>
+          <a:lstStyle/>
+          <a:p>
+            <a:r>
+              <a:rPr lang="en-US" altLang="ko-KR" sz="1400" b="1" dirty="0" smtClean="0"/>
+              <a:t>3204</a:t>
+            </a:r>
+            <a:endParaRPr lang="ko-KR" altLang="en-US" sz="1400" b="1" dirty="0"/>
+          </a:p>
+        </p:txBody>
+      </p:sp>
+    </p:spTree>
+    <p:extLst>
+      <p:ext uri="{BB962C8B-B14F-4D97-AF65-F5344CB8AC3E}">
+        <p14:creationId xmlns:p14="http://schemas.microsoft.com/office/powerpoint/2010/main" val="2626910582"/>
       </p:ext>
     </p:extLst>
   </p:cSld>
@@ -35311,7 +38627,9 @@
           </a:prstGeom>
           <a:noFill/>
           <a:ln>
-            <a:noFill/>
+            <a:solidFill>
+              <a:schemeClr val="tx1"/>
+            </a:solidFill>
           </a:ln>
         </p:spPr>
         <p:txBody>
@@ -36268,7 +39586,9 @@
           </a:prstGeom>
           <a:noFill/>
           <a:ln>
-            <a:noFill/>
+            <a:solidFill>
+              <a:schemeClr val="tx1"/>
+            </a:solidFill>
           </a:ln>
         </p:spPr>
         <p:txBody>
@@ -37137,6 +40457,191 @@
           </a:p>
         </p:txBody>
       </p:sp>
+      <p:cxnSp>
+        <p:nvCxnSpPr>
+          <p:cNvPr id="6" name="꺾인 연결선 5"/>
+          <p:cNvCxnSpPr/>
+          <p:nvPr/>
+        </p:nvCxnSpPr>
+        <p:spPr>
+          <a:xfrm rot="5400000" flipH="1" flipV="1">
+            <a:off x="641985" y="5478046"/>
+            <a:ext cx="483607" cy="393192"/>
+          </a:xfrm>
+          <a:prstGeom prst="bentConnector3">
+            <a:avLst>
+              <a:gd name="adj1" fmla="val -1051"/>
+            </a:avLst>
+          </a:prstGeom>
+          <a:ln w="28575">
+            <a:solidFill>
+              <a:schemeClr val="tx1"/>
+            </a:solidFill>
+            <a:tailEnd type="triangle"/>
+          </a:ln>
+        </p:spPr>
+        <p:style>
+          <a:lnRef idx="1">
+            <a:schemeClr val="accent1"/>
+          </a:lnRef>
+          <a:fillRef idx="0">
+            <a:schemeClr val="accent1"/>
+          </a:fillRef>
+          <a:effectRef idx="0">
+            <a:schemeClr val="accent1"/>
+          </a:effectRef>
+          <a:fontRef idx="minor">
+            <a:schemeClr val="tx1"/>
+          </a:fontRef>
+        </p:style>
+      </p:cxnSp>
+      <p:cxnSp>
+        <p:nvCxnSpPr>
+          <p:cNvPr id="15" name="직선 화살표 연결선 14"/>
+          <p:cNvCxnSpPr/>
+          <p:nvPr/>
+        </p:nvCxnSpPr>
+        <p:spPr>
+          <a:xfrm flipV="1">
+            <a:off x="823436" y="4349463"/>
+            <a:ext cx="425622" cy="412438"/>
+          </a:xfrm>
+          <a:prstGeom prst="straightConnector1">
+            <a:avLst/>
+          </a:prstGeom>
+          <a:ln w="28575">
+            <a:solidFill>
+              <a:schemeClr val="tx1"/>
+            </a:solidFill>
+            <a:tailEnd type="triangle"/>
+          </a:ln>
+        </p:spPr>
+        <p:style>
+          <a:lnRef idx="1">
+            <a:schemeClr val="accent1"/>
+          </a:lnRef>
+          <a:fillRef idx="0">
+            <a:schemeClr val="accent1"/>
+          </a:fillRef>
+          <a:effectRef idx="0">
+            <a:schemeClr val="accent1"/>
+          </a:effectRef>
+          <a:fontRef idx="minor">
+            <a:schemeClr val="tx1"/>
+          </a:fontRef>
+        </p:style>
+      </p:cxnSp>
+      <p:cxnSp>
+        <p:nvCxnSpPr>
+          <p:cNvPr id="77" name="직선 화살표 연결선 76"/>
+          <p:cNvCxnSpPr>
+            <a:endCxn id="47" idx="1"/>
+          </p:cNvCxnSpPr>
+          <p:nvPr/>
+        </p:nvCxnSpPr>
+        <p:spPr>
+          <a:xfrm flipV="1">
+            <a:off x="1359599" y="4097120"/>
+            <a:ext cx="1017464" cy="1001605"/>
+          </a:xfrm>
+          <a:prstGeom prst="straightConnector1">
+            <a:avLst/>
+          </a:prstGeom>
+          <a:ln w="28575">
+            <a:solidFill>
+              <a:schemeClr val="tx1"/>
+            </a:solidFill>
+            <a:tailEnd type="triangle"/>
+          </a:ln>
+        </p:spPr>
+        <p:style>
+          <a:lnRef idx="1">
+            <a:schemeClr val="accent1"/>
+          </a:lnRef>
+          <a:fillRef idx="0">
+            <a:schemeClr val="accent1"/>
+          </a:fillRef>
+          <a:effectRef idx="0">
+            <a:schemeClr val="accent1"/>
+          </a:effectRef>
+          <a:fontRef idx="minor">
+            <a:schemeClr val="tx1"/>
+          </a:fontRef>
+        </p:style>
+      </p:cxnSp>
+      <p:cxnSp>
+        <p:nvCxnSpPr>
+          <p:cNvPr id="79" name="직선 화살표 연결선 78"/>
+          <p:cNvCxnSpPr/>
+          <p:nvPr/>
+        </p:nvCxnSpPr>
+        <p:spPr>
+          <a:xfrm flipV="1">
+            <a:off x="4258832" y="2412797"/>
+            <a:ext cx="1017464" cy="1001605"/>
+          </a:xfrm>
+          <a:prstGeom prst="straightConnector1">
+            <a:avLst/>
+          </a:prstGeom>
+          <a:ln w="28575">
+            <a:solidFill>
+              <a:schemeClr val="tx1"/>
+            </a:solidFill>
+            <a:headEnd type="triangle" w="med" len="med"/>
+            <a:tailEnd type="none" w="med" len="med"/>
+          </a:ln>
+        </p:spPr>
+        <p:style>
+          <a:lnRef idx="1">
+            <a:schemeClr val="accent1"/>
+          </a:lnRef>
+          <a:fillRef idx="0">
+            <a:schemeClr val="accent1"/>
+          </a:fillRef>
+          <a:effectRef idx="0">
+            <a:schemeClr val="accent1"/>
+          </a:effectRef>
+          <a:fontRef idx="minor">
+            <a:schemeClr val="tx1"/>
+          </a:fontRef>
+        </p:style>
+      </p:cxnSp>
+      <p:cxnSp>
+        <p:nvCxnSpPr>
+          <p:cNvPr id="80" name="직선 화살표 연결선 79"/>
+          <p:cNvCxnSpPr/>
+          <p:nvPr/>
+        </p:nvCxnSpPr>
+        <p:spPr>
+          <a:xfrm flipV="1">
+            <a:off x="2170038" y="4697349"/>
+            <a:ext cx="1017464" cy="1001605"/>
+          </a:xfrm>
+          <a:prstGeom prst="straightConnector1">
+            <a:avLst/>
+          </a:prstGeom>
+          <a:ln w="28575">
+            <a:solidFill>
+              <a:schemeClr val="tx1"/>
+            </a:solidFill>
+            <a:tailEnd type="triangle"/>
+          </a:ln>
+        </p:spPr>
+        <p:style>
+          <a:lnRef idx="1">
+            <a:schemeClr val="accent1"/>
+          </a:lnRef>
+          <a:fillRef idx="0">
+            <a:schemeClr val="accent1"/>
+          </a:fillRef>
+          <a:effectRef idx="0">
+            <a:schemeClr val="accent1"/>
+          </a:effectRef>
+          <a:fontRef idx="minor">
+            <a:schemeClr val="tx1"/>
+          </a:fontRef>
+        </p:style>
+      </p:cxnSp>
     </p:spTree>
     <p:extLst>
       <p:ext uri="{BB962C8B-B14F-4D97-AF65-F5344CB8AC3E}">
@@ -40974,6 +44479,331 @@
           </a:p>
         </p:txBody>
       </p:sp>
+      <p:cxnSp>
+        <p:nvCxnSpPr>
+          <p:cNvPr id="3" name="직선 화살표 연결선 2"/>
+          <p:cNvCxnSpPr/>
+          <p:nvPr/>
+        </p:nvCxnSpPr>
+        <p:spPr>
+          <a:xfrm flipV="1">
+            <a:off x="7123225" y="2796614"/>
+            <a:ext cx="458608" cy="463180"/>
+          </a:xfrm>
+          <a:prstGeom prst="straightConnector1">
+            <a:avLst/>
+          </a:prstGeom>
+          <a:ln w="28575">
+            <a:solidFill>
+              <a:schemeClr val="tx1"/>
+            </a:solidFill>
+            <a:tailEnd type="triangle"/>
+          </a:ln>
+        </p:spPr>
+        <p:style>
+          <a:lnRef idx="1">
+            <a:schemeClr val="accent1"/>
+          </a:lnRef>
+          <a:fillRef idx="0">
+            <a:schemeClr val="accent1"/>
+          </a:fillRef>
+          <a:effectRef idx="0">
+            <a:schemeClr val="accent1"/>
+          </a:effectRef>
+          <a:fontRef idx="minor">
+            <a:schemeClr val="tx1"/>
+          </a:fontRef>
+        </p:style>
+      </p:cxnSp>
+      <p:cxnSp>
+        <p:nvCxnSpPr>
+          <p:cNvPr id="6" name="직선 화살표 연결선 5"/>
+          <p:cNvCxnSpPr/>
+          <p:nvPr/>
+        </p:nvCxnSpPr>
+        <p:spPr>
+          <a:xfrm flipH="1">
+            <a:off x="5278499" y="3258212"/>
+            <a:ext cx="897873" cy="0"/>
+          </a:xfrm>
+          <a:prstGeom prst="straightConnector1">
+            <a:avLst/>
+          </a:prstGeom>
+          <a:ln w="28575">
+            <a:solidFill>
+              <a:schemeClr val="tx1"/>
+            </a:solidFill>
+            <a:tailEnd type="triangle"/>
+          </a:ln>
+        </p:spPr>
+        <p:style>
+          <a:lnRef idx="1">
+            <a:schemeClr val="accent1"/>
+          </a:lnRef>
+          <a:fillRef idx="0">
+            <a:schemeClr val="accent1"/>
+          </a:fillRef>
+          <a:effectRef idx="0">
+            <a:schemeClr val="accent1"/>
+          </a:effectRef>
+          <a:fontRef idx="minor">
+            <a:schemeClr val="tx1"/>
+          </a:fontRef>
+        </p:style>
+      </p:cxnSp>
+      <p:cxnSp>
+        <p:nvCxnSpPr>
+          <p:cNvPr id="74" name="직선 화살표 연결선 73"/>
+          <p:cNvCxnSpPr/>
+          <p:nvPr/>
+        </p:nvCxnSpPr>
+        <p:spPr>
+          <a:xfrm flipH="1" flipV="1">
+            <a:off x="2954575" y="3479454"/>
+            <a:ext cx="2046925" cy="50019"/>
+          </a:xfrm>
+          <a:prstGeom prst="straightConnector1">
+            <a:avLst/>
+          </a:prstGeom>
+          <a:ln w="28575">
+            <a:solidFill>
+              <a:schemeClr val="tx1"/>
+            </a:solidFill>
+            <a:headEnd type="triangle" w="med" len="med"/>
+            <a:tailEnd type="none" w="med" len="med"/>
+          </a:ln>
+        </p:spPr>
+        <p:style>
+          <a:lnRef idx="1">
+            <a:schemeClr val="accent1"/>
+          </a:lnRef>
+          <a:fillRef idx="0">
+            <a:schemeClr val="accent1"/>
+          </a:fillRef>
+          <a:effectRef idx="0">
+            <a:schemeClr val="accent1"/>
+          </a:effectRef>
+          <a:fontRef idx="minor">
+            <a:schemeClr val="tx1"/>
+          </a:fontRef>
+        </p:style>
+      </p:cxnSp>
+      <p:cxnSp>
+        <p:nvCxnSpPr>
+          <p:cNvPr id="75" name="직선 화살표 연결선 74"/>
+          <p:cNvCxnSpPr/>
+          <p:nvPr/>
+        </p:nvCxnSpPr>
+        <p:spPr>
+          <a:xfrm flipH="1">
+            <a:off x="4145465" y="4466808"/>
+            <a:ext cx="897873" cy="0"/>
+          </a:xfrm>
+          <a:prstGeom prst="straightConnector1">
+            <a:avLst/>
+          </a:prstGeom>
+          <a:ln w="28575">
+            <a:solidFill>
+              <a:schemeClr val="tx1"/>
+            </a:solidFill>
+            <a:tailEnd type="triangle"/>
+          </a:ln>
+        </p:spPr>
+        <p:style>
+          <a:lnRef idx="1">
+            <a:schemeClr val="accent1"/>
+          </a:lnRef>
+          <a:fillRef idx="0">
+            <a:schemeClr val="accent1"/>
+          </a:fillRef>
+          <a:effectRef idx="0">
+            <a:schemeClr val="accent1"/>
+          </a:effectRef>
+          <a:fontRef idx="minor">
+            <a:schemeClr val="tx1"/>
+          </a:fontRef>
+        </p:style>
+      </p:cxnSp>
+      <p:cxnSp>
+        <p:nvCxnSpPr>
+          <p:cNvPr id="9" name="직선 화살표 연결선 8"/>
+          <p:cNvCxnSpPr/>
+          <p:nvPr/>
+        </p:nvCxnSpPr>
+        <p:spPr>
+          <a:xfrm>
+            <a:off x="2223750" y="4605308"/>
+            <a:ext cx="0" cy="730958"/>
+          </a:xfrm>
+          <a:prstGeom prst="straightConnector1">
+            <a:avLst/>
+          </a:prstGeom>
+          <a:ln>
+            <a:solidFill>
+              <a:schemeClr val="tx1"/>
+            </a:solidFill>
+            <a:tailEnd type="triangle"/>
+          </a:ln>
+        </p:spPr>
+        <p:style>
+          <a:lnRef idx="1">
+            <a:schemeClr val="accent1"/>
+          </a:lnRef>
+          <a:fillRef idx="0">
+            <a:schemeClr val="accent1"/>
+          </a:fillRef>
+          <a:effectRef idx="0">
+            <a:schemeClr val="accent1"/>
+          </a:effectRef>
+          <a:fontRef idx="minor">
+            <a:schemeClr val="tx1"/>
+          </a:fontRef>
+        </p:style>
+      </p:cxnSp>
+      <p:cxnSp>
+        <p:nvCxnSpPr>
+          <p:cNvPr id="11" name="꺾인 연결선 10"/>
+          <p:cNvCxnSpPr/>
+          <p:nvPr/>
+        </p:nvCxnSpPr>
+        <p:spPr>
+          <a:xfrm flipV="1">
+            <a:off x="2653003" y="5966503"/>
+            <a:ext cx="521208" cy="376257"/>
+          </a:xfrm>
+          <a:prstGeom prst="bentConnector3">
+            <a:avLst>
+              <a:gd name="adj1" fmla="val 877"/>
+            </a:avLst>
+          </a:prstGeom>
+          <a:ln w="28575">
+            <a:solidFill>
+              <a:schemeClr val="tx1"/>
+            </a:solidFill>
+            <a:tailEnd type="triangle"/>
+          </a:ln>
+        </p:spPr>
+        <p:style>
+          <a:lnRef idx="1">
+            <a:schemeClr val="accent1"/>
+          </a:lnRef>
+          <a:fillRef idx="0">
+            <a:schemeClr val="accent1"/>
+          </a:fillRef>
+          <a:effectRef idx="0">
+            <a:schemeClr val="accent1"/>
+          </a:effectRef>
+          <a:fontRef idx="minor">
+            <a:schemeClr val="tx1"/>
+          </a:fontRef>
+        </p:style>
+      </p:cxnSp>
+      <p:cxnSp>
+        <p:nvCxnSpPr>
+          <p:cNvPr id="82" name="직선 화살표 연결선 81"/>
+          <p:cNvCxnSpPr/>
+          <p:nvPr/>
+        </p:nvCxnSpPr>
+        <p:spPr>
+          <a:xfrm flipH="1">
+            <a:off x="7488946" y="5686950"/>
+            <a:ext cx="897873" cy="0"/>
+          </a:xfrm>
+          <a:prstGeom prst="straightConnector1">
+            <a:avLst/>
+          </a:prstGeom>
+          <a:ln w="28575">
+            <a:solidFill>
+              <a:schemeClr val="tx1"/>
+            </a:solidFill>
+            <a:tailEnd type="triangle"/>
+          </a:ln>
+        </p:spPr>
+        <p:style>
+          <a:lnRef idx="1">
+            <a:schemeClr val="accent1"/>
+          </a:lnRef>
+          <a:fillRef idx="0">
+            <a:schemeClr val="accent1"/>
+          </a:fillRef>
+          <a:effectRef idx="0">
+            <a:schemeClr val="accent1"/>
+          </a:effectRef>
+          <a:fontRef idx="minor">
+            <a:schemeClr val="tx1"/>
+          </a:fontRef>
+        </p:style>
+      </p:cxnSp>
+      <p:cxnSp>
+        <p:nvCxnSpPr>
+          <p:cNvPr id="83" name="직선 화살표 연결선 82"/>
+          <p:cNvCxnSpPr/>
+          <p:nvPr/>
+        </p:nvCxnSpPr>
+        <p:spPr>
+          <a:xfrm flipH="1">
+            <a:off x="2712361" y="4766860"/>
+            <a:ext cx="897873" cy="0"/>
+          </a:xfrm>
+          <a:prstGeom prst="straightConnector1">
+            <a:avLst/>
+          </a:prstGeom>
+          <a:ln w="28575">
+            <a:solidFill>
+              <a:schemeClr val="tx1"/>
+            </a:solidFill>
+            <a:headEnd type="triangle" w="med" len="med"/>
+            <a:tailEnd type="none" w="med" len="med"/>
+          </a:ln>
+        </p:spPr>
+        <p:style>
+          <a:lnRef idx="1">
+            <a:schemeClr val="accent1"/>
+          </a:lnRef>
+          <a:fillRef idx="0">
+            <a:schemeClr val="accent1"/>
+          </a:fillRef>
+          <a:effectRef idx="0">
+            <a:schemeClr val="accent1"/>
+          </a:effectRef>
+          <a:fontRef idx="minor">
+            <a:schemeClr val="tx1"/>
+          </a:fontRef>
+        </p:style>
+      </p:cxnSp>
+      <p:sp>
+        <p:nvSpPr>
+          <p:cNvPr id="84" name="TextBox 83"/>
+          <p:cNvSpPr txBox="1"/>
+          <p:nvPr/>
+        </p:nvSpPr>
+        <p:spPr>
+          <a:xfrm rot="5400000">
+            <a:off x="8031165" y="4899533"/>
+            <a:ext cx="524503" cy="276999"/>
+          </a:xfrm>
+          <a:prstGeom prst="rect">
+            <a:avLst/>
+          </a:prstGeom>
+          <a:noFill/>
+          <a:ln>
+            <a:noFill/>
+          </a:ln>
+        </p:spPr>
+        <p:txBody>
+          <a:bodyPr wrap="none" rtlCol="0">
+            <a:spAutoFit/>
+          </a:bodyPr>
+          <a:lstStyle/>
+          <a:p>
+            <a:r>
+              <a:rPr lang="en-US" altLang="ko-KR" sz="1200" dirty="0" smtClean="0"/>
+              <a:t>7866</a:t>
+            </a:r>
+            <a:endParaRPr lang="ko-KR" altLang="en-US" sz="1200" dirty="0"/>
+          </a:p>
+        </p:txBody>
+      </p:sp>
     </p:spTree>
     <p:extLst>
       <p:ext uri="{BB962C8B-B14F-4D97-AF65-F5344CB8AC3E}">
@@ -41147,11 +44977,7 @@
           <a:p>
             <a:r>
               <a:rPr lang="en-US" altLang="ko-KR" b="1" dirty="0" smtClean="0"/>
-              <a:t>LGM : 78 ~ </a:t>
-            </a:r>
-            <a:r>
-              <a:rPr lang="en-US" altLang="ko-KR" b="1" dirty="0" smtClean="0"/>
-              <a:t>(19)</a:t>
+              <a:t>LGM : 78 ~ (19)</a:t>
             </a:r>
           </a:p>
           <a:p>
@@ -41202,7 +45028,7 @@
         <p:spPr>
           <a:xfrm>
             <a:off x="9254478" y="3294788"/>
-            <a:ext cx="2307042" cy="646331"/>
+            <a:ext cx="2307042" cy="1200329"/>
           </a:xfrm>
           <a:prstGeom prst="rect">
             <a:avLst/>
@@ -41217,25 +45043,47 @@
           <a:p>
             <a:r>
               <a:rPr lang="en-US" altLang="ko-KR" b="1" dirty="0" smtClean="0"/>
-              <a:t>USM : 1163 ~ </a:t>
+              <a:t>USM : 1163 ~  </a:t>
             </a:r>
             <a:r>
               <a:rPr lang="en-US" altLang="ko-KR" b="1" dirty="0" smtClean="0"/>
-              <a:t> (</a:t>
+              <a:t>(17)</a:t>
+            </a:r>
+            <a:endParaRPr lang="en-US" altLang="ko-KR" b="1" dirty="0" smtClean="0"/>
+          </a:p>
+          <a:p>
+            <a:r>
+              <a:rPr lang="ko-KR" altLang="en-US" b="1" dirty="0" smtClean="0"/>
+              <a:t>   연속된 </a:t>
+            </a:r>
+            <a:r>
+              <a:rPr lang="ko-KR" altLang="en-US" b="1" dirty="0" smtClean="0"/>
+              <a:t>번호 </a:t>
+            </a:r>
+            <a:r>
+              <a:rPr lang="ko-KR" altLang="en-US" b="1" dirty="0" smtClean="0"/>
+              <a:t>아님</a:t>
+            </a:r>
+            <a:endParaRPr lang="en-US" altLang="ko-KR" b="1" dirty="0" smtClean="0"/>
+          </a:p>
+          <a:p>
+            <a:r>
+              <a:rPr lang="en-US" altLang="ko-KR" b="1" dirty="0"/>
+              <a:t> </a:t>
             </a:r>
             <a:r>
               <a:rPr lang="en-US" altLang="ko-KR" b="1" dirty="0" smtClean="0"/>
-              <a:t>24</a:t>
+              <a:t>         </a:t>
+            </a:r>
+          </a:p>
+          <a:p>
+            <a:r>
+              <a:rPr lang="en-US" altLang="ko-KR" b="1" dirty="0"/>
+              <a:t> </a:t>
             </a:r>
             <a:r>
               <a:rPr lang="en-US" altLang="ko-KR" b="1" dirty="0" smtClean="0"/>
-              <a:t>)</a:t>
-            </a:r>
-          </a:p>
-          <a:p>
-            <a:r>
-              <a:rPr lang="ko-KR" altLang="en-US" b="1" dirty="0" smtClean="0"/>
-              <a:t>연속된 번호 아님</a:t>
+              <a:t>        3205 ~ 3211</a:t>
             </a:r>
             <a:endParaRPr lang="ko-KR" altLang="en-US" b="1" dirty="0"/>
           </a:p>
@@ -42029,7 +45877,7 @@
           <a:p>
             <a:r>
               <a:rPr lang="en-US" altLang="ko-KR" sz="1200" dirty="0" smtClean="0"/>
-              <a:t>2452</a:t>
+              <a:t>3210</a:t>
             </a:r>
             <a:endParaRPr lang="ko-KR" altLang="en-US" sz="1200" dirty="0"/>
           </a:p>
@@ -42062,7 +45910,7 @@
           <a:p>
             <a:r>
               <a:rPr lang="en-US" altLang="ko-KR" sz="1200" dirty="0" smtClean="0"/>
-              <a:t>2395</a:t>
+              <a:t>2453</a:t>
             </a:r>
             <a:endParaRPr lang="ko-KR" altLang="en-US" sz="1200" dirty="0"/>
           </a:p>
@@ -42084,6 +45932,437 @@
           </a:prstGeom>
           <a:noFill/>
           <a:ln>
+            <a:solidFill>
+              <a:schemeClr val="tx1"/>
+            </a:solidFill>
+          </a:ln>
+        </p:spPr>
+        <p:txBody>
+          <a:bodyPr wrap="none" rtlCol="0">
+            <a:spAutoFit/>
+          </a:bodyPr>
+          <a:lstStyle/>
+          <a:p>
+            <a:r>
+              <a:rPr lang="en-US" altLang="ko-KR" sz="1200" dirty="0" smtClean="0"/>
+              <a:t>3205</a:t>
+            </a:r>
+            <a:endParaRPr lang="ko-KR" altLang="en-US" sz="1200" dirty="0"/>
+          </a:p>
+        </p:txBody>
+      </p:sp>
+      <p:sp>
+        <p:nvSpPr>
+          <p:cNvPr id="157" name="TextBox 156"/>
+          <p:cNvSpPr txBox="1"/>
+          <p:nvPr/>
+        </p:nvSpPr>
+        <p:spPr>
+          <a:xfrm>
+            <a:off x="5469706" y="4621098"/>
+            <a:ext cx="524503" cy="276999"/>
+          </a:xfrm>
+          <a:prstGeom prst="rect">
+            <a:avLst/>
+          </a:prstGeom>
+          <a:noFill/>
+          <a:ln>
+            <a:noFill/>
+          </a:ln>
+        </p:spPr>
+        <p:txBody>
+          <a:bodyPr wrap="none" rtlCol="0">
+            <a:spAutoFit/>
+          </a:bodyPr>
+          <a:lstStyle/>
+          <a:p>
+            <a:r>
+              <a:rPr lang="en-US" altLang="ko-KR" sz="1200" dirty="0" smtClean="0"/>
+              <a:t>3206</a:t>
+            </a:r>
+            <a:endParaRPr lang="ko-KR" altLang="en-US" sz="1200" dirty="0"/>
+          </a:p>
+        </p:txBody>
+      </p:sp>
+      <p:sp>
+        <p:nvSpPr>
+          <p:cNvPr id="158" name="TextBox 157"/>
+          <p:cNvSpPr txBox="1"/>
+          <p:nvPr/>
+        </p:nvSpPr>
+        <p:spPr>
+          <a:xfrm>
+            <a:off x="6076938" y="4626183"/>
+            <a:ext cx="524503" cy="276999"/>
+          </a:xfrm>
+          <a:prstGeom prst="rect">
+            <a:avLst/>
+          </a:prstGeom>
+          <a:noFill/>
+          <a:ln>
+            <a:noFill/>
+          </a:ln>
+        </p:spPr>
+        <p:txBody>
+          <a:bodyPr wrap="none" rtlCol="0">
+            <a:spAutoFit/>
+          </a:bodyPr>
+          <a:lstStyle/>
+          <a:p>
+            <a:r>
+              <a:rPr lang="en-US" altLang="ko-KR" sz="1200" dirty="0" smtClean="0"/>
+              <a:t>3207</a:t>
+            </a:r>
+            <a:endParaRPr lang="ko-KR" altLang="en-US" sz="1200" dirty="0"/>
+          </a:p>
+        </p:txBody>
+      </p:sp>
+      <p:sp>
+        <p:nvSpPr>
+          <p:cNvPr id="159" name="TextBox 158"/>
+          <p:cNvSpPr txBox="1"/>
+          <p:nvPr/>
+        </p:nvSpPr>
+        <p:spPr>
+          <a:xfrm>
+            <a:off x="6677641" y="4634998"/>
+            <a:ext cx="524503" cy="276999"/>
+          </a:xfrm>
+          <a:prstGeom prst="rect">
+            <a:avLst/>
+          </a:prstGeom>
+          <a:noFill/>
+          <a:ln>
+            <a:noFill/>
+          </a:ln>
+        </p:spPr>
+        <p:txBody>
+          <a:bodyPr wrap="none" rtlCol="0">
+            <a:spAutoFit/>
+          </a:bodyPr>
+          <a:lstStyle/>
+          <a:p>
+            <a:r>
+              <a:rPr lang="en-US" altLang="ko-KR" sz="1200" dirty="0" smtClean="0"/>
+              <a:t>3208</a:t>
+            </a:r>
+            <a:endParaRPr lang="ko-KR" altLang="en-US" sz="1200" dirty="0"/>
+          </a:p>
+        </p:txBody>
+      </p:sp>
+      <p:sp>
+        <p:nvSpPr>
+          <p:cNvPr id="160" name="TextBox 159"/>
+          <p:cNvSpPr txBox="1"/>
+          <p:nvPr/>
+        </p:nvSpPr>
+        <p:spPr>
+          <a:xfrm>
+            <a:off x="7282919" y="4621098"/>
+            <a:ext cx="524503" cy="276999"/>
+          </a:xfrm>
+          <a:prstGeom prst="rect">
+            <a:avLst/>
+          </a:prstGeom>
+          <a:noFill/>
+          <a:ln>
+            <a:noFill/>
+          </a:ln>
+        </p:spPr>
+        <p:txBody>
+          <a:bodyPr wrap="none" rtlCol="0">
+            <a:spAutoFit/>
+          </a:bodyPr>
+          <a:lstStyle/>
+          <a:p>
+            <a:r>
+              <a:rPr lang="en-US" altLang="ko-KR" sz="1200" dirty="0" smtClean="0"/>
+              <a:t>3209</a:t>
+            </a:r>
+            <a:endParaRPr lang="ko-KR" altLang="en-US" sz="1200" dirty="0"/>
+          </a:p>
+        </p:txBody>
+      </p:sp>
+      <p:sp>
+        <p:nvSpPr>
+          <p:cNvPr id="161" name="TextBox 160"/>
+          <p:cNvSpPr txBox="1"/>
+          <p:nvPr/>
+        </p:nvSpPr>
+        <p:spPr>
+          <a:xfrm>
+            <a:off x="3735176" y="4621096"/>
+            <a:ext cx="524503" cy="276999"/>
+          </a:xfrm>
+          <a:prstGeom prst="rect">
+            <a:avLst/>
+          </a:prstGeom>
+          <a:noFill/>
+          <a:ln>
+            <a:noFill/>
+          </a:ln>
+        </p:spPr>
+        <p:txBody>
+          <a:bodyPr wrap="none" rtlCol="0">
+            <a:spAutoFit/>
+          </a:bodyPr>
+          <a:lstStyle/>
+          <a:p>
+            <a:r>
+              <a:rPr lang="en-US" altLang="ko-KR" sz="1200" dirty="0" smtClean="0"/>
+              <a:t>2452</a:t>
+            </a:r>
+            <a:endParaRPr lang="ko-KR" altLang="en-US" sz="1200" dirty="0"/>
+          </a:p>
+        </p:txBody>
+      </p:sp>
+      <p:sp>
+        <p:nvSpPr>
+          <p:cNvPr id="162" name="TextBox 161"/>
+          <p:cNvSpPr txBox="1"/>
+          <p:nvPr/>
+        </p:nvSpPr>
+        <p:spPr>
+          <a:xfrm>
+            <a:off x="2874727" y="4638940"/>
+            <a:ext cx="524503" cy="276999"/>
+          </a:xfrm>
+          <a:prstGeom prst="rect">
+            <a:avLst/>
+          </a:prstGeom>
+          <a:noFill/>
+          <a:ln>
+            <a:noFill/>
+          </a:ln>
+        </p:spPr>
+        <p:txBody>
+          <a:bodyPr wrap="none" rtlCol="0">
+            <a:spAutoFit/>
+          </a:bodyPr>
+          <a:lstStyle/>
+          <a:p>
+            <a:r>
+              <a:rPr lang="en-US" altLang="ko-KR" sz="1200" dirty="0" smtClean="0"/>
+              <a:t>2451</a:t>
+            </a:r>
+            <a:endParaRPr lang="ko-KR" altLang="en-US" sz="1200" dirty="0"/>
+          </a:p>
+        </p:txBody>
+      </p:sp>
+      <p:sp>
+        <p:nvSpPr>
+          <p:cNvPr id="163" name="TextBox 162"/>
+          <p:cNvSpPr txBox="1"/>
+          <p:nvPr/>
+        </p:nvSpPr>
+        <p:spPr>
+          <a:xfrm>
+            <a:off x="2878353" y="5578070"/>
+            <a:ext cx="524503" cy="276999"/>
+          </a:xfrm>
+          <a:prstGeom prst="rect">
+            <a:avLst/>
+          </a:prstGeom>
+          <a:noFill/>
+          <a:ln>
+            <a:noFill/>
+          </a:ln>
+        </p:spPr>
+        <p:txBody>
+          <a:bodyPr wrap="none" rtlCol="0">
+            <a:spAutoFit/>
+          </a:bodyPr>
+          <a:lstStyle/>
+          <a:p>
+            <a:r>
+              <a:rPr lang="en-US" altLang="ko-KR" sz="1200" dirty="0" smtClean="0"/>
+              <a:t>2450</a:t>
+            </a:r>
+            <a:endParaRPr lang="ko-KR" altLang="en-US" sz="1200" dirty="0"/>
+          </a:p>
+        </p:txBody>
+      </p:sp>
+      <p:sp>
+        <p:nvSpPr>
+          <p:cNvPr id="164" name="TextBox 163"/>
+          <p:cNvSpPr txBox="1"/>
+          <p:nvPr/>
+        </p:nvSpPr>
+        <p:spPr>
+          <a:xfrm>
+            <a:off x="7858296" y="5578069"/>
+            <a:ext cx="524503" cy="276999"/>
+          </a:xfrm>
+          <a:prstGeom prst="rect">
+            <a:avLst/>
+          </a:prstGeom>
+          <a:noFill/>
+          <a:ln>
+            <a:noFill/>
+          </a:ln>
+        </p:spPr>
+        <p:txBody>
+          <a:bodyPr wrap="none" rtlCol="0">
+            <a:spAutoFit/>
+          </a:bodyPr>
+          <a:lstStyle/>
+          <a:p>
+            <a:r>
+              <a:rPr lang="en-US" altLang="ko-KR" sz="1200" dirty="0" smtClean="0"/>
+              <a:t>1298</a:t>
+            </a:r>
+            <a:endParaRPr lang="ko-KR" altLang="en-US" sz="1200" dirty="0"/>
+          </a:p>
+        </p:txBody>
+      </p:sp>
+      <p:sp>
+        <p:nvSpPr>
+          <p:cNvPr id="165" name="TextBox 164"/>
+          <p:cNvSpPr txBox="1"/>
+          <p:nvPr/>
+        </p:nvSpPr>
+        <p:spPr>
+          <a:xfrm>
+            <a:off x="7268969" y="5586992"/>
+            <a:ext cx="524503" cy="276999"/>
+          </a:xfrm>
+          <a:prstGeom prst="rect">
+            <a:avLst/>
+          </a:prstGeom>
+          <a:noFill/>
+          <a:ln>
+            <a:noFill/>
+          </a:ln>
+        </p:spPr>
+        <p:txBody>
+          <a:bodyPr wrap="none" rtlCol="0">
+            <a:spAutoFit/>
+          </a:bodyPr>
+          <a:lstStyle/>
+          <a:p>
+            <a:r>
+              <a:rPr lang="en-US" altLang="ko-KR" sz="1200" dirty="0" smtClean="0"/>
+              <a:t>1850</a:t>
+            </a:r>
+            <a:endParaRPr lang="ko-KR" altLang="en-US" sz="1200" dirty="0"/>
+          </a:p>
+        </p:txBody>
+      </p:sp>
+      <p:sp>
+        <p:nvSpPr>
+          <p:cNvPr id="166" name="TextBox 165"/>
+          <p:cNvSpPr txBox="1"/>
+          <p:nvPr/>
+        </p:nvSpPr>
+        <p:spPr>
+          <a:xfrm>
+            <a:off x="6686799" y="5578069"/>
+            <a:ext cx="524503" cy="276999"/>
+          </a:xfrm>
+          <a:prstGeom prst="rect">
+            <a:avLst/>
+          </a:prstGeom>
+          <a:noFill/>
+          <a:ln>
+            <a:noFill/>
+          </a:ln>
+        </p:spPr>
+        <p:txBody>
+          <a:bodyPr wrap="none" rtlCol="0">
+            <a:spAutoFit/>
+          </a:bodyPr>
+          <a:lstStyle/>
+          <a:p>
+            <a:r>
+              <a:rPr lang="en-US" altLang="ko-KR" sz="1200" dirty="0" smtClean="0"/>
+              <a:t>1863</a:t>
+            </a:r>
+            <a:endParaRPr lang="ko-KR" altLang="en-US" sz="1200" dirty="0"/>
+          </a:p>
+        </p:txBody>
+      </p:sp>
+      <p:sp>
+        <p:nvSpPr>
+          <p:cNvPr id="167" name="TextBox 166"/>
+          <p:cNvSpPr txBox="1"/>
+          <p:nvPr/>
+        </p:nvSpPr>
+        <p:spPr>
+          <a:xfrm>
+            <a:off x="6076463" y="5578070"/>
+            <a:ext cx="524503" cy="276999"/>
+          </a:xfrm>
+          <a:prstGeom prst="rect">
+            <a:avLst/>
+          </a:prstGeom>
+          <a:noFill/>
+          <a:ln>
+            <a:noFill/>
+          </a:ln>
+        </p:spPr>
+        <p:txBody>
+          <a:bodyPr wrap="none" rtlCol="0">
+            <a:spAutoFit/>
+          </a:bodyPr>
+          <a:lstStyle/>
+          <a:p>
+            <a:r>
+              <a:rPr lang="en-US" altLang="ko-KR" sz="1200" dirty="0" smtClean="0"/>
+              <a:t>2373</a:t>
+            </a:r>
+            <a:endParaRPr lang="ko-KR" altLang="en-US" sz="1200" dirty="0"/>
+          </a:p>
+        </p:txBody>
+      </p:sp>
+      <p:sp>
+        <p:nvSpPr>
+          <p:cNvPr id="168" name="TextBox 167"/>
+          <p:cNvSpPr txBox="1"/>
+          <p:nvPr/>
+        </p:nvSpPr>
+        <p:spPr>
+          <a:xfrm>
+            <a:off x="5487338" y="5568773"/>
+            <a:ext cx="524503" cy="276999"/>
+          </a:xfrm>
+          <a:prstGeom prst="rect">
+            <a:avLst/>
+          </a:prstGeom>
+          <a:noFill/>
+          <a:ln>
+            <a:noFill/>
+          </a:ln>
+        </p:spPr>
+        <p:txBody>
+          <a:bodyPr wrap="none" rtlCol="0">
+            <a:spAutoFit/>
+          </a:bodyPr>
+          <a:lstStyle/>
+          <a:p>
+            <a:r>
+              <a:rPr lang="en-US" altLang="ko-KR" sz="1200" dirty="0" smtClean="0"/>
+              <a:t>2395</a:t>
+            </a:r>
+            <a:endParaRPr lang="ko-KR" altLang="en-US" sz="1200" dirty="0"/>
+          </a:p>
+        </p:txBody>
+      </p:sp>
+      <p:sp>
+        <p:nvSpPr>
+          <p:cNvPr id="169" name="TextBox 168"/>
+          <p:cNvSpPr txBox="1"/>
+          <p:nvPr/>
+        </p:nvSpPr>
+        <p:spPr>
+          <a:xfrm>
+            <a:off x="4922236" y="5594536"/>
+            <a:ext cx="524503" cy="276999"/>
+          </a:xfrm>
+          <a:prstGeom prst="rect">
+            <a:avLst/>
+          </a:prstGeom>
+          <a:noFill/>
+          <a:ln>
             <a:noFill/>
           </a:ln>
         </p:spPr>
@@ -42103,13 +46382,13 @@
       </p:sp>
       <p:sp>
         <p:nvSpPr>
-          <p:cNvPr id="157" name="TextBox 156"/>
-          <p:cNvSpPr txBox="1"/>
-          <p:nvPr/>
-        </p:nvSpPr>
-        <p:spPr>
-          <a:xfrm>
-            <a:off x="5469706" y="4621098"/>
+          <p:cNvPr id="170" name="TextBox 169"/>
+          <p:cNvSpPr txBox="1"/>
+          <p:nvPr/>
+        </p:nvSpPr>
+        <p:spPr>
+          <a:xfrm>
+            <a:off x="4340066" y="5578641"/>
             <a:ext cx="524503" cy="276999"/>
           </a:xfrm>
           <a:prstGeom prst="rect">
@@ -42136,13 +46415,13 @@
       </p:sp>
       <p:sp>
         <p:nvSpPr>
-          <p:cNvPr id="158" name="TextBox 157"/>
-          <p:cNvSpPr txBox="1"/>
-          <p:nvPr/>
-        </p:nvSpPr>
-        <p:spPr>
-          <a:xfrm>
-            <a:off x="6076938" y="4626183"/>
+          <p:cNvPr id="171" name="TextBox 170"/>
+          <p:cNvSpPr txBox="1"/>
+          <p:nvPr/>
+        </p:nvSpPr>
+        <p:spPr>
+          <a:xfrm>
+            <a:off x="3729730" y="5586993"/>
             <a:ext cx="524503" cy="276999"/>
           </a:xfrm>
           <a:prstGeom prst="rect">
@@ -42169,435 +46448,6 @@
       </p:sp>
       <p:sp>
         <p:nvSpPr>
-          <p:cNvPr id="159" name="TextBox 158"/>
-          <p:cNvSpPr txBox="1"/>
-          <p:nvPr/>
-        </p:nvSpPr>
-        <p:spPr>
-          <a:xfrm>
-            <a:off x="6677641" y="4634998"/>
-            <a:ext cx="524503" cy="276999"/>
-          </a:xfrm>
-          <a:prstGeom prst="rect">
-            <a:avLst/>
-          </a:prstGeom>
-          <a:noFill/>
-          <a:ln>
-            <a:noFill/>
-          </a:ln>
-        </p:spPr>
-        <p:txBody>
-          <a:bodyPr wrap="none" rtlCol="0">
-            <a:spAutoFit/>
-          </a:bodyPr>
-          <a:lstStyle/>
-          <a:p>
-            <a:r>
-              <a:rPr lang="en-US" altLang="ko-KR" sz="1200" dirty="0" smtClean="0"/>
-              <a:t>2450</a:t>
-            </a:r>
-            <a:endParaRPr lang="ko-KR" altLang="en-US" sz="1200" dirty="0"/>
-          </a:p>
-        </p:txBody>
-      </p:sp>
-      <p:sp>
-        <p:nvSpPr>
-          <p:cNvPr id="160" name="TextBox 159"/>
-          <p:cNvSpPr txBox="1"/>
-          <p:nvPr/>
-        </p:nvSpPr>
-        <p:spPr>
-          <a:xfrm>
-            <a:off x="7282919" y="4621098"/>
-            <a:ext cx="524503" cy="276999"/>
-          </a:xfrm>
-          <a:prstGeom prst="rect">
-            <a:avLst/>
-          </a:prstGeom>
-          <a:noFill/>
-          <a:ln>
-            <a:noFill/>
-          </a:ln>
-        </p:spPr>
-        <p:txBody>
-          <a:bodyPr wrap="none" rtlCol="0">
-            <a:spAutoFit/>
-          </a:bodyPr>
-          <a:lstStyle/>
-          <a:p>
-            <a:r>
-              <a:rPr lang="en-US" altLang="ko-KR" sz="1200" dirty="0" smtClean="0"/>
-              <a:t>2451</a:t>
-            </a:r>
-            <a:endParaRPr lang="ko-KR" altLang="en-US" sz="1200" dirty="0"/>
-          </a:p>
-        </p:txBody>
-      </p:sp>
-      <p:sp>
-        <p:nvSpPr>
-          <p:cNvPr id="161" name="TextBox 160"/>
-          <p:cNvSpPr txBox="1"/>
-          <p:nvPr/>
-        </p:nvSpPr>
-        <p:spPr>
-          <a:xfrm>
-            <a:off x="3735176" y="4621096"/>
-            <a:ext cx="524503" cy="276999"/>
-          </a:xfrm>
-          <a:prstGeom prst="rect">
-            <a:avLst/>
-          </a:prstGeom>
-          <a:noFill/>
-          <a:ln>
-            <a:noFill/>
-          </a:ln>
-        </p:spPr>
-        <p:txBody>
-          <a:bodyPr wrap="none" rtlCol="0">
-            <a:spAutoFit/>
-          </a:bodyPr>
-          <a:lstStyle/>
-          <a:p>
-            <a:r>
-              <a:rPr lang="en-US" altLang="ko-KR" sz="1200" dirty="0" smtClean="0"/>
-              <a:t>2373</a:t>
-            </a:r>
-            <a:endParaRPr lang="ko-KR" altLang="en-US" sz="1200" dirty="0"/>
-          </a:p>
-        </p:txBody>
-      </p:sp>
-      <p:sp>
-        <p:nvSpPr>
-          <p:cNvPr id="162" name="TextBox 161"/>
-          <p:cNvSpPr txBox="1"/>
-          <p:nvPr/>
-        </p:nvSpPr>
-        <p:spPr>
-          <a:xfrm>
-            <a:off x="2874727" y="4638940"/>
-            <a:ext cx="524503" cy="276999"/>
-          </a:xfrm>
-          <a:prstGeom prst="rect">
-            <a:avLst/>
-          </a:prstGeom>
-          <a:noFill/>
-          <a:ln>
-            <a:noFill/>
-          </a:ln>
-        </p:spPr>
-        <p:txBody>
-          <a:bodyPr wrap="none" rtlCol="0">
-            <a:spAutoFit/>
-          </a:bodyPr>
-          <a:lstStyle/>
-          <a:p>
-            <a:r>
-              <a:rPr lang="en-US" altLang="ko-KR" sz="1200" dirty="0" smtClean="0"/>
-              <a:t>1863</a:t>
-            </a:r>
-            <a:endParaRPr lang="ko-KR" altLang="en-US" sz="1200" dirty="0"/>
-          </a:p>
-        </p:txBody>
-      </p:sp>
-      <p:sp>
-        <p:nvSpPr>
-          <p:cNvPr id="163" name="TextBox 162"/>
-          <p:cNvSpPr txBox="1"/>
-          <p:nvPr/>
-        </p:nvSpPr>
-        <p:spPr>
-          <a:xfrm>
-            <a:off x="2878353" y="5578070"/>
-            <a:ext cx="524503" cy="276999"/>
-          </a:xfrm>
-          <a:prstGeom prst="rect">
-            <a:avLst/>
-          </a:prstGeom>
-          <a:noFill/>
-          <a:ln>
-            <a:noFill/>
-          </a:ln>
-        </p:spPr>
-        <p:txBody>
-          <a:bodyPr wrap="none" rtlCol="0">
-            <a:spAutoFit/>
-          </a:bodyPr>
-          <a:lstStyle/>
-          <a:p>
-            <a:r>
-              <a:rPr lang="en-US" altLang="ko-KR" sz="1200" dirty="0" smtClean="0"/>
-              <a:t>1850</a:t>
-            </a:r>
-            <a:endParaRPr lang="ko-KR" altLang="en-US" sz="1200" dirty="0"/>
-          </a:p>
-        </p:txBody>
-      </p:sp>
-      <p:sp>
-        <p:nvSpPr>
-          <p:cNvPr id="164" name="TextBox 163"/>
-          <p:cNvSpPr txBox="1"/>
-          <p:nvPr/>
-        </p:nvSpPr>
-        <p:spPr>
-          <a:xfrm>
-            <a:off x="7858296" y="5578069"/>
-            <a:ext cx="524503" cy="276999"/>
-          </a:xfrm>
-          <a:prstGeom prst="rect">
-            <a:avLst/>
-          </a:prstGeom>
-          <a:noFill/>
-          <a:ln>
-            <a:noFill/>
-          </a:ln>
-        </p:spPr>
-        <p:txBody>
-          <a:bodyPr wrap="none" rtlCol="0">
-            <a:spAutoFit/>
-          </a:bodyPr>
-          <a:lstStyle/>
-          <a:p>
-            <a:r>
-              <a:rPr lang="en-US" altLang="ko-KR" sz="1200" dirty="0" smtClean="0"/>
-              <a:t>1298</a:t>
-            </a:r>
-            <a:endParaRPr lang="ko-KR" altLang="en-US" sz="1200" dirty="0"/>
-          </a:p>
-        </p:txBody>
-      </p:sp>
-      <p:sp>
-        <p:nvSpPr>
-          <p:cNvPr id="165" name="TextBox 164"/>
-          <p:cNvSpPr txBox="1"/>
-          <p:nvPr/>
-        </p:nvSpPr>
-        <p:spPr>
-          <a:xfrm>
-            <a:off x="7268969" y="5586992"/>
-            <a:ext cx="524503" cy="276999"/>
-          </a:xfrm>
-          <a:prstGeom prst="rect">
-            <a:avLst/>
-          </a:prstGeom>
-          <a:noFill/>
-          <a:ln>
-            <a:noFill/>
-          </a:ln>
-        </p:spPr>
-        <p:txBody>
-          <a:bodyPr wrap="none" rtlCol="0">
-            <a:spAutoFit/>
-          </a:bodyPr>
-          <a:lstStyle/>
-          <a:p>
-            <a:r>
-              <a:rPr lang="en-US" altLang="ko-KR" sz="1200" dirty="0" smtClean="0"/>
-              <a:t>1346</a:t>
-            </a:r>
-            <a:endParaRPr lang="ko-KR" altLang="en-US" sz="1200" dirty="0"/>
-          </a:p>
-        </p:txBody>
-      </p:sp>
-      <p:sp>
-        <p:nvSpPr>
-          <p:cNvPr id="166" name="TextBox 165"/>
-          <p:cNvSpPr txBox="1"/>
-          <p:nvPr/>
-        </p:nvSpPr>
-        <p:spPr>
-          <a:xfrm>
-            <a:off x="6686799" y="5578069"/>
-            <a:ext cx="524503" cy="276999"/>
-          </a:xfrm>
-          <a:prstGeom prst="rect">
-            <a:avLst/>
-          </a:prstGeom>
-          <a:noFill/>
-          <a:ln>
-            <a:noFill/>
-          </a:ln>
-        </p:spPr>
-        <p:txBody>
-          <a:bodyPr wrap="none" rtlCol="0">
-            <a:spAutoFit/>
-          </a:bodyPr>
-          <a:lstStyle/>
-          <a:p>
-            <a:r>
-              <a:rPr lang="en-US" altLang="ko-KR" sz="1200" dirty="0" smtClean="0"/>
-              <a:t>1355</a:t>
-            </a:r>
-            <a:endParaRPr lang="ko-KR" altLang="en-US" sz="1200" dirty="0"/>
-          </a:p>
-        </p:txBody>
-      </p:sp>
-      <p:sp>
-        <p:nvSpPr>
-          <p:cNvPr id="167" name="TextBox 166"/>
-          <p:cNvSpPr txBox="1"/>
-          <p:nvPr/>
-        </p:nvSpPr>
-        <p:spPr>
-          <a:xfrm>
-            <a:off x="6076463" y="5578070"/>
-            <a:ext cx="524503" cy="276999"/>
-          </a:xfrm>
-          <a:prstGeom prst="rect">
-            <a:avLst/>
-          </a:prstGeom>
-          <a:noFill/>
-          <a:ln>
-            <a:noFill/>
-          </a:ln>
-        </p:spPr>
-        <p:txBody>
-          <a:bodyPr wrap="none" rtlCol="0">
-            <a:spAutoFit/>
-          </a:bodyPr>
-          <a:lstStyle/>
-          <a:p>
-            <a:r>
-              <a:rPr lang="en-US" altLang="ko-KR" sz="1200" dirty="0" smtClean="0"/>
-              <a:t>1360</a:t>
-            </a:r>
-            <a:endParaRPr lang="ko-KR" altLang="en-US" sz="1200" dirty="0"/>
-          </a:p>
-        </p:txBody>
-      </p:sp>
-      <p:sp>
-        <p:nvSpPr>
-          <p:cNvPr id="168" name="TextBox 167"/>
-          <p:cNvSpPr txBox="1"/>
-          <p:nvPr/>
-        </p:nvSpPr>
-        <p:spPr>
-          <a:xfrm>
-            <a:off x="5487338" y="5568773"/>
-            <a:ext cx="524503" cy="276999"/>
-          </a:xfrm>
-          <a:prstGeom prst="rect">
-            <a:avLst/>
-          </a:prstGeom>
-          <a:noFill/>
-          <a:ln>
-            <a:noFill/>
-          </a:ln>
-        </p:spPr>
-        <p:txBody>
-          <a:bodyPr wrap="none" rtlCol="0">
-            <a:spAutoFit/>
-          </a:bodyPr>
-          <a:lstStyle/>
-          <a:p>
-            <a:r>
-              <a:rPr lang="en-US" altLang="ko-KR" sz="1200" dirty="0" smtClean="0"/>
-              <a:t>1361</a:t>
-            </a:r>
-            <a:endParaRPr lang="ko-KR" altLang="en-US" sz="1200" dirty="0"/>
-          </a:p>
-        </p:txBody>
-      </p:sp>
-      <p:sp>
-        <p:nvSpPr>
-          <p:cNvPr id="169" name="TextBox 168"/>
-          <p:cNvSpPr txBox="1"/>
-          <p:nvPr/>
-        </p:nvSpPr>
-        <p:spPr>
-          <a:xfrm>
-            <a:off x="4922236" y="5594536"/>
-            <a:ext cx="524503" cy="276999"/>
-          </a:xfrm>
-          <a:prstGeom prst="rect">
-            <a:avLst/>
-          </a:prstGeom>
-          <a:noFill/>
-          <a:ln>
-            <a:noFill/>
-          </a:ln>
-        </p:spPr>
-        <p:txBody>
-          <a:bodyPr wrap="none" rtlCol="0">
-            <a:spAutoFit/>
-          </a:bodyPr>
-          <a:lstStyle/>
-          <a:p>
-            <a:r>
-              <a:rPr lang="en-US" altLang="ko-KR" sz="1200" dirty="0" smtClean="0"/>
-              <a:t>1372</a:t>
-            </a:r>
-            <a:endParaRPr lang="ko-KR" altLang="en-US" sz="1200" dirty="0"/>
-          </a:p>
-        </p:txBody>
-      </p:sp>
-      <p:sp>
-        <p:nvSpPr>
-          <p:cNvPr id="170" name="TextBox 169"/>
-          <p:cNvSpPr txBox="1"/>
-          <p:nvPr/>
-        </p:nvSpPr>
-        <p:spPr>
-          <a:xfrm>
-            <a:off x="4340066" y="5578641"/>
-            <a:ext cx="524503" cy="276999"/>
-          </a:xfrm>
-          <a:prstGeom prst="rect">
-            <a:avLst/>
-          </a:prstGeom>
-          <a:noFill/>
-          <a:ln>
-            <a:noFill/>
-          </a:ln>
-        </p:spPr>
-        <p:txBody>
-          <a:bodyPr wrap="none" rtlCol="0">
-            <a:spAutoFit/>
-          </a:bodyPr>
-          <a:lstStyle/>
-          <a:p>
-            <a:r>
-              <a:rPr lang="en-US" altLang="ko-KR" sz="1200" dirty="0" smtClean="0"/>
-              <a:t>1419</a:t>
-            </a:r>
-            <a:endParaRPr lang="ko-KR" altLang="en-US" sz="1200" dirty="0"/>
-          </a:p>
-        </p:txBody>
-      </p:sp>
-      <p:sp>
-        <p:nvSpPr>
-          <p:cNvPr id="171" name="TextBox 170"/>
-          <p:cNvSpPr txBox="1"/>
-          <p:nvPr/>
-        </p:nvSpPr>
-        <p:spPr>
-          <a:xfrm>
-            <a:off x="3729730" y="5586993"/>
-            <a:ext cx="524503" cy="276999"/>
-          </a:xfrm>
-          <a:prstGeom prst="rect">
-            <a:avLst/>
-          </a:prstGeom>
-          <a:noFill/>
-          <a:ln>
-            <a:noFill/>
-          </a:ln>
-        </p:spPr>
-        <p:txBody>
-          <a:bodyPr wrap="none" rtlCol="0">
-            <a:spAutoFit/>
-          </a:bodyPr>
-          <a:lstStyle/>
-          <a:p>
-            <a:r>
-              <a:rPr lang="en-US" altLang="ko-KR" sz="1200" dirty="0" smtClean="0"/>
-              <a:t>1420</a:t>
-            </a:r>
-            <a:endParaRPr lang="ko-KR" altLang="en-US" sz="1200" dirty="0"/>
-          </a:p>
-        </p:txBody>
-      </p:sp>
-      <p:sp>
-        <p:nvSpPr>
           <p:cNvPr id="172" name="TextBox 171"/>
           <p:cNvSpPr txBox="1"/>
           <p:nvPr/>
@@ -42623,7 +46473,7 @@
           <a:p>
             <a:r>
               <a:rPr lang="en-US" altLang="ko-KR" sz="1200" dirty="0" smtClean="0"/>
-              <a:t>2453</a:t>
+              <a:t>3211</a:t>
             </a:r>
             <a:endParaRPr lang="ko-KR" altLang="en-US" sz="1200" dirty="0"/>
           </a:p>
